--- a/clase_03/SO_apuntes_clase3.pptx
+++ b/clase_03/SO_apuntes_clase3.pptx
@@ -5,7 +5,7 @@
     <p:sldMasterId id="2147483648" r:id="rId1"/>
   </p:sldMasterIdLst>
   <p:notesMasterIdLst>
-    <p:notesMasterId r:id="rId32"/>
+    <p:notesMasterId r:id="rId30"/>
   </p:notesMasterIdLst>
   <p:sldIdLst>
     <p:sldId id="256" r:id="rId2"/>
@@ -20,24 +20,22 @@
     <p:sldId id="311" r:id="rId11"/>
     <p:sldId id="310" r:id="rId12"/>
     <p:sldId id="313" r:id="rId13"/>
-    <p:sldId id="286" r:id="rId14"/>
-    <p:sldId id="287" r:id="rId15"/>
-    <p:sldId id="314" r:id="rId16"/>
-    <p:sldId id="315" r:id="rId17"/>
-    <p:sldId id="317" r:id="rId18"/>
-    <p:sldId id="316" r:id="rId19"/>
-    <p:sldId id="318" r:id="rId20"/>
-    <p:sldId id="319" r:id="rId21"/>
-    <p:sldId id="320" r:id="rId22"/>
-    <p:sldId id="321" r:id="rId23"/>
-    <p:sldId id="322" r:id="rId24"/>
-    <p:sldId id="323" r:id="rId25"/>
-    <p:sldId id="324" r:id="rId26"/>
-    <p:sldId id="325" r:id="rId27"/>
-    <p:sldId id="326" r:id="rId28"/>
-    <p:sldId id="327" r:id="rId29"/>
-    <p:sldId id="328" r:id="rId30"/>
-    <p:sldId id="329" r:id="rId31"/>
+    <p:sldId id="287" r:id="rId14"/>
+    <p:sldId id="315" r:id="rId15"/>
+    <p:sldId id="317" r:id="rId16"/>
+    <p:sldId id="316" r:id="rId17"/>
+    <p:sldId id="318" r:id="rId18"/>
+    <p:sldId id="319" r:id="rId19"/>
+    <p:sldId id="320" r:id="rId20"/>
+    <p:sldId id="321" r:id="rId21"/>
+    <p:sldId id="322" r:id="rId22"/>
+    <p:sldId id="323" r:id="rId23"/>
+    <p:sldId id="324" r:id="rId24"/>
+    <p:sldId id="325" r:id="rId25"/>
+    <p:sldId id="326" r:id="rId26"/>
+    <p:sldId id="327" r:id="rId27"/>
+    <p:sldId id="328" r:id="rId28"/>
+    <p:sldId id="329" r:id="rId29"/>
   </p:sldIdLst>
   <p:sldSz cx="12192000" cy="6858000"/>
   <p:notesSz cx="6858000" cy="9144000"/>
@@ -136,6 +134,11 @@
       </a:defRPr>
     </a:lvl9pPr>
   </p:defaultTextStyle>
+  <p:extLst>
+    <p:ext uri="{EFAFB233-063F-42B5-8137-9DF3F51BA10A}">
+      <p15:sldGuideLst xmlns:p15="http://schemas.microsoft.com/office/powerpoint/2012/main"/>
+    </p:ext>
+  </p:extLst>
 </p:presentation>
 </file>
 
@@ -221,7 +224,7 @@
           <a:p>
             <a:fld id="{F37CB702-8691-46C7-8F45-ADD5335D54F9}" type="datetimeFigureOut">
               <a:rPr lang="es-CO" smtClean="0"/>
-              <a:t>16/02/2026</a:t>
+              <a:t>17/02/2026</a:t>
             </a:fld>
             <a:endParaRPr lang="es-CO"/>
           </a:p>
@@ -845,7 +848,7 @@
   <p:cSld>
     <p:spTree>
       <p:nvGrpSpPr>
-        <p:cNvPr id="1" name="Shape 542"/>
+        <p:cNvPr id="1" name="Shape 548"/>
         <p:cNvGrpSpPr/>
         <p:nvPr/>
       </p:nvGrpSpPr>
@@ -859,7 +862,7 @@
       </p:grpSpPr>
       <p:sp>
         <p:nvSpPr>
-          <p:cNvPr id="543" name="Google Shape;543;g926a7ab31e_0_475:notes"/>
+          <p:cNvPr id="549" name="Google Shape;549;g926a7ab31e_0_577:notes"/>
           <p:cNvSpPr txBox="1">
             <a:spLocks noGrp="1"/>
           </p:cNvSpPr>
@@ -899,6 +902,18 @@
               <a:buFont typeface="Roboto"/>
               <a:buChar char="○"/>
             </a:pPr>
+            <a:r>
+              <a:rPr lang="es-ES" sz="2400">
+                <a:solidFill>
+                  <a:schemeClr val="dk1"/>
+                </a:solidFill>
+                <a:latin typeface="Roboto"/>
+                <a:ea typeface="Roboto"/>
+                <a:cs typeface="Roboto"/>
+                <a:sym typeface="Roboto"/>
+              </a:rPr>
+              <a:t>Está presente en casi todos los computadores que nos rodean.</a:t>
+            </a:r>
             <a:endParaRPr sz="2400">
               <a:solidFill>
                 <a:schemeClr val="dk1"/>
@@ -909,11 +924,74 @@
               <a:sym typeface="Roboto"/>
             </a:endParaRPr>
           </a:p>
+          <a:p>
+            <a:pPr marL="914400" lvl="1" indent="-381000" algn="l" rtl="0">
+              <a:lnSpc>
+                <a:spcPct val="90000"/>
+              </a:lnSpc>
+              <a:spcBef>
+                <a:spcPts val="0"/>
+              </a:spcBef>
+              <a:spcAft>
+                <a:spcPts val="0"/>
+              </a:spcAft>
+              <a:buClr>
+                <a:schemeClr val="dk1"/>
+              </a:buClr>
+              <a:buSzPts val="2400"/>
+              <a:buFont typeface="Roboto"/>
+              <a:buChar char="○"/>
+            </a:pPr>
+            <a:r>
+              <a:rPr lang="es-ES" sz="2400">
+                <a:solidFill>
+                  <a:schemeClr val="dk1"/>
+                </a:solidFill>
+                <a:latin typeface="Roboto"/>
+                <a:ea typeface="Roboto"/>
+                <a:cs typeface="Roboto"/>
+                <a:sym typeface="Roboto"/>
+              </a:rPr>
+              <a:t>Los lenguajes de programación más populares no fueron diseñados para programación paralela.</a:t>
+            </a:r>
+            <a:endParaRPr sz="2400">
+              <a:solidFill>
+                <a:schemeClr val="dk1"/>
+              </a:solidFill>
+              <a:latin typeface="Roboto"/>
+              <a:ea typeface="Roboto"/>
+              <a:cs typeface="Roboto"/>
+              <a:sym typeface="Roboto"/>
+            </a:endParaRPr>
+          </a:p>
+          <a:p>
+            <a:pPr marL="914400" lvl="0" indent="0" algn="l" rtl="0">
+              <a:lnSpc>
+                <a:spcPct val="90000"/>
+              </a:lnSpc>
+              <a:spcBef>
+                <a:spcPts val="500"/>
+              </a:spcBef>
+              <a:spcAft>
+                <a:spcPts val="0"/>
+              </a:spcAft>
+              <a:buNone/>
+            </a:pPr>
+            <a:endParaRPr sz="2400">
+              <a:solidFill>
+                <a:schemeClr val="dk1"/>
+              </a:solidFill>
+              <a:latin typeface="Roboto"/>
+              <a:ea typeface="Roboto"/>
+              <a:cs typeface="Roboto"/>
+              <a:sym typeface="Roboto"/>
+            </a:endParaRPr>
+          </a:p>
         </p:txBody>
       </p:sp>
       <p:sp>
         <p:nvSpPr>
-          <p:cNvPr id="544" name="Google Shape;544;g926a7ab31e_0_475:notes"/>
+          <p:cNvPr id="550" name="Google Shape;550;g926a7ab31e_0_577:notes"/>
           <p:cNvSpPr>
             <a:spLocks noGrp="1" noRot="1" noChangeAspect="1"/>
           </p:cNvSpPr>
@@ -1148,401 +1226,6 @@
         </p:spPr>
       </p:sp>
     </p:spTree>
-  </p:cSld>
-  <p:clrMapOvr>
-    <a:masterClrMapping/>
-  </p:clrMapOvr>
-</p:notes>
-</file>
-
-<file path=ppt/notesSlides/notesSlide14.xml><?xml version="1.0" encoding="utf-8"?>
-<p:notes xmlns:a="http://schemas.openxmlformats.org/drawingml/2006/main" xmlns:r="http://schemas.openxmlformats.org/officeDocument/2006/relationships" xmlns:p="http://schemas.openxmlformats.org/presentationml/2006/main" showMasterSp="0" showMasterPhAnim="0">
-  <p:cSld>
-    <p:spTree>
-      <p:nvGrpSpPr>
-        <p:cNvPr id="1" name="Shape 548"/>
-        <p:cNvGrpSpPr/>
-        <p:nvPr/>
-      </p:nvGrpSpPr>
-      <p:grpSpPr>
-        <a:xfrm>
-          <a:off x="0" y="0"/>
-          <a:ext cx="0" cy="0"/>
-          <a:chOff x="0" y="0"/>
-          <a:chExt cx="0" cy="0"/>
-        </a:xfrm>
-      </p:grpSpPr>
-      <p:sp>
-        <p:nvSpPr>
-          <p:cNvPr id="549" name="Google Shape;549;g926a7ab31e_0_577:notes"/>
-          <p:cNvSpPr txBox="1">
-            <a:spLocks noGrp="1"/>
-          </p:cNvSpPr>
-          <p:nvPr>
-            <p:ph type="body" idx="1"/>
-          </p:nvPr>
-        </p:nvSpPr>
-        <p:spPr>
-          <a:xfrm>
-            <a:off x="685800" y="4343400"/>
-            <a:ext cx="5486400" cy="4114800"/>
-          </a:xfrm>
-          <a:prstGeom prst="rect">
-            <a:avLst/>
-          </a:prstGeom>
-        </p:spPr>
-        <p:txBody>
-          <a:bodyPr spcFirstLastPara="1" wrap="square" lIns="91425" tIns="91425" rIns="91425" bIns="91425" anchor="t" anchorCtr="0">
-            <a:noAutofit/>
-          </a:bodyPr>
-          <a:lstStyle/>
-          <a:p>
-            <a:pPr marL="914400" lvl="1" indent="-381000" algn="l" rtl="0">
-              <a:lnSpc>
-                <a:spcPct val="90000"/>
-              </a:lnSpc>
-              <a:spcBef>
-                <a:spcPts val="500"/>
-              </a:spcBef>
-              <a:spcAft>
-                <a:spcPts val="0"/>
-              </a:spcAft>
-              <a:buClr>
-                <a:schemeClr val="dk1"/>
-              </a:buClr>
-              <a:buSzPts val="2400"/>
-              <a:buFont typeface="Roboto"/>
-              <a:buChar char="○"/>
-            </a:pPr>
-            <a:r>
-              <a:rPr lang="es-ES" sz="2400">
-                <a:solidFill>
-                  <a:schemeClr val="dk1"/>
-                </a:solidFill>
-                <a:latin typeface="Roboto"/>
-                <a:ea typeface="Roboto"/>
-                <a:cs typeface="Roboto"/>
-                <a:sym typeface="Roboto"/>
-              </a:rPr>
-              <a:t>Está presente en casi todos los computadores que nos rodean.</a:t>
-            </a:r>
-            <a:endParaRPr sz="2400">
-              <a:solidFill>
-                <a:schemeClr val="dk1"/>
-              </a:solidFill>
-              <a:latin typeface="Roboto"/>
-              <a:ea typeface="Roboto"/>
-              <a:cs typeface="Roboto"/>
-              <a:sym typeface="Roboto"/>
-            </a:endParaRPr>
-          </a:p>
-          <a:p>
-            <a:pPr marL="914400" lvl="1" indent="-381000" algn="l" rtl="0">
-              <a:lnSpc>
-                <a:spcPct val="90000"/>
-              </a:lnSpc>
-              <a:spcBef>
-                <a:spcPts val="0"/>
-              </a:spcBef>
-              <a:spcAft>
-                <a:spcPts val="0"/>
-              </a:spcAft>
-              <a:buClr>
-                <a:schemeClr val="dk1"/>
-              </a:buClr>
-              <a:buSzPts val="2400"/>
-              <a:buFont typeface="Roboto"/>
-              <a:buChar char="○"/>
-            </a:pPr>
-            <a:r>
-              <a:rPr lang="es-ES" sz="2400">
-                <a:solidFill>
-                  <a:schemeClr val="dk1"/>
-                </a:solidFill>
-                <a:latin typeface="Roboto"/>
-                <a:ea typeface="Roboto"/>
-                <a:cs typeface="Roboto"/>
-                <a:sym typeface="Roboto"/>
-              </a:rPr>
-              <a:t>Los lenguajes de programación más populares no fueron diseñados para programación paralela.</a:t>
-            </a:r>
-            <a:endParaRPr sz="2400">
-              <a:solidFill>
-                <a:schemeClr val="dk1"/>
-              </a:solidFill>
-              <a:latin typeface="Roboto"/>
-              <a:ea typeface="Roboto"/>
-              <a:cs typeface="Roboto"/>
-              <a:sym typeface="Roboto"/>
-            </a:endParaRPr>
-          </a:p>
-          <a:p>
-            <a:pPr marL="914400" lvl="0" indent="0" algn="l" rtl="0">
-              <a:lnSpc>
-                <a:spcPct val="90000"/>
-              </a:lnSpc>
-              <a:spcBef>
-                <a:spcPts val="500"/>
-              </a:spcBef>
-              <a:spcAft>
-                <a:spcPts val="0"/>
-              </a:spcAft>
-              <a:buNone/>
-            </a:pPr>
-            <a:endParaRPr sz="2400">
-              <a:solidFill>
-                <a:schemeClr val="dk1"/>
-              </a:solidFill>
-              <a:latin typeface="Roboto"/>
-              <a:ea typeface="Roboto"/>
-              <a:cs typeface="Roboto"/>
-              <a:sym typeface="Roboto"/>
-            </a:endParaRPr>
-          </a:p>
-        </p:txBody>
-      </p:sp>
-      <p:sp>
-        <p:nvSpPr>
-          <p:cNvPr id="550" name="Google Shape;550;g926a7ab31e_0_577:notes"/>
-          <p:cNvSpPr>
-            <a:spLocks noGrp="1" noRot="1" noChangeAspect="1"/>
-          </p:cNvSpPr>
-          <p:nvPr>
-            <p:ph type="sldImg" idx="2"/>
-          </p:nvPr>
-        </p:nvSpPr>
-        <p:spPr>
-          <a:xfrm>
-            <a:off x="381000" y="685800"/>
-            <a:ext cx="6096000" cy="3429000"/>
-          </a:xfrm>
-          <a:custGeom>
-            <a:avLst/>
-            <a:gdLst/>
-            <a:ahLst/>
-            <a:cxnLst/>
-            <a:rect l="l" t="t" r="r" b="b"/>
-            <a:pathLst>
-              <a:path w="120000" h="120000" extrusionOk="0">
-                <a:moveTo>
-                  <a:pt x="0" y="0"/>
-                </a:moveTo>
-                <a:lnTo>
-                  <a:pt x="120000" y="0"/>
-                </a:lnTo>
-                <a:lnTo>
-                  <a:pt x="120000" y="120000"/>
-                </a:lnTo>
-                <a:lnTo>
-                  <a:pt x="0" y="120000"/>
-                </a:lnTo>
-                <a:close/>
-              </a:path>
-            </a:pathLst>
-          </a:custGeom>
-        </p:spPr>
-      </p:sp>
-    </p:spTree>
-    <p:extLst>
-      <p:ext uri="{BB962C8B-B14F-4D97-AF65-F5344CB8AC3E}">
-        <p14:creationId xmlns:p14="http://schemas.microsoft.com/office/powerpoint/2010/main" val="3770060439"/>
-      </p:ext>
-    </p:extLst>
-  </p:cSld>
-  <p:clrMapOvr>
-    <a:masterClrMapping/>
-  </p:clrMapOvr>
-</p:notes>
-</file>
-
-<file path=ppt/notesSlides/notesSlide15.xml><?xml version="1.0" encoding="utf-8"?>
-<p:notes xmlns:a="http://schemas.openxmlformats.org/drawingml/2006/main" xmlns:r="http://schemas.openxmlformats.org/officeDocument/2006/relationships" xmlns:p="http://schemas.openxmlformats.org/presentationml/2006/main" showMasterSp="0" showMasterPhAnim="0">
-  <p:cSld>
-    <p:spTree>
-      <p:nvGrpSpPr>
-        <p:cNvPr id="1" name="Shape 548"/>
-        <p:cNvGrpSpPr/>
-        <p:nvPr/>
-      </p:nvGrpSpPr>
-      <p:grpSpPr>
-        <a:xfrm>
-          <a:off x="0" y="0"/>
-          <a:ext cx="0" cy="0"/>
-          <a:chOff x="0" y="0"/>
-          <a:chExt cx="0" cy="0"/>
-        </a:xfrm>
-      </p:grpSpPr>
-      <p:sp>
-        <p:nvSpPr>
-          <p:cNvPr id="549" name="Google Shape;549;g926a7ab31e_0_577:notes"/>
-          <p:cNvSpPr txBox="1">
-            <a:spLocks noGrp="1"/>
-          </p:cNvSpPr>
-          <p:nvPr>
-            <p:ph type="body" idx="1"/>
-          </p:nvPr>
-        </p:nvSpPr>
-        <p:spPr>
-          <a:xfrm>
-            <a:off x="685800" y="4343400"/>
-            <a:ext cx="5486400" cy="4114800"/>
-          </a:xfrm>
-          <a:prstGeom prst="rect">
-            <a:avLst/>
-          </a:prstGeom>
-        </p:spPr>
-        <p:txBody>
-          <a:bodyPr spcFirstLastPara="1" wrap="square" lIns="91425" tIns="91425" rIns="91425" bIns="91425" anchor="t" anchorCtr="0">
-            <a:noAutofit/>
-          </a:bodyPr>
-          <a:lstStyle/>
-          <a:p>
-            <a:pPr marL="914400" lvl="1" indent="-381000" algn="l" rtl="0">
-              <a:lnSpc>
-                <a:spcPct val="90000"/>
-              </a:lnSpc>
-              <a:spcBef>
-                <a:spcPts val="500"/>
-              </a:spcBef>
-              <a:spcAft>
-                <a:spcPts val="0"/>
-              </a:spcAft>
-              <a:buClr>
-                <a:schemeClr val="dk1"/>
-              </a:buClr>
-              <a:buSzPts val="2400"/>
-              <a:buFont typeface="Roboto"/>
-              <a:buChar char="○"/>
-            </a:pPr>
-            <a:r>
-              <a:rPr lang="es-ES" sz="2400">
-                <a:solidFill>
-                  <a:schemeClr val="dk1"/>
-                </a:solidFill>
-                <a:latin typeface="Roboto"/>
-                <a:ea typeface="Roboto"/>
-                <a:cs typeface="Roboto"/>
-                <a:sym typeface="Roboto"/>
-              </a:rPr>
-              <a:t>Está presente en casi todos los computadores que nos rodean.</a:t>
-            </a:r>
-            <a:endParaRPr sz="2400">
-              <a:solidFill>
-                <a:schemeClr val="dk1"/>
-              </a:solidFill>
-              <a:latin typeface="Roboto"/>
-              <a:ea typeface="Roboto"/>
-              <a:cs typeface="Roboto"/>
-              <a:sym typeface="Roboto"/>
-            </a:endParaRPr>
-          </a:p>
-          <a:p>
-            <a:pPr marL="914400" lvl="1" indent="-381000" algn="l" rtl="0">
-              <a:lnSpc>
-                <a:spcPct val="90000"/>
-              </a:lnSpc>
-              <a:spcBef>
-                <a:spcPts val="0"/>
-              </a:spcBef>
-              <a:spcAft>
-                <a:spcPts val="0"/>
-              </a:spcAft>
-              <a:buClr>
-                <a:schemeClr val="dk1"/>
-              </a:buClr>
-              <a:buSzPts val="2400"/>
-              <a:buFont typeface="Roboto"/>
-              <a:buChar char="○"/>
-            </a:pPr>
-            <a:r>
-              <a:rPr lang="es-ES" sz="2400">
-                <a:solidFill>
-                  <a:schemeClr val="dk1"/>
-                </a:solidFill>
-                <a:latin typeface="Roboto"/>
-                <a:ea typeface="Roboto"/>
-                <a:cs typeface="Roboto"/>
-                <a:sym typeface="Roboto"/>
-              </a:rPr>
-              <a:t>Los lenguajes de programación más populares no fueron diseñados para programación paralela.</a:t>
-            </a:r>
-            <a:endParaRPr sz="2400">
-              <a:solidFill>
-                <a:schemeClr val="dk1"/>
-              </a:solidFill>
-              <a:latin typeface="Roboto"/>
-              <a:ea typeface="Roboto"/>
-              <a:cs typeface="Roboto"/>
-              <a:sym typeface="Roboto"/>
-            </a:endParaRPr>
-          </a:p>
-          <a:p>
-            <a:pPr marL="914400" lvl="0" indent="0" algn="l" rtl="0">
-              <a:lnSpc>
-                <a:spcPct val="90000"/>
-              </a:lnSpc>
-              <a:spcBef>
-                <a:spcPts val="500"/>
-              </a:spcBef>
-              <a:spcAft>
-                <a:spcPts val="0"/>
-              </a:spcAft>
-              <a:buNone/>
-            </a:pPr>
-            <a:endParaRPr sz="2400">
-              <a:solidFill>
-                <a:schemeClr val="dk1"/>
-              </a:solidFill>
-              <a:latin typeface="Roboto"/>
-              <a:ea typeface="Roboto"/>
-              <a:cs typeface="Roboto"/>
-              <a:sym typeface="Roboto"/>
-            </a:endParaRPr>
-          </a:p>
-        </p:txBody>
-      </p:sp>
-      <p:sp>
-        <p:nvSpPr>
-          <p:cNvPr id="550" name="Google Shape;550;g926a7ab31e_0_577:notes"/>
-          <p:cNvSpPr>
-            <a:spLocks noGrp="1" noRot="1" noChangeAspect="1"/>
-          </p:cNvSpPr>
-          <p:nvPr>
-            <p:ph type="sldImg" idx="2"/>
-          </p:nvPr>
-        </p:nvSpPr>
-        <p:spPr>
-          <a:xfrm>
-            <a:off x="381000" y="685800"/>
-            <a:ext cx="6096000" cy="3429000"/>
-          </a:xfrm>
-          <a:custGeom>
-            <a:avLst/>
-            <a:gdLst/>
-            <a:ahLst/>
-            <a:cxnLst/>
-            <a:rect l="l" t="t" r="r" b="b"/>
-            <a:pathLst>
-              <a:path w="120000" h="120000" extrusionOk="0">
-                <a:moveTo>
-                  <a:pt x="0" y="0"/>
-                </a:moveTo>
-                <a:lnTo>
-                  <a:pt x="120000" y="0"/>
-                </a:lnTo>
-                <a:lnTo>
-                  <a:pt x="120000" y="120000"/>
-                </a:lnTo>
-                <a:lnTo>
-                  <a:pt x="0" y="120000"/>
-                </a:lnTo>
-                <a:close/>
-              </a:path>
-            </a:pathLst>
-          </a:custGeom>
-        </p:spPr>
-      </p:sp>
-    </p:spTree>
     <p:extLst>
       <p:ext uri="{BB962C8B-B14F-4D97-AF65-F5344CB8AC3E}">
         <p14:creationId xmlns:p14="http://schemas.microsoft.com/office/powerpoint/2010/main" val="3165294061"/>
@@ -1555,7 +1238,7 @@
 </p:notes>
 </file>
 
-<file path=ppt/notesSlides/notesSlide16.xml><?xml version="1.0" encoding="utf-8"?>
+<file path=ppt/notesSlides/notesSlide14.xml><?xml version="1.0" encoding="utf-8"?>
 <p:notes xmlns:a="http://schemas.openxmlformats.org/drawingml/2006/main" xmlns:r="http://schemas.openxmlformats.org/officeDocument/2006/relationships" xmlns:p="http://schemas.openxmlformats.org/presentationml/2006/main" showMasterSp="0" showMasterPhAnim="0">
   <p:cSld>
     <p:spTree>
@@ -1755,7 +1438,7 @@
 </p:notes>
 </file>
 
-<file path=ppt/notesSlides/notesSlide17.xml><?xml version="1.0" encoding="utf-8"?>
+<file path=ppt/notesSlides/notesSlide15.xml><?xml version="1.0" encoding="utf-8"?>
 <p:notes xmlns:a="http://schemas.openxmlformats.org/drawingml/2006/main" xmlns:r="http://schemas.openxmlformats.org/officeDocument/2006/relationships" xmlns:p="http://schemas.openxmlformats.org/presentationml/2006/main" showMasterSp="0" showMasterPhAnim="0">
   <p:cSld>
     <p:spTree>
@@ -1955,7 +1638,7 @@
 </p:notes>
 </file>
 
-<file path=ppt/notesSlides/notesSlide18.xml><?xml version="1.0" encoding="utf-8"?>
+<file path=ppt/notesSlides/notesSlide16.xml><?xml version="1.0" encoding="utf-8"?>
 <p:notes xmlns:a="http://schemas.openxmlformats.org/drawingml/2006/main" xmlns:r="http://schemas.openxmlformats.org/officeDocument/2006/relationships" xmlns:p="http://schemas.openxmlformats.org/presentationml/2006/main" showMasterSp="0" showMasterPhAnim="0">
   <p:cSld>
     <p:spTree>
@@ -2155,7 +1838,7 @@
 </p:notes>
 </file>
 
-<file path=ppt/notesSlides/notesSlide19.xml><?xml version="1.0" encoding="utf-8"?>
+<file path=ppt/notesSlides/notesSlide17.xml><?xml version="1.0" encoding="utf-8"?>
 <p:notes xmlns:a="http://schemas.openxmlformats.org/drawingml/2006/main" xmlns:r="http://schemas.openxmlformats.org/officeDocument/2006/relationships" xmlns:p="http://schemas.openxmlformats.org/presentationml/2006/main" showMasterSp="0" showMasterPhAnim="0">
   <p:cSld>
     <p:spTree>
@@ -2346,6 +2029,406 @@
     <p:extLst>
       <p:ext uri="{BB962C8B-B14F-4D97-AF65-F5344CB8AC3E}">
         <p14:creationId xmlns:p14="http://schemas.microsoft.com/office/powerpoint/2010/main" val="2604217536"/>
+      </p:ext>
+    </p:extLst>
+  </p:cSld>
+  <p:clrMapOvr>
+    <a:masterClrMapping/>
+  </p:clrMapOvr>
+</p:notes>
+</file>
+
+<file path=ppt/notesSlides/notesSlide18.xml><?xml version="1.0" encoding="utf-8"?>
+<p:notes xmlns:a="http://schemas.openxmlformats.org/drawingml/2006/main" xmlns:r="http://schemas.openxmlformats.org/officeDocument/2006/relationships" xmlns:p="http://schemas.openxmlformats.org/presentationml/2006/main" showMasterSp="0" showMasterPhAnim="0">
+  <p:cSld>
+    <p:spTree>
+      <p:nvGrpSpPr>
+        <p:cNvPr id="1" name="Shape 548"/>
+        <p:cNvGrpSpPr/>
+        <p:nvPr/>
+      </p:nvGrpSpPr>
+      <p:grpSpPr>
+        <a:xfrm>
+          <a:off x="0" y="0"/>
+          <a:ext cx="0" cy="0"/>
+          <a:chOff x="0" y="0"/>
+          <a:chExt cx="0" cy="0"/>
+        </a:xfrm>
+      </p:grpSpPr>
+      <p:sp>
+        <p:nvSpPr>
+          <p:cNvPr id="549" name="Google Shape;549;g926a7ab31e_0_577:notes"/>
+          <p:cNvSpPr txBox="1">
+            <a:spLocks noGrp="1"/>
+          </p:cNvSpPr>
+          <p:nvPr>
+            <p:ph type="body" idx="1"/>
+          </p:nvPr>
+        </p:nvSpPr>
+        <p:spPr>
+          <a:xfrm>
+            <a:off x="685800" y="4343400"/>
+            <a:ext cx="5486400" cy="4114800"/>
+          </a:xfrm>
+          <a:prstGeom prst="rect">
+            <a:avLst/>
+          </a:prstGeom>
+        </p:spPr>
+        <p:txBody>
+          <a:bodyPr spcFirstLastPara="1" wrap="square" lIns="91425" tIns="91425" rIns="91425" bIns="91425" anchor="t" anchorCtr="0">
+            <a:noAutofit/>
+          </a:bodyPr>
+          <a:lstStyle/>
+          <a:p>
+            <a:pPr marL="914400" lvl="1" indent="-381000" algn="l" rtl="0">
+              <a:lnSpc>
+                <a:spcPct val="90000"/>
+              </a:lnSpc>
+              <a:spcBef>
+                <a:spcPts val="500"/>
+              </a:spcBef>
+              <a:spcAft>
+                <a:spcPts val="0"/>
+              </a:spcAft>
+              <a:buClr>
+                <a:schemeClr val="dk1"/>
+              </a:buClr>
+              <a:buSzPts val="2400"/>
+              <a:buFont typeface="Roboto"/>
+              <a:buChar char="○"/>
+            </a:pPr>
+            <a:r>
+              <a:rPr lang="es-ES" sz="2400">
+                <a:solidFill>
+                  <a:schemeClr val="dk1"/>
+                </a:solidFill>
+                <a:latin typeface="Roboto"/>
+                <a:ea typeface="Roboto"/>
+                <a:cs typeface="Roboto"/>
+                <a:sym typeface="Roboto"/>
+              </a:rPr>
+              <a:t>Está presente en casi todos los computadores que nos rodean.</a:t>
+            </a:r>
+            <a:endParaRPr sz="2400">
+              <a:solidFill>
+                <a:schemeClr val="dk1"/>
+              </a:solidFill>
+              <a:latin typeface="Roboto"/>
+              <a:ea typeface="Roboto"/>
+              <a:cs typeface="Roboto"/>
+              <a:sym typeface="Roboto"/>
+            </a:endParaRPr>
+          </a:p>
+          <a:p>
+            <a:pPr marL="914400" lvl="1" indent="-381000" algn="l" rtl="0">
+              <a:lnSpc>
+                <a:spcPct val="90000"/>
+              </a:lnSpc>
+              <a:spcBef>
+                <a:spcPts val="0"/>
+              </a:spcBef>
+              <a:spcAft>
+                <a:spcPts val="0"/>
+              </a:spcAft>
+              <a:buClr>
+                <a:schemeClr val="dk1"/>
+              </a:buClr>
+              <a:buSzPts val="2400"/>
+              <a:buFont typeface="Roboto"/>
+              <a:buChar char="○"/>
+            </a:pPr>
+            <a:r>
+              <a:rPr lang="es-ES" sz="2400">
+                <a:solidFill>
+                  <a:schemeClr val="dk1"/>
+                </a:solidFill>
+                <a:latin typeface="Roboto"/>
+                <a:ea typeface="Roboto"/>
+                <a:cs typeface="Roboto"/>
+                <a:sym typeface="Roboto"/>
+              </a:rPr>
+              <a:t>Los lenguajes de programación más populares no fueron diseñados para programación paralela.</a:t>
+            </a:r>
+            <a:endParaRPr sz="2400">
+              <a:solidFill>
+                <a:schemeClr val="dk1"/>
+              </a:solidFill>
+              <a:latin typeface="Roboto"/>
+              <a:ea typeface="Roboto"/>
+              <a:cs typeface="Roboto"/>
+              <a:sym typeface="Roboto"/>
+            </a:endParaRPr>
+          </a:p>
+          <a:p>
+            <a:pPr marL="914400" lvl="0" indent="0" algn="l" rtl="0">
+              <a:lnSpc>
+                <a:spcPct val="90000"/>
+              </a:lnSpc>
+              <a:spcBef>
+                <a:spcPts val="500"/>
+              </a:spcBef>
+              <a:spcAft>
+                <a:spcPts val="0"/>
+              </a:spcAft>
+              <a:buNone/>
+            </a:pPr>
+            <a:endParaRPr sz="2400">
+              <a:solidFill>
+                <a:schemeClr val="dk1"/>
+              </a:solidFill>
+              <a:latin typeface="Roboto"/>
+              <a:ea typeface="Roboto"/>
+              <a:cs typeface="Roboto"/>
+              <a:sym typeface="Roboto"/>
+            </a:endParaRPr>
+          </a:p>
+        </p:txBody>
+      </p:sp>
+      <p:sp>
+        <p:nvSpPr>
+          <p:cNvPr id="550" name="Google Shape;550;g926a7ab31e_0_577:notes"/>
+          <p:cNvSpPr>
+            <a:spLocks noGrp="1" noRot="1" noChangeAspect="1"/>
+          </p:cNvSpPr>
+          <p:nvPr>
+            <p:ph type="sldImg" idx="2"/>
+          </p:nvPr>
+        </p:nvSpPr>
+        <p:spPr>
+          <a:xfrm>
+            <a:off x="381000" y="685800"/>
+            <a:ext cx="6096000" cy="3429000"/>
+          </a:xfrm>
+          <a:custGeom>
+            <a:avLst/>
+            <a:gdLst/>
+            <a:ahLst/>
+            <a:cxnLst/>
+            <a:rect l="l" t="t" r="r" b="b"/>
+            <a:pathLst>
+              <a:path w="120000" h="120000" extrusionOk="0">
+                <a:moveTo>
+                  <a:pt x="0" y="0"/>
+                </a:moveTo>
+                <a:lnTo>
+                  <a:pt x="120000" y="0"/>
+                </a:lnTo>
+                <a:lnTo>
+                  <a:pt x="120000" y="120000"/>
+                </a:lnTo>
+                <a:lnTo>
+                  <a:pt x="0" y="120000"/>
+                </a:lnTo>
+                <a:close/>
+              </a:path>
+            </a:pathLst>
+          </a:custGeom>
+        </p:spPr>
+      </p:sp>
+    </p:spTree>
+    <p:extLst>
+      <p:ext uri="{BB962C8B-B14F-4D97-AF65-F5344CB8AC3E}">
+        <p14:creationId xmlns:p14="http://schemas.microsoft.com/office/powerpoint/2010/main" val="3267262323"/>
+      </p:ext>
+    </p:extLst>
+  </p:cSld>
+  <p:clrMapOvr>
+    <a:masterClrMapping/>
+  </p:clrMapOvr>
+</p:notes>
+</file>
+
+<file path=ppt/notesSlides/notesSlide19.xml><?xml version="1.0" encoding="utf-8"?>
+<p:notes xmlns:a="http://schemas.openxmlformats.org/drawingml/2006/main" xmlns:r="http://schemas.openxmlformats.org/officeDocument/2006/relationships" xmlns:p="http://schemas.openxmlformats.org/presentationml/2006/main" showMasterSp="0" showMasterPhAnim="0">
+  <p:cSld>
+    <p:spTree>
+      <p:nvGrpSpPr>
+        <p:cNvPr id="1" name="Shape 548"/>
+        <p:cNvGrpSpPr/>
+        <p:nvPr/>
+      </p:nvGrpSpPr>
+      <p:grpSpPr>
+        <a:xfrm>
+          <a:off x="0" y="0"/>
+          <a:ext cx="0" cy="0"/>
+          <a:chOff x="0" y="0"/>
+          <a:chExt cx="0" cy="0"/>
+        </a:xfrm>
+      </p:grpSpPr>
+      <p:sp>
+        <p:nvSpPr>
+          <p:cNvPr id="549" name="Google Shape;549;g926a7ab31e_0_577:notes"/>
+          <p:cNvSpPr txBox="1">
+            <a:spLocks noGrp="1"/>
+          </p:cNvSpPr>
+          <p:nvPr>
+            <p:ph type="body" idx="1"/>
+          </p:nvPr>
+        </p:nvSpPr>
+        <p:spPr>
+          <a:xfrm>
+            <a:off x="685800" y="4343400"/>
+            <a:ext cx="5486400" cy="4114800"/>
+          </a:xfrm>
+          <a:prstGeom prst="rect">
+            <a:avLst/>
+          </a:prstGeom>
+        </p:spPr>
+        <p:txBody>
+          <a:bodyPr spcFirstLastPara="1" wrap="square" lIns="91425" tIns="91425" rIns="91425" bIns="91425" anchor="t" anchorCtr="0">
+            <a:noAutofit/>
+          </a:bodyPr>
+          <a:lstStyle/>
+          <a:p>
+            <a:pPr marL="914400" lvl="1" indent="-381000" algn="l" rtl="0">
+              <a:lnSpc>
+                <a:spcPct val="90000"/>
+              </a:lnSpc>
+              <a:spcBef>
+                <a:spcPts val="500"/>
+              </a:spcBef>
+              <a:spcAft>
+                <a:spcPts val="0"/>
+              </a:spcAft>
+              <a:buClr>
+                <a:schemeClr val="dk1"/>
+              </a:buClr>
+              <a:buSzPts val="2400"/>
+              <a:buFont typeface="Roboto"/>
+              <a:buChar char="○"/>
+            </a:pPr>
+            <a:r>
+              <a:rPr lang="es-ES" sz="2400">
+                <a:solidFill>
+                  <a:schemeClr val="dk1"/>
+                </a:solidFill>
+                <a:latin typeface="Roboto"/>
+                <a:ea typeface="Roboto"/>
+                <a:cs typeface="Roboto"/>
+                <a:sym typeface="Roboto"/>
+              </a:rPr>
+              <a:t>Está presente en casi todos los computadores que nos rodean.</a:t>
+            </a:r>
+            <a:endParaRPr sz="2400">
+              <a:solidFill>
+                <a:schemeClr val="dk1"/>
+              </a:solidFill>
+              <a:latin typeface="Roboto"/>
+              <a:ea typeface="Roboto"/>
+              <a:cs typeface="Roboto"/>
+              <a:sym typeface="Roboto"/>
+            </a:endParaRPr>
+          </a:p>
+          <a:p>
+            <a:pPr marL="914400" lvl="1" indent="-381000" algn="l" rtl="0">
+              <a:lnSpc>
+                <a:spcPct val="90000"/>
+              </a:lnSpc>
+              <a:spcBef>
+                <a:spcPts val="0"/>
+              </a:spcBef>
+              <a:spcAft>
+                <a:spcPts val="0"/>
+              </a:spcAft>
+              <a:buClr>
+                <a:schemeClr val="dk1"/>
+              </a:buClr>
+              <a:buSzPts val="2400"/>
+              <a:buFont typeface="Roboto"/>
+              <a:buChar char="○"/>
+            </a:pPr>
+            <a:r>
+              <a:rPr lang="es-ES" sz="2400">
+                <a:solidFill>
+                  <a:schemeClr val="dk1"/>
+                </a:solidFill>
+                <a:latin typeface="Roboto"/>
+                <a:ea typeface="Roboto"/>
+                <a:cs typeface="Roboto"/>
+                <a:sym typeface="Roboto"/>
+              </a:rPr>
+              <a:t>Los lenguajes de programación más populares no fueron diseñados para programación paralela.</a:t>
+            </a:r>
+            <a:endParaRPr sz="2400">
+              <a:solidFill>
+                <a:schemeClr val="dk1"/>
+              </a:solidFill>
+              <a:latin typeface="Roboto"/>
+              <a:ea typeface="Roboto"/>
+              <a:cs typeface="Roboto"/>
+              <a:sym typeface="Roboto"/>
+            </a:endParaRPr>
+          </a:p>
+          <a:p>
+            <a:pPr marL="914400" lvl="0" indent="0" algn="l" rtl="0">
+              <a:lnSpc>
+                <a:spcPct val="90000"/>
+              </a:lnSpc>
+              <a:spcBef>
+                <a:spcPts val="500"/>
+              </a:spcBef>
+              <a:spcAft>
+                <a:spcPts val="0"/>
+              </a:spcAft>
+              <a:buNone/>
+            </a:pPr>
+            <a:endParaRPr sz="2400">
+              <a:solidFill>
+                <a:schemeClr val="dk1"/>
+              </a:solidFill>
+              <a:latin typeface="Roboto"/>
+              <a:ea typeface="Roboto"/>
+              <a:cs typeface="Roboto"/>
+              <a:sym typeface="Roboto"/>
+            </a:endParaRPr>
+          </a:p>
+        </p:txBody>
+      </p:sp>
+      <p:sp>
+        <p:nvSpPr>
+          <p:cNvPr id="550" name="Google Shape;550;g926a7ab31e_0_577:notes"/>
+          <p:cNvSpPr>
+            <a:spLocks noGrp="1" noRot="1" noChangeAspect="1"/>
+          </p:cNvSpPr>
+          <p:nvPr>
+            <p:ph type="sldImg" idx="2"/>
+          </p:nvPr>
+        </p:nvSpPr>
+        <p:spPr>
+          <a:xfrm>
+            <a:off x="381000" y="685800"/>
+            <a:ext cx="6096000" cy="3429000"/>
+          </a:xfrm>
+          <a:custGeom>
+            <a:avLst/>
+            <a:gdLst/>
+            <a:ahLst/>
+            <a:cxnLst/>
+            <a:rect l="l" t="t" r="r" b="b"/>
+            <a:pathLst>
+              <a:path w="120000" h="120000" extrusionOk="0">
+                <a:moveTo>
+                  <a:pt x="0" y="0"/>
+                </a:moveTo>
+                <a:lnTo>
+                  <a:pt x="120000" y="0"/>
+                </a:lnTo>
+                <a:lnTo>
+                  <a:pt x="120000" y="120000"/>
+                </a:lnTo>
+                <a:lnTo>
+                  <a:pt x="0" y="120000"/>
+                </a:lnTo>
+                <a:close/>
+              </a:path>
+            </a:pathLst>
+          </a:custGeom>
+        </p:spPr>
+      </p:sp>
+    </p:spTree>
+    <p:extLst>
+      <p:ext uri="{BB962C8B-B14F-4D97-AF65-F5344CB8AC3E}">
+        <p14:creationId xmlns:p14="http://schemas.microsoft.com/office/powerpoint/2010/main" val="1842125955"/>
       </p:ext>
     </p:extLst>
   </p:cSld>
@@ -2658,7 +2741,7 @@
     </p:spTree>
     <p:extLst>
       <p:ext uri="{BB962C8B-B14F-4D97-AF65-F5344CB8AC3E}">
-        <p14:creationId xmlns:p14="http://schemas.microsoft.com/office/powerpoint/2010/main" val="3267262323"/>
+        <p14:creationId xmlns:p14="http://schemas.microsoft.com/office/powerpoint/2010/main" val="4102937836"/>
       </p:ext>
     </p:extLst>
   </p:cSld>
@@ -2669,406 +2752,6 @@
 </file>
 
 <file path=ppt/notesSlides/notesSlide21.xml><?xml version="1.0" encoding="utf-8"?>
-<p:notes xmlns:a="http://schemas.openxmlformats.org/drawingml/2006/main" xmlns:r="http://schemas.openxmlformats.org/officeDocument/2006/relationships" xmlns:p="http://schemas.openxmlformats.org/presentationml/2006/main" showMasterSp="0" showMasterPhAnim="0">
-  <p:cSld>
-    <p:spTree>
-      <p:nvGrpSpPr>
-        <p:cNvPr id="1" name="Shape 548"/>
-        <p:cNvGrpSpPr/>
-        <p:nvPr/>
-      </p:nvGrpSpPr>
-      <p:grpSpPr>
-        <a:xfrm>
-          <a:off x="0" y="0"/>
-          <a:ext cx="0" cy="0"/>
-          <a:chOff x="0" y="0"/>
-          <a:chExt cx="0" cy="0"/>
-        </a:xfrm>
-      </p:grpSpPr>
-      <p:sp>
-        <p:nvSpPr>
-          <p:cNvPr id="549" name="Google Shape;549;g926a7ab31e_0_577:notes"/>
-          <p:cNvSpPr txBox="1">
-            <a:spLocks noGrp="1"/>
-          </p:cNvSpPr>
-          <p:nvPr>
-            <p:ph type="body" idx="1"/>
-          </p:nvPr>
-        </p:nvSpPr>
-        <p:spPr>
-          <a:xfrm>
-            <a:off x="685800" y="4343400"/>
-            <a:ext cx="5486400" cy="4114800"/>
-          </a:xfrm>
-          <a:prstGeom prst="rect">
-            <a:avLst/>
-          </a:prstGeom>
-        </p:spPr>
-        <p:txBody>
-          <a:bodyPr spcFirstLastPara="1" wrap="square" lIns="91425" tIns="91425" rIns="91425" bIns="91425" anchor="t" anchorCtr="0">
-            <a:noAutofit/>
-          </a:bodyPr>
-          <a:lstStyle/>
-          <a:p>
-            <a:pPr marL="914400" lvl="1" indent="-381000" algn="l" rtl="0">
-              <a:lnSpc>
-                <a:spcPct val="90000"/>
-              </a:lnSpc>
-              <a:spcBef>
-                <a:spcPts val="500"/>
-              </a:spcBef>
-              <a:spcAft>
-                <a:spcPts val="0"/>
-              </a:spcAft>
-              <a:buClr>
-                <a:schemeClr val="dk1"/>
-              </a:buClr>
-              <a:buSzPts val="2400"/>
-              <a:buFont typeface="Roboto"/>
-              <a:buChar char="○"/>
-            </a:pPr>
-            <a:r>
-              <a:rPr lang="es-ES" sz="2400">
-                <a:solidFill>
-                  <a:schemeClr val="dk1"/>
-                </a:solidFill>
-                <a:latin typeface="Roboto"/>
-                <a:ea typeface="Roboto"/>
-                <a:cs typeface="Roboto"/>
-                <a:sym typeface="Roboto"/>
-              </a:rPr>
-              <a:t>Está presente en casi todos los computadores que nos rodean.</a:t>
-            </a:r>
-            <a:endParaRPr sz="2400">
-              <a:solidFill>
-                <a:schemeClr val="dk1"/>
-              </a:solidFill>
-              <a:latin typeface="Roboto"/>
-              <a:ea typeface="Roboto"/>
-              <a:cs typeface="Roboto"/>
-              <a:sym typeface="Roboto"/>
-            </a:endParaRPr>
-          </a:p>
-          <a:p>
-            <a:pPr marL="914400" lvl="1" indent="-381000" algn="l" rtl="0">
-              <a:lnSpc>
-                <a:spcPct val="90000"/>
-              </a:lnSpc>
-              <a:spcBef>
-                <a:spcPts val="0"/>
-              </a:spcBef>
-              <a:spcAft>
-                <a:spcPts val="0"/>
-              </a:spcAft>
-              <a:buClr>
-                <a:schemeClr val="dk1"/>
-              </a:buClr>
-              <a:buSzPts val="2400"/>
-              <a:buFont typeface="Roboto"/>
-              <a:buChar char="○"/>
-            </a:pPr>
-            <a:r>
-              <a:rPr lang="es-ES" sz="2400">
-                <a:solidFill>
-                  <a:schemeClr val="dk1"/>
-                </a:solidFill>
-                <a:latin typeface="Roboto"/>
-                <a:ea typeface="Roboto"/>
-                <a:cs typeface="Roboto"/>
-                <a:sym typeface="Roboto"/>
-              </a:rPr>
-              <a:t>Los lenguajes de programación más populares no fueron diseñados para programación paralela.</a:t>
-            </a:r>
-            <a:endParaRPr sz="2400">
-              <a:solidFill>
-                <a:schemeClr val="dk1"/>
-              </a:solidFill>
-              <a:latin typeface="Roboto"/>
-              <a:ea typeface="Roboto"/>
-              <a:cs typeface="Roboto"/>
-              <a:sym typeface="Roboto"/>
-            </a:endParaRPr>
-          </a:p>
-          <a:p>
-            <a:pPr marL="914400" lvl="0" indent="0" algn="l" rtl="0">
-              <a:lnSpc>
-                <a:spcPct val="90000"/>
-              </a:lnSpc>
-              <a:spcBef>
-                <a:spcPts val="500"/>
-              </a:spcBef>
-              <a:spcAft>
-                <a:spcPts val="0"/>
-              </a:spcAft>
-              <a:buNone/>
-            </a:pPr>
-            <a:endParaRPr sz="2400">
-              <a:solidFill>
-                <a:schemeClr val="dk1"/>
-              </a:solidFill>
-              <a:latin typeface="Roboto"/>
-              <a:ea typeface="Roboto"/>
-              <a:cs typeface="Roboto"/>
-              <a:sym typeface="Roboto"/>
-            </a:endParaRPr>
-          </a:p>
-        </p:txBody>
-      </p:sp>
-      <p:sp>
-        <p:nvSpPr>
-          <p:cNvPr id="550" name="Google Shape;550;g926a7ab31e_0_577:notes"/>
-          <p:cNvSpPr>
-            <a:spLocks noGrp="1" noRot="1" noChangeAspect="1"/>
-          </p:cNvSpPr>
-          <p:nvPr>
-            <p:ph type="sldImg" idx="2"/>
-          </p:nvPr>
-        </p:nvSpPr>
-        <p:spPr>
-          <a:xfrm>
-            <a:off x="381000" y="685800"/>
-            <a:ext cx="6096000" cy="3429000"/>
-          </a:xfrm>
-          <a:custGeom>
-            <a:avLst/>
-            <a:gdLst/>
-            <a:ahLst/>
-            <a:cxnLst/>
-            <a:rect l="l" t="t" r="r" b="b"/>
-            <a:pathLst>
-              <a:path w="120000" h="120000" extrusionOk="0">
-                <a:moveTo>
-                  <a:pt x="0" y="0"/>
-                </a:moveTo>
-                <a:lnTo>
-                  <a:pt x="120000" y="0"/>
-                </a:lnTo>
-                <a:lnTo>
-                  <a:pt x="120000" y="120000"/>
-                </a:lnTo>
-                <a:lnTo>
-                  <a:pt x="0" y="120000"/>
-                </a:lnTo>
-                <a:close/>
-              </a:path>
-            </a:pathLst>
-          </a:custGeom>
-        </p:spPr>
-      </p:sp>
-    </p:spTree>
-    <p:extLst>
-      <p:ext uri="{BB962C8B-B14F-4D97-AF65-F5344CB8AC3E}">
-        <p14:creationId xmlns:p14="http://schemas.microsoft.com/office/powerpoint/2010/main" val="1842125955"/>
-      </p:ext>
-    </p:extLst>
-  </p:cSld>
-  <p:clrMapOvr>
-    <a:masterClrMapping/>
-  </p:clrMapOvr>
-</p:notes>
-</file>
-
-<file path=ppt/notesSlides/notesSlide22.xml><?xml version="1.0" encoding="utf-8"?>
-<p:notes xmlns:a="http://schemas.openxmlformats.org/drawingml/2006/main" xmlns:r="http://schemas.openxmlformats.org/officeDocument/2006/relationships" xmlns:p="http://schemas.openxmlformats.org/presentationml/2006/main" showMasterSp="0" showMasterPhAnim="0">
-  <p:cSld>
-    <p:spTree>
-      <p:nvGrpSpPr>
-        <p:cNvPr id="1" name="Shape 548"/>
-        <p:cNvGrpSpPr/>
-        <p:nvPr/>
-      </p:nvGrpSpPr>
-      <p:grpSpPr>
-        <a:xfrm>
-          <a:off x="0" y="0"/>
-          <a:ext cx="0" cy="0"/>
-          <a:chOff x="0" y="0"/>
-          <a:chExt cx="0" cy="0"/>
-        </a:xfrm>
-      </p:grpSpPr>
-      <p:sp>
-        <p:nvSpPr>
-          <p:cNvPr id="549" name="Google Shape;549;g926a7ab31e_0_577:notes"/>
-          <p:cNvSpPr txBox="1">
-            <a:spLocks noGrp="1"/>
-          </p:cNvSpPr>
-          <p:nvPr>
-            <p:ph type="body" idx="1"/>
-          </p:nvPr>
-        </p:nvSpPr>
-        <p:spPr>
-          <a:xfrm>
-            <a:off x="685800" y="4343400"/>
-            <a:ext cx="5486400" cy="4114800"/>
-          </a:xfrm>
-          <a:prstGeom prst="rect">
-            <a:avLst/>
-          </a:prstGeom>
-        </p:spPr>
-        <p:txBody>
-          <a:bodyPr spcFirstLastPara="1" wrap="square" lIns="91425" tIns="91425" rIns="91425" bIns="91425" anchor="t" anchorCtr="0">
-            <a:noAutofit/>
-          </a:bodyPr>
-          <a:lstStyle/>
-          <a:p>
-            <a:pPr marL="914400" lvl="1" indent="-381000" algn="l" rtl="0">
-              <a:lnSpc>
-                <a:spcPct val="90000"/>
-              </a:lnSpc>
-              <a:spcBef>
-                <a:spcPts val="500"/>
-              </a:spcBef>
-              <a:spcAft>
-                <a:spcPts val="0"/>
-              </a:spcAft>
-              <a:buClr>
-                <a:schemeClr val="dk1"/>
-              </a:buClr>
-              <a:buSzPts val="2400"/>
-              <a:buFont typeface="Roboto"/>
-              <a:buChar char="○"/>
-            </a:pPr>
-            <a:r>
-              <a:rPr lang="es-ES" sz="2400">
-                <a:solidFill>
-                  <a:schemeClr val="dk1"/>
-                </a:solidFill>
-                <a:latin typeface="Roboto"/>
-                <a:ea typeface="Roboto"/>
-                <a:cs typeface="Roboto"/>
-                <a:sym typeface="Roboto"/>
-              </a:rPr>
-              <a:t>Está presente en casi todos los computadores que nos rodean.</a:t>
-            </a:r>
-            <a:endParaRPr sz="2400">
-              <a:solidFill>
-                <a:schemeClr val="dk1"/>
-              </a:solidFill>
-              <a:latin typeface="Roboto"/>
-              <a:ea typeface="Roboto"/>
-              <a:cs typeface="Roboto"/>
-              <a:sym typeface="Roboto"/>
-            </a:endParaRPr>
-          </a:p>
-          <a:p>
-            <a:pPr marL="914400" lvl="1" indent="-381000" algn="l" rtl="0">
-              <a:lnSpc>
-                <a:spcPct val="90000"/>
-              </a:lnSpc>
-              <a:spcBef>
-                <a:spcPts val="0"/>
-              </a:spcBef>
-              <a:spcAft>
-                <a:spcPts val="0"/>
-              </a:spcAft>
-              <a:buClr>
-                <a:schemeClr val="dk1"/>
-              </a:buClr>
-              <a:buSzPts val="2400"/>
-              <a:buFont typeface="Roboto"/>
-              <a:buChar char="○"/>
-            </a:pPr>
-            <a:r>
-              <a:rPr lang="es-ES" sz="2400">
-                <a:solidFill>
-                  <a:schemeClr val="dk1"/>
-                </a:solidFill>
-                <a:latin typeface="Roboto"/>
-                <a:ea typeface="Roboto"/>
-                <a:cs typeface="Roboto"/>
-                <a:sym typeface="Roboto"/>
-              </a:rPr>
-              <a:t>Los lenguajes de programación más populares no fueron diseñados para programación paralela.</a:t>
-            </a:r>
-            <a:endParaRPr sz="2400">
-              <a:solidFill>
-                <a:schemeClr val="dk1"/>
-              </a:solidFill>
-              <a:latin typeface="Roboto"/>
-              <a:ea typeface="Roboto"/>
-              <a:cs typeface="Roboto"/>
-              <a:sym typeface="Roboto"/>
-            </a:endParaRPr>
-          </a:p>
-          <a:p>
-            <a:pPr marL="914400" lvl="0" indent="0" algn="l" rtl="0">
-              <a:lnSpc>
-                <a:spcPct val="90000"/>
-              </a:lnSpc>
-              <a:spcBef>
-                <a:spcPts val="500"/>
-              </a:spcBef>
-              <a:spcAft>
-                <a:spcPts val="0"/>
-              </a:spcAft>
-              <a:buNone/>
-            </a:pPr>
-            <a:endParaRPr sz="2400">
-              <a:solidFill>
-                <a:schemeClr val="dk1"/>
-              </a:solidFill>
-              <a:latin typeface="Roboto"/>
-              <a:ea typeface="Roboto"/>
-              <a:cs typeface="Roboto"/>
-              <a:sym typeface="Roboto"/>
-            </a:endParaRPr>
-          </a:p>
-        </p:txBody>
-      </p:sp>
-      <p:sp>
-        <p:nvSpPr>
-          <p:cNvPr id="550" name="Google Shape;550;g926a7ab31e_0_577:notes"/>
-          <p:cNvSpPr>
-            <a:spLocks noGrp="1" noRot="1" noChangeAspect="1"/>
-          </p:cNvSpPr>
-          <p:nvPr>
-            <p:ph type="sldImg" idx="2"/>
-          </p:nvPr>
-        </p:nvSpPr>
-        <p:spPr>
-          <a:xfrm>
-            <a:off x="381000" y="685800"/>
-            <a:ext cx="6096000" cy="3429000"/>
-          </a:xfrm>
-          <a:custGeom>
-            <a:avLst/>
-            <a:gdLst/>
-            <a:ahLst/>
-            <a:cxnLst/>
-            <a:rect l="l" t="t" r="r" b="b"/>
-            <a:pathLst>
-              <a:path w="120000" h="120000" extrusionOk="0">
-                <a:moveTo>
-                  <a:pt x="0" y="0"/>
-                </a:moveTo>
-                <a:lnTo>
-                  <a:pt x="120000" y="0"/>
-                </a:lnTo>
-                <a:lnTo>
-                  <a:pt x="120000" y="120000"/>
-                </a:lnTo>
-                <a:lnTo>
-                  <a:pt x="0" y="120000"/>
-                </a:lnTo>
-                <a:close/>
-              </a:path>
-            </a:pathLst>
-          </a:custGeom>
-        </p:spPr>
-      </p:sp>
-    </p:spTree>
-    <p:extLst>
-      <p:ext uri="{BB962C8B-B14F-4D97-AF65-F5344CB8AC3E}">
-        <p14:creationId xmlns:p14="http://schemas.microsoft.com/office/powerpoint/2010/main" val="4102937836"/>
-      </p:ext>
-    </p:extLst>
-  </p:cSld>
-  <p:clrMapOvr>
-    <a:masterClrMapping/>
-  </p:clrMapOvr>
-</p:notes>
-</file>
-
-<file path=ppt/notesSlides/notesSlide23.xml><?xml version="1.0" encoding="utf-8"?>
 <p:notes xmlns:a="http://schemas.openxmlformats.org/drawingml/2006/main" xmlns:r="http://schemas.openxmlformats.org/officeDocument/2006/relationships" xmlns:p="http://schemas.openxmlformats.org/presentationml/2006/main" showMasterSp="0" showMasterPhAnim="0">
   <p:cSld>
     <p:spTree>
@@ -3268,7 +2951,7 @@
 </p:notes>
 </file>
 
-<file path=ppt/notesSlides/notesSlide24.xml><?xml version="1.0" encoding="utf-8"?>
+<file path=ppt/notesSlides/notesSlide22.xml><?xml version="1.0" encoding="utf-8"?>
 <p:notes xmlns:a="http://schemas.openxmlformats.org/drawingml/2006/main" xmlns:r="http://schemas.openxmlformats.org/officeDocument/2006/relationships" xmlns:p="http://schemas.openxmlformats.org/presentationml/2006/main" showMasterSp="0" showMasterPhAnim="0">
   <p:cSld>
     <p:spTree>
@@ -3468,7 +3151,7 @@
 </p:notes>
 </file>
 
-<file path=ppt/notesSlides/notesSlide25.xml><?xml version="1.0" encoding="utf-8"?>
+<file path=ppt/notesSlides/notesSlide23.xml><?xml version="1.0" encoding="utf-8"?>
 <p:notes xmlns:a="http://schemas.openxmlformats.org/drawingml/2006/main" xmlns:r="http://schemas.openxmlformats.org/officeDocument/2006/relationships" xmlns:p="http://schemas.openxmlformats.org/presentationml/2006/main" showMasterSp="0" showMasterPhAnim="0">
   <p:cSld>
     <p:spTree>
@@ -3668,7 +3351,7 @@
 </p:notes>
 </file>
 
-<file path=ppt/notesSlides/notesSlide26.xml><?xml version="1.0" encoding="utf-8"?>
+<file path=ppt/notesSlides/notesSlide24.xml><?xml version="1.0" encoding="utf-8"?>
 <p:notes xmlns:a="http://schemas.openxmlformats.org/drawingml/2006/main" xmlns:r="http://schemas.openxmlformats.org/officeDocument/2006/relationships" xmlns:p="http://schemas.openxmlformats.org/presentationml/2006/main" showMasterSp="0" showMasterPhAnim="0">
   <p:cSld>
     <p:spTree>
@@ -3868,7 +3551,7 @@
 </p:notes>
 </file>
 
-<file path=ppt/notesSlides/notesSlide27.xml><?xml version="1.0" encoding="utf-8"?>
+<file path=ppt/notesSlides/notesSlide25.xml><?xml version="1.0" encoding="utf-8"?>
 <p:notes xmlns:a="http://schemas.openxmlformats.org/drawingml/2006/main" xmlns:r="http://schemas.openxmlformats.org/officeDocument/2006/relationships" xmlns:p="http://schemas.openxmlformats.org/presentationml/2006/main" showMasterSp="0" showMasterPhAnim="0">
   <p:cSld>
     <p:spTree>
@@ -4068,7 +3751,7 @@
 </p:notes>
 </file>
 
-<file path=ppt/notesSlides/notesSlide28.xml><?xml version="1.0" encoding="utf-8"?>
+<file path=ppt/notesSlides/notesSlide26.xml><?xml version="1.0" encoding="utf-8"?>
 <p:notes xmlns:a="http://schemas.openxmlformats.org/drawingml/2006/main" xmlns:r="http://schemas.openxmlformats.org/officeDocument/2006/relationships" xmlns:p="http://schemas.openxmlformats.org/presentationml/2006/main" showMasterSp="0" showMasterPhAnim="0">
   <p:cSld>
     <p:spTree>
@@ -4268,7 +3951,7 @@
 </p:notes>
 </file>
 
-<file path=ppt/notesSlides/notesSlide29.xml><?xml version="1.0" encoding="utf-8"?>
+<file path=ppt/notesSlides/notesSlide27.xml><?xml version="1.0" encoding="utf-8"?>
 <p:notes xmlns:a="http://schemas.openxmlformats.org/drawingml/2006/main" xmlns:r="http://schemas.openxmlformats.org/officeDocument/2006/relationships" xmlns:p="http://schemas.openxmlformats.org/presentationml/2006/main" showMasterSp="0" showMasterPhAnim="0">
   <p:cSld>
     <p:spTree>
@@ -5443,7 +5126,7 @@
           <a:p>
             <a:fld id="{4427C41C-8DAC-4880-9EBF-4A80A4FB9896}" type="datetimeFigureOut">
               <a:rPr lang="es-CO" smtClean="0"/>
-              <a:t>16/02/2026</a:t>
+              <a:t>17/02/2026</a:t>
             </a:fld>
             <a:endParaRPr lang="es-CO"/>
           </a:p>
@@ -5643,7 +5326,7 @@
           <a:p>
             <a:fld id="{4427C41C-8DAC-4880-9EBF-4A80A4FB9896}" type="datetimeFigureOut">
               <a:rPr lang="es-CO" smtClean="0"/>
-              <a:t>16/02/2026</a:t>
+              <a:t>17/02/2026</a:t>
             </a:fld>
             <a:endParaRPr lang="es-CO"/>
           </a:p>
@@ -5853,7 +5536,7 @@
           <a:p>
             <a:fld id="{4427C41C-8DAC-4880-9EBF-4A80A4FB9896}" type="datetimeFigureOut">
               <a:rPr lang="es-CO" smtClean="0"/>
-              <a:t>16/02/2026</a:t>
+              <a:t>17/02/2026</a:t>
             </a:fld>
             <a:endParaRPr lang="es-CO"/>
           </a:p>
@@ -6053,7 +5736,7 @@
           <a:p>
             <a:fld id="{4427C41C-8DAC-4880-9EBF-4A80A4FB9896}" type="datetimeFigureOut">
               <a:rPr lang="es-CO" smtClean="0"/>
-              <a:t>16/02/2026</a:t>
+              <a:t>17/02/2026</a:t>
             </a:fld>
             <a:endParaRPr lang="es-CO"/>
           </a:p>
@@ -6329,7 +6012,7 @@
           <a:p>
             <a:fld id="{4427C41C-8DAC-4880-9EBF-4A80A4FB9896}" type="datetimeFigureOut">
               <a:rPr lang="es-CO" smtClean="0"/>
-              <a:t>16/02/2026</a:t>
+              <a:t>17/02/2026</a:t>
             </a:fld>
             <a:endParaRPr lang="es-CO"/>
           </a:p>
@@ -6597,7 +6280,7 @@
           <a:p>
             <a:fld id="{4427C41C-8DAC-4880-9EBF-4A80A4FB9896}" type="datetimeFigureOut">
               <a:rPr lang="es-CO" smtClean="0"/>
-              <a:t>16/02/2026</a:t>
+              <a:t>17/02/2026</a:t>
             </a:fld>
             <a:endParaRPr lang="es-CO"/>
           </a:p>
@@ -7012,7 +6695,7 @@
           <a:p>
             <a:fld id="{4427C41C-8DAC-4880-9EBF-4A80A4FB9896}" type="datetimeFigureOut">
               <a:rPr lang="es-CO" smtClean="0"/>
-              <a:t>16/02/2026</a:t>
+              <a:t>17/02/2026</a:t>
             </a:fld>
             <a:endParaRPr lang="es-CO"/>
           </a:p>
@@ -7154,7 +6837,7 @@
           <a:p>
             <a:fld id="{4427C41C-8DAC-4880-9EBF-4A80A4FB9896}" type="datetimeFigureOut">
               <a:rPr lang="es-CO" smtClean="0"/>
-              <a:t>16/02/2026</a:t>
+              <a:t>17/02/2026</a:t>
             </a:fld>
             <a:endParaRPr lang="es-CO"/>
           </a:p>
@@ -7267,7 +6950,7 @@
           <a:p>
             <a:fld id="{4427C41C-8DAC-4880-9EBF-4A80A4FB9896}" type="datetimeFigureOut">
               <a:rPr lang="es-CO" smtClean="0"/>
-              <a:t>16/02/2026</a:t>
+              <a:t>17/02/2026</a:t>
             </a:fld>
             <a:endParaRPr lang="es-CO"/>
           </a:p>
@@ -7580,7 +7263,7 @@
           <a:p>
             <a:fld id="{4427C41C-8DAC-4880-9EBF-4A80A4FB9896}" type="datetimeFigureOut">
               <a:rPr lang="es-CO" smtClean="0"/>
-              <a:t>16/02/2026</a:t>
+              <a:t>17/02/2026</a:t>
             </a:fld>
             <a:endParaRPr lang="es-CO"/>
           </a:p>
@@ -7869,7 +7552,7 @@
           <a:p>
             <a:fld id="{4427C41C-8DAC-4880-9EBF-4A80A4FB9896}" type="datetimeFigureOut">
               <a:rPr lang="es-CO" smtClean="0"/>
-              <a:t>16/02/2026</a:t>
+              <a:t>17/02/2026</a:t>
             </a:fld>
             <a:endParaRPr lang="es-CO"/>
           </a:p>
@@ -8112,7 +7795,7 @@
           <a:p>
             <a:fld id="{4427C41C-8DAC-4880-9EBF-4A80A4FB9896}" type="datetimeFigureOut">
               <a:rPr lang="es-CO" smtClean="0"/>
-              <a:t>16/02/2026</a:t>
+              <a:t>17/02/2026</a:t>
             </a:fld>
             <a:endParaRPr lang="es-CO"/>
           </a:p>
@@ -10538,218 +10221,6 @@
   <p:cSld>
     <p:spTree>
       <p:nvGrpSpPr>
-        <p:cNvPr id="1" name="Shape 545"/>
-        <p:cNvGrpSpPr/>
-        <p:nvPr/>
-      </p:nvGrpSpPr>
-      <p:grpSpPr>
-        <a:xfrm>
-          <a:off x="0" y="0"/>
-          <a:ext cx="0" cy="0"/>
-          <a:chOff x="0" y="0"/>
-          <a:chExt cx="0" cy="0"/>
-        </a:xfrm>
-      </p:grpSpPr>
-      <p:sp>
-        <p:nvSpPr>
-          <p:cNvPr id="546" name="Google Shape;546;p46"/>
-          <p:cNvSpPr txBox="1">
-            <a:spLocks noGrp="1"/>
-          </p:cNvSpPr>
-          <p:nvPr>
-            <p:ph type="title"/>
-          </p:nvPr>
-        </p:nvSpPr>
-        <p:spPr>
-          <a:xfrm>
-            <a:off x="916650" y="96038"/>
-            <a:ext cx="8304000" cy="949500"/>
-          </a:xfrm>
-          <a:prstGeom prst="rect">
-            <a:avLst/>
-          </a:prstGeom>
-          <a:noFill/>
-          <a:ln>
-            <a:noFill/>
-          </a:ln>
-        </p:spPr>
-        <p:txBody>
-          <a:bodyPr spcFirstLastPara="1" wrap="square" lIns="91425" tIns="45700" rIns="91425" bIns="45700" anchor="ctr" anchorCtr="0">
-            <a:noAutofit/>
-          </a:bodyPr>
-          <a:lstStyle/>
-          <a:p>
-            <a:pPr marL="0" lvl="0" indent="0" algn="l" rtl="0">
-              <a:lnSpc>
-                <a:spcPct val="90000"/>
-              </a:lnSpc>
-              <a:spcBef>
-                <a:spcPts val="0"/>
-              </a:spcBef>
-              <a:spcAft>
-                <a:spcPts val="0"/>
-              </a:spcAft>
-              <a:buClr>
-                <a:srgbClr val="0B6937"/>
-              </a:buClr>
-              <a:buSzPts val="2880"/>
-              <a:buFont typeface="Roboto Slab"/>
-              <a:buNone/>
-            </a:pPr>
-            <a:r>
-              <a:rPr lang="es-ES"/>
-              <a:t>Agenda</a:t>
-            </a:r>
-            <a:endParaRPr lang="es-ES" b="1">
-              <a:solidFill>
-                <a:srgbClr val="0B6937"/>
-              </a:solidFill>
-              <a:latin typeface="Roboto Slab"/>
-              <a:ea typeface="Roboto Slab"/>
-              <a:cs typeface="Roboto Slab"/>
-              <a:sym typeface="Roboto Slab"/>
-            </a:endParaRPr>
-          </a:p>
-        </p:txBody>
-      </p:sp>
-      <p:sp>
-        <p:nvSpPr>
-          <p:cNvPr id="547" name="Google Shape;547;p46"/>
-          <p:cNvSpPr txBox="1">
-            <a:spLocks noGrp="1"/>
-          </p:cNvSpPr>
-          <p:nvPr>
-            <p:ph type="body" idx="1"/>
-          </p:nvPr>
-        </p:nvSpPr>
-        <p:spPr>
-          <a:xfrm>
-            <a:off x="838200" y="1013201"/>
-            <a:ext cx="10515600" cy="4859100"/>
-          </a:xfrm>
-          <a:prstGeom prst="rect">
-            <a:avLst/>
-          </a:prstGeom>
-        </p:spPr>
-        <p:txBody>
-          <a:bodyPr spcFirstLastPara="1" wrap="square" lIns="91425" tIns="45700" rIns="91425" bIns="45700" anchor="t" anchorCtr="0">
-            <a:noAutofit/>
-          </a:bodyPr>
-          <a:lstStyle/>
-          <a:p>
-            <a:pPr marL="457200" lvl="0" indent="-400050" algn="l" rtl="0">
-              <a:spcBef>
-                <a:spcPts val="1000"/>
-              </a:spcBef>
-              <a:spcAft>
-                <a:spcPts val="0"/>
-              </a:spcAft>
-              <a:buSzPts val="2700"/>
-              <a:buChar char="●"/>
-            </a:pPr>
-            <a:r>
-              <a:rPr lang="es-MX" sz="2700"/>
-              <a:t>Repaso clase anterior</a:t>
-            </a:r>
-          </a:p>
-          <a:p>
-            <a:pPr marL="457200" lvl="0" indent="-400050" algn="l" rtl="0">
-              <a:spcBef>
-                <a:spcPts val="0"/>
-              </a:spcBef>
-              <a:spcAft>
-                <a:spcPts val="0"/>
-              </a:spcAft>
-              <a:buSzPts val="2700"/>
-              <a:buChar char="●"/>
-            </a:pPr>
-            <a:r>
-              <a:rPr lang="es-MX" sz="2700"/>
-              <a:t>Contexto</a:t>
-            </a:r>
-          </a:p>
-          <a:p>
-            <a:pPr marL="457200" lvl="0" indent="-400050" algn="l" rtl="0">
-              <a:spcBef>
-                <a:spcPts val="0"/>
-              </a:spcBef>
-              <a:spcAft>
-                <a:spcPts val="0"/>
-              </a:spcAft>
-              <a:buSzPts val="2700"/>
-              <a:buChar char="●"/>
-            </a:pPr>
-            <a:r>
-              <a:rPr lang="es-MX" sz="2700"/>
-              <a:t>¿Que es un proceso?</a:t>
-            </a:r>
-          </a:p>
-          <a:p>
-            <a:pPr marL="457200" lvl="0" indent="-400050" algn="l" rtl="0">
-              <a:spcBef>
-                <a:spcPts val="0"/>
-              </a:spcBef>
-              <a:spcAft>
-                <a:spcPts val="0"/>
-              </a:spcAft>
-              <a:buSzPts val="2700"/>
-              <a:buChar char="●"/>
-            </a:pPr>
-            <a:r>
-              <a:rPr lang="es-MX" sz="2700"/>
-              <a:t>¿Como se crea un proceso?</a:t>
-            </a:r>
-          </a:p>
-          <a:p>
-            <a:pPr marL="457200" lvl="0" indent="-400050" algn="l" rtl="0">
-              <a:spcBef>
-                <a:spcPts val="0"/>
-              </a:spcBef>
-              <a:spcAft>
-                <a:spcPts val="0"/>
-              </a:spcAft>
-              <a:buClr>
-                <a:srgbClr val="FF9900"/>
-              </a:buClr>
-              <a:buSzPts val="2700"/>
-              <a:buChar char="●"/>
-            </a:pPr>
-            <a:r>
-              <a:rPr lang="es-MX" sz="2700" b="1">
-                <a:solidFill>
-                  <a:srgbClr val="FF9900"/>
-                </a:solidFill>
-              </a:rPr>
-              <a:t>Elementos de los sistemas operativos</a:t>
-            </a:r>
-          </a:p>
-          <a:p>
-            <a:pPr marL="457200" lvl="0" indent="0" algn="l" rtl="0">
-              <a:spcBef>
-                <a:spcPts val="1000"/>
-              </a:spcBef>
-              <a:spcAft>
-                <a:spcPts val="0"/>
-              </a:spcAft>
-              <a:buNone/>
-            </a:pPr>
-            <a:endParaRPr lang="es-MX"/>
-          </a:p>
-        </p:txBody>
-      </p:sp>
-    </p:spTree>
-  </p:cSld>
-  <p:clrMapOvr>
-    <a:masterClrMapping/>
-  </p:clrMapOvr>
-</p:sld>
-</file>
-
-<file path=ppt/slides/slide14.xml><?xml version="1.0" encoding="utf-8"?>
-<p:sld xmlns:a="http://schemas.openxmlformats.org/drawingml/2006/main" xmlns:r="http://schemas.openxmlformats.org/officeDocument/2006/relationships" xmlns:p="http://schemas.openxmlformats.org/presentationml/2006/main">
-  <p:cSld>
-    <p:spTree>
-      <p:nvGrpSpPr>
         <p:cNvPr id="1" name="Shape 551"/>
         <p:cNvGrpSpPr/>
         <p:nvPr/>
@@ -11366,627 +10837,7 @@
 </p:sld>
 </file>
 
-<file path=ppt/slides/slide15.xml><?xml version="1.0" encoding="utf-8"?>
-<p:sld xmlns:a="http://schemas.openxmlformats.org/drawingml/2006/main" xmlns:r="http://schemas.openxmlformats.org/officeDocument/2006/relationships" xmlns:p="http://schemas.openxmlformats.org/presentationml/2006/main">
-  <p:cSld>
-    <p:spTree>
-      <p:nvGrpSpPr>
-        <p:cNvPr id="1" name="Shape 551"/>
-        <p:cNvGrpSpPr/>
-        <p:nvPr/>
-      </p:nvGrpSpPr>
-      <p:grpSpPr>
-        <a:xfrm>
-          <a:off x="0" y="0"/>
-          <a:ext cx="0" cy="0"/>
-          <a:chOff x="0" y="0"/>
-          <a:chExt cx="0" cy="0"/>
-        </a:xfrm>
-      </p:grpSpPr>
-      <p:sp>
-        <p:nvSpPr>
-          <p:cNvPr id="552" name="Google Shape;552;p47"/>
-          <p:cNvSpPr txBox="1">
-            <a:spLocks noGrp="1"/>
-          </p:cNvSpPr>
-          <p:nvPr>
-            <p:ph type="title"/>
-          </p:nvPr>
-        </p:nvSpPr>
-        <p:spPr>
-          <a:xfrm>
-            <a:off x="916650" y="96038"/>
-            <a:ext cx="9349568" cy="949500"/>
-          </a:xfrm>
-          <a:prstGeom prst="rect">
-            <a:avLst/>
-          </a:prstGeom>
-          <a:noFill/>
-          <a:ln>
-            <a:noFill/>
-          </a:ln>
-        </p:spPr>
-        <p:txBody>
-          <a:bodyPr spcFirstLastPara="1" wrap="square" lIns="91425" tIns="45700" rIns="91425" bIns="45700" anchor="ctr" anchorCtr="0">
-            <a:noAutofit/>
-          </a:bodyPr>
-          <a:lstStyle/>
-          <a:p>
-            <a:pPr marL="0" lvl="0" indent="0" algn="l" rtl="0">
-              <a:lnSpc>
-                <a:spcPct val="90000"/>
-              </a:lnSpc>
-              <a:spcBef>
-                <a:spcPts val="0"/>
-              </a:spcBef>
-              <a:spcAft>
-                <a:spcPts val="0"/>
-              </a:spcAft>
-              <a:buClr>
-                <a:srgbClr val="0B6937"/>
-              </a:buClr>
-              <a:buSzPts val="2880"/>
-              <a:buFont typeface="Roboto Slab"/>
-              <a:buNone/>
-            </a:pPr>
-            <a:r>
-              <a:rPr lang="es-ES" dirty="0"/>
-              <a:t>Elementos de los sistemas operativos</a:t>
-            </a:r>
-            <a:endParaRPr lang="es-ES" b="1" dirty="0">
-              <a:solidFill>
-                <a:srgbClr val="0B6937"/>
-              </a:solidFill>
-              <a:latin typeface="Roboto Slab"/>
-              <a:ea typeface="Roboto Slab"/>
-              <a:cs typeface="Roboto Slab"/>
-              <a:sym typeface="Roboto Slab"/>
-            </a:endParaRPr>
-          </a:p>
-        </p:txBody>
-      </p:sp>
-      <p:sp>
-        <p:nvSpPr>
-          <p:cNvPr id="553" name="Google Shape;553;p47"/>
-          <p:cNvSpPr txBox="1">
-            <a:spLocks noGrp="1"/>
-          </p:cNvSpPr>
-          <p:nvPr>
-            <p:ph type="body" idx="1"/>
-          </p:nvPr>
-        </p:nvSpPr>
-        <p:spPr>
-          <a:xfrm>
-            <a:off x="498764" y="1010300"/>
-            <a:ext cx="11042072" cy="5384700"/>
-          </a:xfrm>
-          <a:prstGeom prst="rect">
-            <a:avLst/>
-          </a:prstGeom>
-        </p:spPr>
-        <p:txBody>
-          <a:bodyPr spcFirstLastPara="1" wrap="square" lIns="91425" tIns="45700" rIns="91425" bIns="45700" anchor="t" anchorCtr="0">
-            <a:noAutofit/>
-          </a:bodyPr>
-          <a:lstStyle/>
-          <a:p>
-            <a:pPr marL="0" lvl="0" indent="0" algn="l" rtl="0">
-              <a:lnSpc>
-                <a:spcPct val="100000"/>
-              </a:lnSpc>
-              <a:spcBef>
-                <a:spcPts val="600"/>
-              </a:spcBef>
-              <a:spcAft>
-                <a:spcPts val="0"/>
-              </a:spcAft>
-              <a:buNone/>
-            </a:pPr>
-            <a:r>
-              <a:rPr lang="es-MX" sz="2000" dirty="0"/>
-              <a:t>Estos tres conceptos son los pilares que permiten que el software interactúe con el hardware sin caos</a:t>
-            </a:r>
-            <a:r>
-              <a:rPr lang="es-ES" sz="2000" dirty="0"/>
-              <a:t>:</a:t>
-            </a:r>
-          </a:p>
-          <a:p>
-            <a:pPr marL="457200" lvl="0" indent="-368300" algn="l" rtl="0">
-              <a:lnSpc>
-                <a:spcPct val="100000"/>
-              </a:lnSpc>
-              <a:spcBef>
-                <a:spcPts val="600"/>
-              </a:spcBef>
-              <a:spcAft>
-                <a:spcPts val="0"/>
-              </a:spcAft>
-              <a:buSzPts val="2200"/>
-              <a:buAutoNum type="arabicPeriod"/>
-            </a:pPr>
-            <a:r>
-              <a:rPr lang="es-ES" sz="2000" b="1" dirty="0"/>
-              <a:t>Abstracción (lo que “ve” el usuario)</a:t>
-            </a:r>
-            <a:r>
-              <a:rPr lang="es-ES" sz="2000" dirty="0"/>
-              <a:t>: </a:t>
-            </a:r>
-            <a:r>
-              <a:rPr lang="es-MX" sz="2000" dirty="0"/>
-              <a:t>Interfaz simplificada que oculta la complejidad física del hardware.</a:t>
-            </a:r>
-          </a:p>
-          <a:p>
-            <a:pPr marL="914400" lvl="1" indent="-368300">
-              <a:lnSpc>
-                <a:spcPct val="100000"/>
-              </a:lnSpc>
-              <a:spcBef>
-                <a:spcPts val="600"/>
-              </a:spcBef>
-              <a:buSzPts val="2200"/>
-            </a:pPr>
-            <a:r>
-              <a:rPr lang="es-ES" sz="2000" dirty="0"/>
-              <a:t>process, thread, file, socket, memory page.</a:t>
-            </a:r>
-          </a:p>
-          <a:p>
-            <a:pPr marL="457200" lvl="0" indent="-368300" algn="l" rtl="0">
-              <a:lnSpc>
-                <a:spcPct val="100000"/>
-              </a:lnSpc>
-              <a:spcBef>
-                <a:spcPts val="0"/>
-              </a:spcBef>
-              <a:spcAft>
-                <a:spcPts val="0"/>
-              </a:spcAft>
-              <a:buSzPts val="2200"/>
-              <a:buAutoNum type="arabicPeriod"/>
-            </a:pPr>
-            <a:r>
-              <a:rPr lang="es-ES" sz="2000" b="1" dirty="0"/>
-              <a:t>Mecanismos (el “como” se hace): </a:t>
-            </a:r>
-            <a:r>
-              <a:rPr lang="es-MX" sz="2000" dirty="0"/>
-              <a:t>representa las herramientas o funciones de bajo nivel que permiten implementar una operación.</a:t>
-            </a:r>
-          </a:p>
-          <a:p>
-            <a:pPr marL="1003300" lvl="1" indent="-457200">
-              <a:lnSpc>
-                <a:spcPct val="100000"/>
-              </a:lnSpc>
-              <a:spcBef>
-                <a:spcPts val="0"/>
-              </a:spcBef>
-              <a:buSzPts val="2200"/>
-            </a:pPr>
-            <a:r>
-              <a:rPr lang="es-ES" sz="2000" dirty="0" err="1"/>
-              <a:t>create</a:t>
-            </a:r>
-            <a:r>
-              <a:rPr lang="es-ES" sz="2000" dirty="0"/>
-              <a:t>, </a:t>
-            </a:r>
-            <a:r>
-              <a:rPr lang="es-ES" sz="2000" dirty="0" err="1"/>
-              <a:t>schedule</a:t>
-            </a:r>
-            <a:r>
-              <a:rPr lang="es-ES" sz="2000" dirty="0"/>
-              <a:t>, open, </a:t>
-            </a:r>
-            <a:r>
-              <a:rPr lang="es-ES" sz="2000" dirty="0" err="1"/>
-              <a:t>write</a:t>
-            </a:r>
-            <a:r>
-              <a:rPr lang="es-ES" sz="2000" dirty="0"/>
-              <a:t>, </a:t>
-            </a:r>
-            <a:r>
-              <a:rPr lang="es-ES" sz="2000" dirty="0" err="1"/>
-              <a:t>locate</a:t>
-            </a:r>
-            <a:r>
-              <a:rPr lang="es-ES" sz="2000" dirty="0"/>
-              <a:t>.</a:t>
-            </a:r>
-          </a:p>
-          <a:p>
-            <a:pPr marL="457200" lvl="0" indent="-368300" algn="l" rtl="0">
-              <a:lnSpc>
-                <a:spcPct val="100000"/>
-              </a:lnSpc>
-              <a:spcBef>
-                <a:spcPts val="0"/>
-              </a:spcBef>
-              <a:spcAft>
-                <a:spcPts val="0"/>
-              </a:spcAft>
-              <a:buSzPts val="2200"/>
-              <a:buAutoNum type="arabicPeriod"/>
-            </a:pPr>
-            <a:r>
-              <a:rPr lang="es-ES" sz="2000" b="1" dirty="0"/>
-              <a:t>Políticas (El “quien” y “cuando”)</a:t>
-            </a:r>
-            <a:r>
-              <a:rPr lang="es-ES" sz="2000" dirty="0"/>
-              <a:t>: </a:t>
-            </a:r>
-            <a:r>
-              <a:rPr lang="es-MX" sz="2000" dirty="0"/>
-              <a:t>es el conjunto de reglas o algoritmos que deciden cómo se utilizan los mecanismos para cumplir un objetivo.</a:t>
-            </a:r>
-          </a:p>
-          <a:p>
-            <a:pPr marL="1003300" lvl="1" indent="-457200">
-              <a:lnSpc>
-                <a:spcPct val="100000"/>
-              </a:lnSpc>
-              <a:spcBef>
-                <a:spcPts val="0"/>
-              </a:spcBef>
-              <a:buSzPts val="2200"/>
-            </a:pPr>
-            <a:r>
-              <a:rPr lang="es-ES" sz="2000" dirty="0" err="1"/>
-              <a:t>Last</a:t>
-            </a:r>
-            <a:r>
-              <a:rPr lang="es-ES" sz="2000" dirty="0"/>
-              <a:t> Recently Used (LRU), Earliest </a:t>
-            </a:r>
-            <a:r>
-              <a:rPr lang="es-ES" sz="2000" dirty="0" err="1"/>
-              <a:t>Deadline</a:t>
-            </a:r>
-            <a:r>
-              <a:rPr lang="es-ES" sz="2000" dirty="0"/>
-              <a:t> </a:t>
-            </a:r>
-            <a:r>
-              <a:rPr lang="es-ES" sz="2000" dirty="0" err="1"/>
-              <a:t>First</a:t>
-            </a:r>
-            <a:r>
-              <a:rPr lang="es-ES" sz="2000" dirty="0"/>
-              <a:t> (EDF), etc.</a:t>
-            </a:r>
-          </a:p>
-          <a:p>
-            <a:pPr marL="457200" lvl="0" indent="0" algn="l" rtl="0">
-              <a:lnSpc>
-                <a:spcPct val="100000"/>
-              </a:lnSpc>
-              <a:spcBef>
-                <a:spcPts val="480"/>
-              </a:spcBef>
-              <a:spcAft>
-                <a:spcPts val="0"/>
-              </a:spcAft>
-              <a:buNone/>
-            </a:pPr>
-            <a:endParaRPr lang="es-ES" sz="2000" dirty="0"/>
-          </a:p>
-          <a:p>
-            <a:pPr marL="457200" lvl="0" indent="0" algn="l" rtl="0">
-              <a:spcBef>
-                <a:spcPts val="1000"/>
-              </a:spcBef>
-              <a:spcAft>
-                <a:spcPts val="0"/>
-              </a:spcAft>
-              <a:buNone/>
-            </a:pPr>
-            <a:endParaRPr lang="es-ES" dirty="0"/>
-          </a:p>
-        </p:txBody>
-      </p:sp>
-      <p:graphicFrame>
-        <p:nvGraphicFramePr>
-          <p:cNvPr id="554" name="Google Shape;554;p47"/>
-          <p:cNvGraphicFramePr/>
-          <p:nvPr/>
-        </p:nvGraphicFramePr>
-        <p:xfrm>
-          <a:off x="3385997" y="4932050"/>
-          <a:ext cx="7967803" cy="1462950"/>
-        </p:xfrm>
-        <a:graphic>
-          <a:graphicData uri="http://schemas.openxmlformats.org/drawingml/2006/table">
-            <a:tbl>
-              <a:tblPr>
-                <a:noFill/>
-              </a:tblPr>
-              <a:tblGrid>
-                <a:gridCol w="2057479">
-                  <a:extLst>
-                    <a:ext uri="{9D8B030D-6E8A-4147-A177-3AD203B41FA5}">
-                      <a16:colId xmlns:a16="http://schemas.microsoft.com/office/drawing/2014/main" val="20000"/>
-                    </a:ext>
-                  </a:extLst>
-                </a:gridCol>
-                <a:gridCol w="2231942">
-                  <a:extLst>
-                    <a:ext uri="{9D8B030D-6E8A-4147-A177-3AD203B41FA5}">
-                      <a16:colId xmlns:a16="http://schemas.microsoft.com/office/drawing/2014/main" val="20001"/>
-                    </a:ext>
-                  </a:extLst>
-                </a:gridCol>
-                <a:gridCol w="3678382">
-                  <a:extLst>
-                    <a:ext uri="{9D8B030D-6E8A-4147-A177-3AD203B41FA5}">
-                      <a16:colId xmlns:a16="http://schemas.microsoft.com/office/drawing/2014/main" val="20002"/>
-                    </a:ext>
-                  </a:extLst>
-                </a:gridCol>
-              </a:tblGrid>
-              <a:tr h="396200">
-                <a:tc rowSpan="3">
-                  <a:txBody>
-                    <a:bodyPr/>
-                    <a:lstStyle/>
-                    <a:p>
-                      <a:pPr marL="0" lvl="0" indent="0" algn="ctr" rtl="0">
-                        <a:spcBef>
-                          <a:spcPts val="0"/>
-                        </a:spcBef>
-                        <a:spcAft>
-                          <a:spcPts val="0"/>
-                        </a:spcAft>
-                        <a:buNone/>
-                      </a:pPr>
-                      <a:r>
-                        <a:rPr lang="es-ES" sz="2200" b="1" dirty="0"/>
-                        <a:t>Process management</a:t>
-                      </a:r>
-                      <a:endParaRPr sz="2200" b="1" dirty="0"/>
-                    </a:p>
-                  </a:txBody>
-                  <a:tcPr marL="91425" marR="91425" marT="91425" marB="91425" anchor="ctr"/>
-                </a:tc>
-                <a:tc>
-                  <a:txBody>
-                    <a:bodyPr/>
-                    <a:lstStyle/>
-                    <a:p>
-                      <a:pPr marL="0" lvl="0" indent="0" algn="l" rtl="0">
-                        <a:spcBef>
-                          <a:spcPts val="0"/>
-                        </a:spcBef>
-                        <a:spcAft>
-                          <a:spcPts val="0"/>
-                        </a:spcAft>
-                        <a:buNone/>
-                      </a:pPr>
-                      <a:r>
-                        <a:rPr lang="es-ES" sz="2000" b="1"/>
-                        <a:t>Abstracción</a:t>
-                      </a:r>
-                      <a:endParaRPr sz="2000" b="1"/>
-                    </a:p>
-                  </a:txBody>
-                  <a:tcPr marL="91425" marR="91425" marT="91425" marB="91425"/>
-                </a:tc>
-                <a:tc>
-                  <a:txBody>
-                    <a:bodyPr/>
-                    <a:lstStyle/>
-                    <a:p>
-                      <a:pPr marL="0" lvl="0" indent="0" algn="l" rtl="0">
-                        <a:spcBef>
-                          <a:spcPts val="0"/>
-                        </a:spcBef>
-                        <a:spcAft>
-                          <a:spcPts val="0"/>
-                        </a:spcAft>
-                        <a:buNone/>
-                      </a:pPr>
-                      <a:r>
-                        <a:rPr lang="es-ES" sz="2000"/>
-                        <a:t>Proceso</a:t>
-                      </a:r>
-                      <a:endParaRPr sz="2000"/>
-                    </a:p>
-                  </a:txBody>
-                  <a:tcPr marL="91425" marR="91425" marT="91425" marB="91425"/>
-                </a:tc>
-                <a:extLst>
-                  <a:ext uri="{0D108BD9-81ED-4DB2-BD59-A6C34878D82A}">
-                    <a16:rowId xmlns:a16="http://schemas.microsoft.com/office/drawing/2014/main" val="10000"/>
-                  </a:ext>
-                </a:extLst>
-              </a:tr>
-              <a:tr h="396200">
-                <a:tc vMerge="1">
-                  <a:txBody>
-                    <a:bodyPr/>
-                    <a:lstStyle/>
-                    <a:p>
-                      <a:endParaRPr lang="es-CO"/>
-                    </a:p>
-                  </a:txBody>
-                  <a:tcPr/>
-                </a:tc>
-                <a:tc>
-                  <a:txBody>
-                    <a:bodyPr/>
-                    <a:lstStyle/>
-                    <a:p>
-                      <a:pPr marL="0" lvl="0" indent="0" algn="l" rtl="0">
-                        <a:spcBef>
-                          <a:spcPts val="0"/>
-                        </a:spcBef>
-                        <a:spcAft>
-                          <a:spcPts val="0"/>
-                        </a:spcAft>
-                        <a:buNone/>
-                      </a:pPr>
-                      <a:r>
-                        <a:rPr lang="es-ES" sz="2000" b="1"/>
-                        <a:t>Mecanismos</a:t>
-                      </a:r>
-                      <a:endParaRPr sz="2000" b="1"/>
-                    </a:p>
-                  </a:txBody>
-                  <a:tcPr marL="91425" marR="91425" marT="91425" marB="91425"/>
-                </a:tc>
-                <a:tc>
-                  <a:txBody>
-                    <a:bodyPr/>
-                    <a:lstStyle/>
-                    <a:p>
-                      <a:pPr marL="0" lvl="0" indent="0" algn="l" rtl="0">
-                        <a:spcBef>
-                          <a:spcPts val="0"/>
-                        </a:spcBef>
-                        <a:spcAft>
-                          <a:spcPts val="0"/>
-                        </a:spcAft>
-                        <a:buNone/>
-                      </a:pPr>
-                      <a:r>
-                        <a:rPr lang="es-ES" sz="2000"/>
-                        <a:t>create, destroy, wait, status,...</a:t>
-                      </a:r>
-                      <a:endParaRPr sz="2000"/>
-                    </a:p>
-                  </a:txBody>
-                  <a:tcPr marL="91425" marR="91425" marT="91425" marB="91425"/>
-                </a:tc>
-                <a:extLst>
-                  <a:ext uri="{0D108BD9-81ED-4DB2-BD59-A6C34878D82A}">
-                    <a16:rowId xmlns:a16="http://schemas.microsoft.com/office/drawing/2014/main" val="10001"/>
-                  </a:ext>
-                </a:extLst>
-              </a:tr>
-              <a:tr h="396200">
-                <a:tc vMerge="1">
-                  <a:txBody>
-                    <a:bodyPr/>
-                    <a:lstStyle/>
-                    <a:p>
-                      <a:endParaRPr lang="es-CO"/>
-                    </a:p>
-                  </a:txBody>
-                  <a:tcPr/>
-                </a:tc>
-                <a:tc>
-                  <a:txBody>
-                    <a:bodyPr/>
-                    <a:lstStyle/>
-                    <a:p>
-                      <a:pPr marL="0" lvl="0" indent="0" algn="l" rtl="0">
-                        <a:spcBef>
-                          <a:spcPts val="0"/>
-                        </a:spcBef>
-                        <a:spcAft>
-                          <a:spcPts val="0"/>
-                        </a:spcAft>
-                        <a:buNone/>
-                      </a:pPr>
-                      <a:r>
-                        <a:rPr lang="es-ES" sz="2000" b="1" dirty="0"/>
-                        <a:t>Políticas</a:t>
-                      </a:r>
-                      <a:endParaRPr sz="2000" b="1" dirty="0"/>
-                    </a:p>
-                  </a:txBody>
-                  <a:tcPr marL="91425" marR="91425" marT="91425" marB="91425"/>
-                </a:tc>
-                <a:tc>
-                  <a:txBody>
-                    <a:bodyPr/>
-                    <a:lstStyle/>
-                    <a:p>
-                      <a:pPr marL="0" lvl="0" indent="0" algn="l" rtl="0">
-                        <a:spcBef>
-                          <a:spcPts val="0"/>
-                        </a:spcBef>
-                        <a:spcAft>
-                          <a:spcPts val="0"/>
-                        </a:spcAft>
-                        <a:buNone/>
-                      </a:pPr>
-                      <a:r>
-                        <a:rPr lang="es-ES" sz="2000" dirty="0">
-                          <a:solidFill>
-                            <a:schemeClr val="dk1"/>
-                          </a:solidFill>
-                        </a:rPr>
-                        <a:t>FIFO, RR,...</a:t>
-                      </a:r>
-                      <a:endParaRPr sz="2000" dirty="0"/>
-                    </a:p>
-                  </a:txBody>
-                  <a:tcPr marL="91425" marR="91425" marT="91425" marB="91425"/>
-                </a:tc>
-                <a:extLst>
-                  <a:ext uri="{0D108BD9-81ED-4DB2-BD59-A6C34878D82A}">
-                    <a16:rowId xmlns:a16="http://schemas.microsoft.com/office/drawing/2014/main" val="10002"/>
-                  </a:ext>
-                </a:extLst>
-              </a:tr>
-            </a:tbl>
-          </a:graphicData>
-        </a:graphic>
-      </p:graphicFrame>
-      <p:pic>
-        <p:nvPicPr>
-          <p:cNvPr id="7" name="Google Shape;450;p37">
-            <a:extLst>
-              <a:ext uri="{FF2B5EF4-FFF2-40B4-BE49-F238E27FC236}">
-                <a16:creationId xmlns:a16="http://schemas.microsoft.com/office/drawing/2014/main" id="{070461D4-9EB4-42DF-B68B-A1B548142DED}"/>
-              </a:ext>
-            </a:extLst>
-          </p:cNvPr>
-          <p:cNvPicPr preferRelativeResize="0"/>
-          <p:nvPr/>
-        </p:nvPicPr>
-        <p:blipFill>
-          <a:blip r:embed="rId3">
-            <a:alphaModFix/>
-          </a:blip>
-          <a:stretch>
-            <a:fillRect/>
-          </a:stretch>
-        </p:blipFill>
-        <p:spPr>
-          <a:xfrm>
-            <a:off x="1687225" y="5188775"/>
-            <a:ext cx="949500" cy="949500"/>
-          </a:xfrm>
-          <a:prstGeom prst="rect">
-            <a:avLst/>
-          </a:prstGeom>
-          <a:noFill/>
-          <a:ln>
-            <a:noFill/>
-          </a:ln>
-        </p:spPr>
-      </p:pic>
-    </p:spTree>
-    <p:extLst>
-      <p:ext uri="{BB962C8B-B14F-4D97-AF65-F5344CB8AC3E}">
-        <p14:creationId xmlns:p14="http://schemas.microsoft.com/office/powerpoint/2010/main" val="450940393"/>
-      </p:ext>
-    </p:extLst>
-  </p:cSld>
-  <p:clrMapOvr>
-    <a:masterClrMapping/>
-  </p:clrMapOvr>
-</p:sld>
-</file>
-
-<file path=ppt/slides/slide16.xml><?xml version="1.0" encoding="utf-8"?>
+<file path=ppt/slides/slide14.xml><?xml version="1.0" encoding="utf-8"?>
 <p:sld xmlns:a="http://schemas.openxmlformats.org/drawingml/2006/main" xmlns:r="http://schemas.openxmlformats.org/officeDocument/2006/relationships" xmlns:p="http://schemas.openxmlformats.org/presentationml/2006/main">
   <p:cSld>
     <p:spTree>
@@ -12937,7 +11788,7 @@
 </p:sld>
 </file>
 
-<file path=ppt/slides/slide17.xml><?xml version="1.0" encoding="utf-8"?>
+<file path=ppt/slides/slide15.xml><?xml version="1.0" encoding="utf-8"?>
 <p:sld xmlns:a="http://schemas.openxmlformats.org/drawingml/2006/main" xmlns:r="http://schemas.openxmlformats.org/officeDocument/2006/relationships" xmlns:p="http://schemas.openxmlformats.org/presentationml/2006/main">
   <p:cSld>
     <p:spTree>
@@ -13882,7 +12733,7 @@
 </p:sld>
 </file>
 
-<file path=ppt/slides/slide18.xml><?xml version="1.0" encoding="utf-8"?>
+<file path=ppt/slides/slide16.xml><?xml version="1.0" encoding="utf-8"?>
 <p:sld xmlns:a="http://schemas.openxmlformats.org/drawingml/2006/main" xmlns:r="http://schemas.openxmlformats.org/officeDocument/2006/relationships" xmlns:p="http://schemas.openxmlformats.org/presentationml/2006/main">
   <p:cSld>
     <p:spTree>
@@ -14184,7 +13035,7 @@
 </p:sld>
 </file>
 
-<file path=ppt/slides/slide19.xml><?xml version="1.0" encoding="utf-8"?>
+<file path=ppt/slides/slide17.xml><?xml version="1.0" encoding="utf-8"?>
 <p:sld xmlns:a="http://schemas.openxmlformats.org/drawingml/2006/main" xmlns:r="http://schemas.openxmlformats.org/officeDocument/2006/relationships" xmlns:p="http://schemas.openxmlformats.org/presentationml/2006/main">
   <p:cSld>
     <p:spTree>
@@ -14357,221 +13208,7 @@
 </p:sld>
 </file>
 
-<file path=ppt/slides/slide2.xml><?xml version="1.0" encoding="utf-8"?>
-<p:sld xmlns:a="http://schemas.openxmlformats.org/drawingml/2006/main" xmlns:r="http://schemas.openxmlformats.org/officeDocument/2006/relationships" xmlns:p="http://schemas.openxmlformats.org/presentationml/2006/main">
-  <p:cSld>
-    <p:spTree>
-      <p:nvGrpSpPr>
-        <p:cNvPr id="1" name="Shape 144"/>
-        <p:cNvGrpSpPr/>
-        <p:nvPr/>
-      </p:nvGrpSpPr>
-      <p:grpSpPr>
-        <a:xfrm>
-          <a:off x="0" y="0"/>
-          <a:ext cx="0" cy="0"/>
-          <a:chOff x="0" y="0"/>
-          <a:chExt cx="0" cy="0"/>
-        </a:xfrm>
-      </p:grpSpPr>
-      <p:sp>
-        <p:nvSpPr>
-          <p:cNvPr id="145" name="Google Shape;145;p18"/>
-          <p:cNvSpPr txBox="1">
-            <a:spLocks noGrp="1"/>
-          </p:cNvSpPr>
-          <p:nvPr>
-            <p:ph type="title"/>
-          </p:nvPr>
-        </p:nvSpPr>
-        <p:spPr>
-          <a:xfrm>
-            <a:off x="916650" y="96038"/>
-            <a:ext cx="8304000" cy="949500"/>
-          </a:xfrm>
-          <a:prstGeom prst="rect">
-            <a:avLst/>
-          </a:prstGeom>
-          <a:noFill/>
-          <a:ln>
-            <a:noFill/>
-          </a:ln>
-        </p:spPr>
-        <p:txBody>
-          <a:bodyPr spcFirstLastPara="1" wrap="square" lIns="91425" tIns="45700" rIns="91425" bIns="45700" anchor="ctr" anchorCtr="0">
-            <a:noAutofit/>
-          </a:bodyPr>
-          <a:lstStyle/>
-          <a:p>
-            <a:pPr marL="0" lvl="0" indent="0" algn="l" rtl="0">
-              <a:lnSpc>
-                <a:spcPct val="90000"/>
-              </a:lnSpc>
-              <a:spcBef>
-                <a:spcPts val="0"/>
-              </a:spcBef>
-              <a:spcAft>
-                <a:spcPts val="0"/>
-              </a:spcAft>
-              <a:buClr>
-                <a:srgbClr val="0B6937"/>
-              </a:buClr>
-              <a:buSzPts val="2880"/>
-              <a:buFont typeface="Roboto Slab"/>
-              <a:buNone/>
-            </a:pPr>
-            <a:r>
-              <a:rPr lang="es-ES" dirty="0"/>
-              <a:t>Agenda</a:t>
-            </a:r>
-            <a:endParaRPr b="1" dirty="0">
-              <a:solidFill>
-                <a:srgbClr val="0B6937"/>
-              </a:solidFill>
-              <a:latin typeface="Roboto Slab"/>
-              <a:ea typeface="Roboto Slab"/>
-              <a:cs typeface="Roboto Slab"/>
-              <a:sym typeface="Roboto Slab"/>
-            </a:endParaRPr>
-          </a:p>
-        </p:txBody>
-      </p:sp>
-      <p:sp>
-        <p:nvSpPr>
-          <p:cNvPr id="146" name="Google Shape;146;p18"/>
-          <p:cNvSpPr txBox="1">
-            <a:spLocks noGrp="1"/>
-          </p:cNvSpPr>
-          <p:nvPr>
-            <p:ph type="body" idx="1"/>
-          </p:nvPr>
-        </p:nvSpPr>
-        <p:spPr>
-          <a:xfrm>
-            <a:off x="464126" y="999450"/>
-            <a:ext cx="11173691" cy="3406295"/>
-          </a:xfrm>
-          <a:prstGeom prst="rect">
-            <a:avLst/>
-          </a:prstGeom>
-        </p:spPr>
-        <p:txBody>
-          <a:bodyPr spcFirstLastPara="1" wrap="square" lIns="91425" tIns="45700" rIns="91425" bIns="45700" anchor="t" anchorCtr="0">
-            <a:noAutofit/>
-          </a:bodyPr>
-          <a:lstStyle/>
-          <a:p>
-            <a:pPr marL="514350" indent="-457200">
-              <a:buSzPts val="2700"/>
-            </a:pPr>
-            <a:r>
-              <a:rPr lang="es-ES" sz="2700" dirty="0"/>
-              <a:t>Repaso clase anterior</a:t>
-            </a:r>
-            <a:endParaRPr sz="2700" dirty="0"/>
-          </a:p>
-          <a:p>
-            <a:pPr marL="514350" indent="-457200">
-              <a:spcBef>
-                <a:spcPts val="0"/>
-              </a:spcBef>
-              <a:buSzPts val="2700"/>
-            </a:pPr>
-            <a:r>
-              <a:rPr lang="es-ES" sz="2700" dirty="0"/>
-              <a:t>Contexto</a:t>
-            </a:r>
-            <a:endParaRPr sz="2700" dirty="0"/>
-          </a:p>
-          <a:p>
-            <a:pPr marL="514350" indent="-457200">
-              <a:spcBef>
-                <a:spcPts val="0"/>
-              </a:spcBef>
-              <a:buSzPts val="2700"/>
-            </a:pPr>
-            <a:r>
-              <a:rPr lang="es-ES" sz="2700" dirty="0"/>
-              <a:t>¿Que es un proceso?</a:t>
-            </a:r>
-            <a:endParaRPr sz="2700" dirty="0"/>
-          </a:p>
-          <a:p>
-            <a:pPr marL="514350" indent="-457200">
-              <a:spcBef>
-                <a:spcPts val="0"/>
-              </a:spcBef>
-              <a:buSzPts val="2700"/>
-            </a:pPr>
-            <a:r>
-              <a:rPr lang="es-ES" sz="2700" dirty="0"/>
-              <a:t>¿Como se crea un proceso?</a:t>
-            </a:r>
-            <a:endParaRPr sz="2700" dirty="0"/>
-          </a:p>
-          <a:p>
-            <a:pPr marL="514350" indent="-457200">
-              <a:spcBef>
-                <a:spcPts val="0"/>
-              </a:spcBef>
-              <a:buSzPts val="2700"/>
-            </a:pPr>
-            <a:r>
-              <a:rPr lang="es-ES" sz="2700" dirty="0"/>
-              <a:t>Elementos de los sistemas operativos</a:t>
-            </a:r>
-            <a:endParaRPr sz="2700" dirty="0"/>
-          </a:p>
-          <a:p>
-            <a:pPr marL="514350" indent="-457200">
-              <a:spcBef>
-                <a:spcPts val="0"/>
-              </a:spcBef>
-              <a:buSzPts val="2700"/>
-            </a:pPr>
-            <a:r>
-              <a:rPr lang="es-ES" sz="2700" dirty="0"/>
-              <a:t>API de procesos</a:t>
-            </a:r>
-            <a:endParaRPr sz="2700" dirty="0"/>
-          </a:p>
-          <a:p>
-            <a:pPr marL="514350" indent="-457200">
-              <a:spcBef>
-                <a:spcPts val="0"/>
-              </a:spcBef>
-              <a:buSzPts val="2700"/>
-            </a:pPr>
-            <a:r>
-              <a:rPr lang="es-ES" sz="2700" dirty="0"/>
-              <a:t>Estados de un proceso</a:t>
-            </a:r>
-            <a:endParaRPr sz="2700" dirty="0"/>
-          </a:p>
-          <a:p>
-            <a:pPr marL="514350" indent="-457200">
-              <a:spcBef>
-                <a:spcPts val="0"/>
-              </a:spcBef>
-              <a:buSzPts val="2700"/>
-            </a:pPr>
-            <a:r>
-              <a:rPr lang="es-ES" sz="2700" dirty="0"/>
-              <a:t>Estructuras de datos de sistemas operativos</a:t>
-            </a:r>
-            <a:endParaRPr sz="2700" dirty="0"/>
-          </a:p>
-        </p:txBody>
-      </p:sp>
-    </p:spTree>
-  </p:cSld>
-  <p:clrMapOvr>
-    <a:masterClrMapping/>
-  </p:clrMapOvr>
-</p:sld>
-</file>
-
-<file path=ppt/slides/slide20.xml><?xml version="1.0" encoding="utf-8"?>
+<file path=ppt/slides/slide18.xml><?xml version="1.0" encoding="utf-8"?>
 <p:sld xmlns:a="http://schemas.openxmlformats.org/drawingml/2006/main" xmlns:r="http://schemas.openxmlformats.org/officeDocument/2006/relationships" xmlns:p="http://schemas.openxmlformats.org/presentationml/2006/main">
   <p:cSld>
     <p:spTree>
@@ -14731,7 +13368,7 @@
 </p:sld>
 </file>
 
-<file path=ppt/slides/slide21.xml><?xml version="1.0" encoding="utf-8"?>
+<file path=ppt/slides/slide19.xml><?xml version="1.0" encoding="utf-8"?>
 <p:sld xmlns:a="http://schemas.openxmlformats.org/drawingml/2006/main" xmlns:r="http://schemas.openxmlformats.org/officeDocument/2006/relationships" xmlns:p="http://schemas.openxmlformats.org/presentationml/2006/main">
   <p:cSld>
     <p:spTree>
@@ -14891,7 +13528,221 @@
 </p:sld>
 </file>
 
-<file path=ppt/slides/slide22.xml><?xml version="1.0" encoding="utf-8"?>
+<file path=ppt/slides/slide2.xml><?xml version="1.0" encoding="utf-8"?>
+<p:sld xmlns:a="http://schemas.openxmlformats.org/drawingml/2006/main" xmlns:r="http://schemas.openxmlformats.org/officeDocument/2006/relationships" xmlns:p="http://schemas.openxmlformats.org/presentationml/2006/main">
+  <p:cSld>
+    <p:spTree>
+      <p:nvGrpSpPr>
+        <p:cNvPr id="1" name="Shape 144"/>
+        <p:cNvGrpSpPr/>
+        <p:nvPr/>
+      </p:nvGrpSpPr>
+      <p:grpSpPr>
+        <a:xfrm>
+          <a:off x="0" y="0"/>
+          <a:ext cx="0" cy="0"/>
+          <a:chOff x="0" y="0"/>
+          <a:chExt cx="0" cy="0"/>
+        </a:xfrm>
+      </p:grpSpPr>
+      <p:sp>
+        <p:nvSpPr>
+          <p:cNvPr id="145" name="Google Shape;145;p18"/>
+          <p:cNvSpPr txBox="1">
+            <a:spLocks noGrp="1"/>
+          </p:cNvSpPr>
+          <p:nvPr>
+            <p:ph type="title"/>
+          </p:nvPr>
+        </p:nvSpPr>
+        <p:spPr>
+          <a:xfrm>
+            <a:off x="916650" y="96038"/>
+            <a:ext cx="8304000" cy="949500"/>
+          </a:xfrm>
+          <a:prstGeom prst="rect">
+            <a:avLst/>
+          </a:prstGeom>
+          <a:noFill/>
+          <a:ln>
+            <a:noFill/>
+          </a:ln>
+        </p:spPr>
+        <p:txBody>
+          <a:bodyPr spcFirstLastPara="1" wrap="square" lIns="91425" tIns="45700" rIns="91425" bIns="45700" anchor="ctr" anchorCtr="0">
+            <a:noAutofit/>
+          </a:bodyPr>
+          <a:lstStyle/>
+          <a:p>
+            <a:pPr marL="0" lvl="0" indent="0" algn="l" rtl="0">
+              <a:lnSpc>
+                <a:spcPct val="90000"/>
+              </a:lnSpc>
+              <a:spcBef>
+                <a:spcPts val="0"/>
+              </a:spcBef>
+              <a:spcAft>
+                <a:spcPts val="0"/>
+              </a:spcAft>
+              <a:buClr>
+                <a:srgbClr val="0B6937"/>
+              </a:buClr>
+              <a:buSzPts val="2880"/>
+              <a:buFont typeface="Roboto Slab"/>
+              <a:buNone/>
+            </a:pPr>
+            <a:r>
+              <a:rPr lang="es-ES" dirty="0"/>
+              <a:t>Agenda</a:t>
+            </a:r>
+            <a:endParaRPr b="1" dirty="0">
+              <a:solidFill>
+                <a:srgbClr val="0B6937"/>
+              </a:solidFill>
+              <a:latin typeface="Roboto Slab"/>
+              <a:ea typeface="Roboto Slab"/>
+              <a:cs typeface="Roboto Slab"/>
+              <a:sym typeface="Roboto Slab"/>
+            </a:endParaRPr>
+          </a:p>
+        </p:txBody>
+      </p:sp>
+      <p:sp>
+        <p:nvSpPr>
+          <p:cNvPr id="146" name="Google Shape;146;p18"/>
+          <p:cNvSpPr txBox="1">
+            <a:spLocks noGrp="1"/>
+          </p:cNvSpPr>
+          <p:nvPr>
+            <p:ph type="body" idx="1"/>
+          </p:nvPr>
+        </p:nvSpPr>
+        <p:spPr>
+          <a:xfrm>
+            <a:off x="464126" y="999450"/>
+            <a:ext cx="11173691" cy="3406295"/>
+          </a:xfrm>
+          <a:prstGeom prst="rect">
+            <a:avLst/>
+          </a:prstGeom>
+        </p:spPr>
+        <p:txBody>
+          <a:bodyPr spcFirstLastPara="1" wrap="square" lIns="91425" tIns="45700" rIns="91425" bIns="45700" anchor="t" anchorCtr="0">
+            <a:noAutofit/>
+          </a:bodyPr>
+          <a:lstStyle/>
+          <a:p>
+            <a:pPr marL="514350" indent="-457200">
+              <a:buSzPts val="2700"/>
+            </a:pPr>
+            <a:r>
+              <a:rPr lang="es-ES" sz="2700" dirty="0"/>
+              <a:t>Repaso clase anterior</a:t>
+            </a:r>
+            <a:endParaRPr sz="2700" dirty="0"/>
+          </a:p>
+          <a:p>
+            <a:pPr marL="514350" indent="-457200">
+              <a:spcBef>
+                <a:spcPts val="0"/>
+              </a:spcBef>
+              <a:buSzPts val="2700"/>
+            </a:pPr>
+            <a:r>
+              <a:rPr lang="es-ES" sz="2700" dirty="0"/>
+              <a:t>Contexto</a:t>
+            </a:r>
+            <a:endParaRPr sz="2700" dirty="0"/>
+          </a:p>
+          <a:p>
+            <a:pPr marL="514350" indent="-457200">
+              <a:spcBef>
+                <a:spcPts val="0"/>
+              </a:spcBef>
+              <a:buSzPts val="2700"/>
+            </a:pPr>
+            <a:r>
+              <a:rPr lang="es-ES" sz="2700" dirty="0"/>
+              <a:t>¿Que es un proceso?</a:t>
+            </a:r>
+            <a:endParaRPr sz="2700" dirty="0"/>
+          </a:p>
+          <a:p>
+            <a:pPr marL="514350" indent="-457200">
+              <a:spcBef>
+                <a:spcPts val="0"/>
+              </a:spcBef>
+              <a:buSzPts val="2700"/>
+            </a:pPr>
+            <a:r>
+              <a:rPr lang="es-ES" sz="2700" dirty="0"/>
+              <a:t>¿Como se crea un proceso?</a:t>
+            </a:r>
+            <a:endParaRPr sz="2700" dirty="0"/>
+          </a:p>
+          <a:p>
+            <a:pPr marL="514350" indent="-457200">
+              <a:spcBef>
+                <a:spcPts val="0"/>
+              </a:spcBef>
+              <a:buSzPts val="2700"/>
+            </a:pPr>
+            <a:r>
+              <a:rPr lang="es-ES" sz="2700" dirty="0"/>
+              <a:t>Elementos de los sistemas operativos</a:t>
+            </a:r>
+            <a:endParaRPr sz="2700" dirty="0"/>
+          </a:p>
+          <a:p>
+            <a:pPr marL="514350" indent="-457200">
+              <a:spcBef>
+                <a:spcPts val="0"/>
+              </a:spcBef>
+              <a:buSzPts val="2700"/>
+            </a:pPr>
+            <a:r>
+              <a:rPr lang="es-ES" sz="2700" dirty="0"/>
+              <a:t>API de procesos</a:t>
+            </a:r>
+            <a:endParaRPr sz="2700" dirty="0"/>
+          </a:p>
+          <a:p>
+            <a:pPr marL="514350" indent="-457200">
+              <a:spcBef>
+                <a:spcPts val="0"/>
+              </a:spcBef>
+              <a:buSzPts val="2700"/>
+            </a:pPr>
+            <a:r>
+              <a:rPr lang="es-ES" sz="2700" dirty="0"/>
+              <a:t>Estados de un proceso</a:t>
+            </a:r>
+            <a:endParaRPr sz="2700" dirty="0"/>
+          </a:p>
+          <a:p>
+            <a:pPr marL="514350" indent="-457200">
+              <a:spcBef>
+                <a:spcPts val="0"/>
+              </a:spcBef>
+              <a:buSzPts val="2700"/>
+            </a:pPr>
+            <a:r>
+              <a:rPr lang="es-ES" sz="2700" dirty="0"/>
+              <a:t>Estructuras de datos de sistemas operativos</a:t>
+            </a:r>
+            <a:endParaRPr sz="2700" dirty="0"/>
+          </a:p>
+        </p:txBody>
+      </p:sp>
+    </p:spTree>
+  </p:cSld>
+  <p:clrMapOvr>
+    <a:masterClrMapping/>
+  </p:clrMapOvr>
+</p:sld>
+</file>
+
+<file path=ppt/slides/slide20.xml><?xml version="1.0" encoding="utf-8"?>
 <p:sld xmlns:a="http://schemas.openxmlformats.org/drawingml/2006/main" xmlns:r="http://schemas.openxmlformats.org/officeDocument/2006/relationships" xmlns:p="http://schemas.openxmlformats.org/presentationml/2006/main">
   <p:cSld>
     <p:spTree>
@@ -15076,7 +13927,7 @@
 </p:sld>
 </file>
 
-<file path=ppt/slides/slide23.xml><?xml version="1.0" encoding="utf-8"?>
+<file path=ppt/slides/slide21.xml><?xml version="1.0" encoding="utf-8"?>
 <p:sld xmlns:a="http://schemas.openxmlformats.org/drawingml/2006/main" xmlns:r="http://schemas.openxmlformats.org/officeDocument/2006/relationships" xmlns:p="http://schemas.openxmlformats.org/presentationml/2006/main">
   <p:cSld>
     <p:spTree>
@@ -15714,7 +14565,7 @@
 </p:sld>
 </file>
 
-<file path=ppt/slides/slide24.xml><?xml version="1.0" encoding="utf-8"?>
+<file path=ppt/slides/slide22.xml><?xml version="1.0" encoding="utf-8"?>
 <p:sld xmlns:a="http://schemas.openxmlformats.org/drawingml/2006/main" xmlns:r="http://schemas.openxmlformats.org/officeDocument/2006/relationships" xmlns:p="http://schemas.openxmlformats.org/presentationml/2006/main">
   <p:cSld>
     <p:spTree>
@@ -16204,7 +15055,7 @@
 </p:sld>
 </file>
 
-<file path=ppt/slides/slide25.xml><?xml version="1.0" encoding="utf-8"?>
+<file path=ppt/slides/slide23.xml><?xml version="1.0" encoding="utf-8"?>
 <p:sld xmlns:a="http://schemas.openxmlformats.org/drawingml/2006/main" xmlns:r="http://schemas.openxmlformats.org/officeDocument/2006/relationships" xmlns:p="http://schemas.openxmlformats.org/presentationml/2006/main">
   <p:cSld>
     <p:spTree>
@@ -16641,7 +15492,7 @@
 </p:sld>
 </file>
 
-<file path=ppt/slides/slide26.xml><?xml version="1.0" encoding="utf-8"?>
+<file path=ppt/slides/slide24.xml><?xml version="1.0" encoding="utf-8"?>
 <p:sld xmlns:a="http://schemas.openxmlformats.org/drawingml/2006/main" xmlns:r="http://schemas.openxmlformats.org/officeDocument/2006/relationships" xmlns:p="http://schemas.openxmlformats.org/presentationml/2006/main">
   <p:cSld>
     <p:spTree>
@@ -17193,7 +16044,7 @@
 </p:sld>
 </file>
 
-<file path=ppt/slides/slide27.xml><?xml version="1.0" encoding="utf-8"?>
+<file path=ppt/slides/slide25.xml><?xml version="1.0" encoding="utf-8"?>
 <p:sld xmlns:a="http://schemas.openxmlformats.org/drawingml/2006/main" xmlns:r="http://schemas.openxmlformats.org/officeDocument/2006/relationships" xmlns:p="http://schemas.openxmlformats.org/presentationml/2006/main">
   <p:cSld>
     <p:spTree>
@@ -18501,7 +17352,7 @@
 </p:sld>
 </file>
 
-<file path=ppt/slides/slide28.xml><?xml version="1.0" encoding="utf-8"?>
+<file path=ppt/slides/slide26.xml><?xml version="1.0" encoding="utf-8"?>
 <p:sld xmlns:a="http://schemas.openxmlformats.org/drawingml/2006/main" xmlns:r="http://schemas.openxmlformats.org/officeDocument/2006/relationships" xmlns:p="http://schemas.openxmlformats.org/presentationml/2006/main">
   <p:cSld>
     <p:spTree>
@@ -19809,7 +18660,7 @@
 </p:sld>
 </file>
 
-<file path=ppt/slides/slide29.xml><?xml version="1.0" encoding="utf-8"?>
+<file path=ppt/slides/slide27.xml><?xml version="1.0" encoding="utf-8"?>
 <p:sld xmlns:a="http://schemas.openxmlformats.org/drawingml/2006/main" xmlns:r="http://schemas.openxmlformats.org/officeDocument/2006/relationships" xmlns:p="http://schemas.openxmlformats.org/presentationml/2006/main">
   <p:cSld>
     <p:spTree>
@@ -21002,6 +19853,1989 @@
     <p:extLst>
       <p:ext uri="{BB962C8B-B14F-4D97-AF65-F5344CB8AC3E}">
         <p14:creationId xmlns:p14="http://schemas.microsoft.com/office/powerpoint/2010/main" val="4228955420"/>
+      </p:ext>
+    </p:extLst>
+  </p:cSld>
+  <p:clrMapOvr>
+    <a:masterClrMapping/>
+  </p:clrMapOvr>
+</p:sld>
+</file>
+
+<file path=ppt/slides/slide28.xml><?xml version="1.0" encoding="utf-8"?>
+<p:sld xmlns:a="http://schemas.openxmlformats.org/drawingml/2006/main" xmlns:r="http://schemas.openxmlformats.org/officeDocument/2006/relationships" xmlns:p="http://schemas.openxmlformats.org/presentationml/2006/main">
+  <p:cSld>
+    <p:spTree>
+      <p:nvGrpSpPr>
+        <p:cNvPr id="1" name="Shape 551"/>
+        <p:cNvGrpSpPr/>
+        <p:nvPr/>
+      </p:nvGrpSpPr>
+      <p:grpSpPr>
+        <a:xfrm>
+          <a:off x="0" y="0"/>
+          <a:ext cx="0" cy="0"/>
+          <a:chOff x="0" y="0"/>
+          <a:chExt cx="0" cy="0"/>
+        </a:xfrm>
+      </p:grpSpPr>
+      <p:sp>
+        <p:nvSpPr>
+          <p:cNvPr id="552" name="Google Shape;552;p47"/>
+          <p:cNvSpPr txBox="1">
+            <a:spLocks noGrp="1"/>
+          </p:cNvSpPr>
+          <p:nvPr>
+            <p:ph type="title"/>
+          </p:nvPr>
+        </p:nvSpPr>
+        <p:spPr>
+          <a:xfrm>
+            <a:off x="1096759" y="165310"/>
+            <a:ext cx="10097714" cy="949500"/>
+          </a:xfrm>
+          <a:prstGeom prst="rect">
+            <a:avLst/>
+          </a:prstGeom>
+          <a:noFill/>
+          <a:ln>
+            <a:noFill/>
+          </a:ln>
+        </p:spPr>
+        <p:txBody>
+          <a:bodyPr spcFirstLastPara="1" wrap="square" lIns="91425" tIns="45700" rIns="91425" bIns="45700" anchor="ctr" anchorCtr="0">
+            <a:noAutofit/>
+          </a:bodyPr>
+          <a:lstStyle/>
+          <a:p>
+            <a:pPr marL="0" lvl="0" indent="0" algn="l" rtl="0">
+              <a:lnSpc>
+                <a:spcPct val="90000"/>
+              </a:lnSpc>
+              <a:spcBef>
+                <a:spcPts val="0"/>
+              </a:spcBef>
+              <a:spcAft>
+                <a:spcPts val="0"/>
+              </a:spcAft>
+              <a:buClr>
+                <a:srgbClr val="0B6937"/>
+              </a:buClr>
+              <a:buSzPts val="2880"/>
+              <a:buFont typeface="Roboto Slab"/>
+              <a:buNone/>
+            </a:pPr>
+            <a:r>
+              <a:rPr lang="es-ES" dirty="0"/>
+              <a:t>Process Control Block (PCB)</a:t>
+            </a:r>
+            <a:endParaRPr lang="es-ES" b="1" dirty="0">
+              <a:solidFill>
+                <a:srgbClr val="0B6937"/>
+              </a:solidFill>
+              <a:latin typeface="Roboto Slab"/>
+              <a:ea typeface="Roboto Slab"/>
+              <a:cs typeface="Roboto Slab"/>
+              <a:sym typeface="Roboto Slab"/>
+            </a:endParaRPr>
+          </a:p>
+        </p:txBody>
+      </p:sp>
+      <p:sp>
+        <p:nvSpPr>
+          <p:cNvPr id="10" name="Google Shape;674;p61">
+            <a:extLst>
+              <a:ext uri="{FF2B5EF4-FFF2-40B4-BE49-F238E27FC236}">
+                <a16:creationId xmlns:a16="http://schemas.microsoft.com/office/drawing/2014/main" id="{79EA56F2-0238-4EE4-B405-2E84FC368B28}"/>
+              </a:ext>
+            </a:extLst>
+          </p:cNvPr>
+          <p:cNvSpPr txBox="1"/>
+          <p:nvPr/>
+        </p:nvSpPr>
+        <p:spPr>
+          <a:xfrm>
+            <a:off x="4433455" y="6102950"/>
+            <a:ext cx="3754683" cy="461635"/>
+          </a:xfrm>
+          <a:prstGeom prst="rect">
+            <a:avLst/>
+          </a:prstGeom>
+          <a:noFill/>
+          <a:ln>
+            <a:noFill/>
+          </a:ln>
+        </p:spPr>
+        <p:txBody>
+          <a:bodyPr spcFirstLastPara="1" wrap="square" lIns="91425" tIns="91425" rIns="91425" bIns="91425" anchor="t" anchorCtr="0">
+            <a:spAutoFit/>
+          </a:bodyPr>
+          <a:lstStyle/>
+          <a:p>
+            <a:pPr marL="0" lvl="0" indent="0" algn="ctr" rtl="0">
+              <a:spcBef>
+                <a:spcPts val="0"/>
+              </a:spcBef>
+              <a:spcAft>
+                <a:spcPts val="0"/>
+              </a:spcAft>
+              <a:buNone/>
+            </a:pPr>
+            <a:r>
+              <a:rPr lang="es-ES" b="1" dirty="0" err="1">
+                <a:latin typeface="Roboto"/>
+                <a:ea typeface="Roboto"/>
+                <a:cs typeface="Roboto"/>
+                <a:sym typeface="Roboto"/>
+              </a:rPr>
+              <a:t>The</a:t>
+            </a:r>
+            <a:r>
+              <a:rPr lang="es-ES" b="1" dirty="0">
+                <a:latin typeface="Roboto"/>
+                <a:ea typeface="Roboto"/>
+                <a:cs typeface="Roboto"/>
+                <a:sym typeface="Roboto"/>
+              </a:rPr>
+              <a:t> xv6 </a:t>
+            </a:r>
+            <a:r>
+              <a:rPr lang="es-ES" b="1" dirty="0" err="1">
+                <a:latin typeface="Roboto"/>
+                <a:ea typeface="Roboto"/>
+                <a:cs typeface="Roboto"/>
+                <a:sym typeface="Roboto"/>
+              </a:rPr>
+              <a:t>Proc</a:t>
+            </a:r>
+            <a:r>
+              <a:rPr lang="es-ES" b="1" dirty="0">
+                <a:latin typeface="Roboto"/>
+                <a:ea typeface="Roboto"/>
+                <a:cs typeface="Roboto"/>
+                <a:sym typeface="Roboto"/>
+              </a:rPr>
+              <a:t> </a:t>
+            </a:r>
+            <a:r>
+              <a:rPr lang="es-ES" b="1" dirty="0" err="1">
+                <a:latin typeface="Roboto"/>
+                <a:ea typeface="Roboto"/>
+                <a:cs typeface="Roboto"/>
+                <a:sym typeface="Roboto"/>
+              </a:rPr>
+              <a:t>Structure</a:t>
+            </a:r>
+            <a:r>
+              <a:rPr lang="es-ES" dirty="0">
+                <a:latin typeface="Roboto"/>
+                <a:ea typeface="Roboto"/>
+                <a:cs typeface="Roboto"/>
+                <a:sym typeface="Roboto"/>
+              </a:rPr>
+              <a:t>  (</a:t>
+            </a:r>
+            <a:r>
+              <a:rPr lang="es-ES" u="sng" dirty="0">
+                <a:solidFill>
+                  <a:schemeClr val="hlink"/>
+                </a:solidFill>
+                <a:latin typeface="Roboto"/>
+                <a:ea typeface="Roboto"/>
+                <a:cs typeface="Roboto"/>
+                <a:sym typeface="Roboto"/>
+                <a:hlinkClick r:id="rId3"/>
+              </a:rPr>
+              <a:t>link</a:t>
+            </a:r>
+            <a:r>
+              <a:rPr lang="es-ES" dirty="0">
+                <a:latin typeface="Roboto"/>
+                <a:ea typeface="Roboto"/>
+                <a:cs typeface="Roboto"/>
+                <a:sym typeface="Roboto"/>
+              </a:rPr>
+              <a:t>) </a:t>
+            </a:r>
+            <a:endParaRPr dirty="0">
+              <a:latin typeface="Roboto"/>
+              <a:ea typeface="Roboto"/>
+              <a:cs typeface="Roboto"/>
+              <a:sym typeface="Roboto"/>
+            </a:endParaRPr>
+          </a:p>
+        </p:txBody>
+      </p:sp>
+      <p:sp>
+        <p:nvSpPr>
+          <p:cNvPr id="5" name="Google Shape;681;p62">
+            <a:extLst>
+              <a:ext uri="{FF2B5EF4-FFF2-40B4-BE49-F238E27FC236}">
+                <a16:creationId xmlns:a16="http://schemas.microsoft.com/office/drawing/2014/main" id="{C6177FCA-5F43-4C86-9607-CFF986E59EA8}"/>
+              </a:ext>
+            </a:extLst>
+          </p:cNvPr>
+          <p:cNvSpPr txBox="1"/>
+          <p:nvPr/>
+        </p:nvSpPr>
+        <p:spPr>
+          <a:xfrm>
+            <a:off x="1415700" y="1300080"/>
+            <a:ext cx="10249800" cy="4617600"/>
+          </a:xfrm>
+          <a:prstGeom prst="rect">
+            <a:avLst/>
+          </a:prstGeom>
+          <a:noFill/>
+          <a:ln w="19050" cap="flat" cmpd="sng">
+            <a:solidFill>
+              <a:srgbClr val="000000"/>
+            </a:solidFill>
+            <a:prstDash val="solid"/>
+            <a:round/>
+            <a:headEnd type="none" w="sm" len="sm"/>
+            <a:tailEnd type="none" w="sm" len="sm"/>
+          </a:ln>
+        </p:spPr>
+        <p:txBody>
+          <a:bodyPr spcFirstLastPara="1" wrap="square" lIns="91425" tIns="91425" rIns="91425" bIns="91425" anchor="t" anchorCtr="0">
+            <a:spAutoFit/>
+          </a:bodyPr>
+          <a:lstStyle/>
+          <a:p>
+            <a:pPr marL="0" lvl="0" indent="0" algn="l" rtl="0">
+              <a:spcBef>
+                <a:spcPts val="0"/>
+              </a:spcBef>
+              <a:spcAft>
+                <a:spcPts val="0"/>
+              </a:spcAft>
+              <a:buClr>
+                <a:schemeClr val="dk1"/>
+              </a:buClr>
+              <a:buSzPts val="1100"/>
+              <a:buFont typeface="Arial"/>
+              <a:buNone/>
+            </a:pPr>
+            <a:r>
+              <a:rPr lang="es-ES" sz="1600" dirty="0">
+                <a:latin typeface="Courier New"/>
+                <a:ea typeface="Courier New"/>
+                <a:cs typeface="Courier New"/>
+                <a:sym typeface="Courier New"/>
+              </a:rPr>
+              <a:t>// </a:t>
+            </a:r>
+            <a:r>
+              <a:rPr lang="es-ES" sz="1600" dirty="0" err="1">
+                <a:latin typeface="Courier New"/>
+                <a:ea typeface="Courier New"/>
+                <a:cs typeface="Courier New"/>
+                <a:sym typeface="Courier New"/>
+              </a:rPr>
+              <a:t>the</a:t>
+            </a:r>
+            <a:r>
+              <a:rPr lang="es-ES" sz="1600" dirty="0">
+                <a:latin typeface="Courier New"/>
+                <a:ea typeface="Courier New"/>
+                <a:cs typeface="Courier New"/>
+                <a:sym typeface="Courier New"/>
+              </a:rPr>
+              <a:t> </a:t>
+            </a:r>
+            <a:r>
+              <a:rPr lang="es-ES" sz="1600" dirty="0" err="1">
+                <a:latin typeface="Courier New"/>
+                <a:ea typeface="Courier New"/>
+                <a:cs typeface="Courier New"/>
+                <a:sym typeface="Courier New"/>
+              </a:rPr>
+              <a:t>information</a:t>
+            </a:r>
+            <a:r>
+              <a:rPr lang="es-ES" sz="1600" dirty="0">
+                <a:latin typeface="Courier New"/>
+                <a:ea typeface="Courier New"/>
+                <a:cs typeface="Courier New"/>
+                <a:sym typeface="Courier New"/>
+              </a:rPr>
+              <a:t> xv6 </a:t>
+            </a:r>
+            <a:r>
+              <a:rPr lang="es-ES" sz="1600" dirty="0" err="1">
+                <a:latin typeface="Courier New"/>
+                <a:ea typeface="Courier New"/>
+                <a:cs typeface="Courier New"/>
+                <a:sym typeface="Courier New"/>
+              </a:rPr>
+              <a:t>tracks</a:t>
+            </a:r>
+            <a:r>
+              <a:rPr lang="es-ES" sz="1600" dirty="0">
+                <a:latin typeface="Courier New"/>
+                <a:ea typeface="Courier New"/>
+                <a:cs typeface="Courier New"/>
+                <a:sym typeface="Courier New"/>
+              </a:rPr>
+              <a:t> </a:t>
+            </a:r>
+            <a:r>
+              <a:rPr lang="es-ES" sz="1600" dirty="0" err="1">
+                <a:latin typeface="Courier New"/>
+                <a:ea typeface="Courier New"/>
+                <a:cs typeface="Courier New"/>
+                <a:sym typeface="Courier New"/>
+              </a:rPr>
+              <a:t>about</a:t>
+            </a:r>
+            <a:r>
+              <a:rPr lang="es-ES" sz="1600" dirty="0">
+                <a:latin typeface="Courier New"/>
+                <a:ea typeface="Courier New"/>
+                <a:cs typeface="Courier New"/>
+                <a:sym typeface="Courier New"/>
+              </a:rPr>
+              <a:t> </a:t>
+            </a:r>
+            <a:r>
+              <a:rPr lang="es-ES" sz="1600" dirty="0" err="1">
+                <a:latin typeface="Courier New"/>
+                <a:ea typeface="Courier New"/>
+                <a:cs typeface="Courier New"/>
+                <a:sym typeface="Courier New"/>
+              </a:rPr>
+              <a:t>each</a:t>
+            </a:r>
+            <a:r>
+              <a:rPr lang="es-ES" sz="1600" dirty="0">
+                <a:latin typeface="Courier New"/>
+                <a:ea typeface="Courier New"/>
+                <a:cs typeface="Courier New"/>
+                <a:sym typeface="Courier New"/>
+              </a:rPr>
+              <a:t> process</a:t>
+            </a:r>
+            <a:endParaRPr sz="1600" dirty="0">
+              <a:latin typeface="Courier New"/>
+              <a:ea typeface="Courier New"/>
+              <a:cs typeface="Courier New"/>
+              <a:sym typeface="Courier New"/>
+            </a:endParaRPr>
+          </a:p>
+          <a:p>
+            <a:pPr marL="0" lvl="0" indent="0" algn="l" rtl="0">
+              <a:spcBef>
+                <a:spcPts val="0"/>
+              </a:spcBef>
+              <a:spcAft>
+                <a:spcPts val="0"/>
+              </a:spcAft>
+              <a:buClr>
+                <a:schemeClr val="dk1"/>
+              </a:buClr>
+              <a:buSzPts val="1100"/>
+              <a:buFont typeface="Arial"/>
+              <a:buNone/>
+            </a:pPr>
+            <a:r>
+              <a:rPr lang="es-ES" sz="1600" dirty="0">
+                <a:latin typeface="Courier New"/>
+                <a:ea typeface="Courier New"/>
+                <a:cs typeface="Courier New"/>
+                <a:sym typeface="Courier New"/>
+              </a:rPr>
+              <a:t>// </a:t>
+            </a:r>
+            <a:r>
+              <a:rPr lang="es-ES" sz="1600" dirty="0" err="1">
+                <a:latin typeface="Courier New"/>
+                <a:ea typeface="Courier New"/>
+                <a:cs typeface="Courier New"/>
+                <a:sym typeface="Courier New"/>
+              </a:rPr>
+              <a:t>including</a:t>
+            </a:r>
+            <a:r>
+              <a:rPr lang="es-ES" sz="1600" dirty="0">
+                <a:latin typeface="Courier New"/>
+                <a:ea typeface="Courier New"/>
+                <a:cs typeface="Courier New"/>
+                <a:sym typeface="Courier New"/>
+              </a:rPr>
+              <a:t> </a:t>
+            </a:r>
+            <a:r>
+              <a:rPr lang="es-ES" sz="1600" dirty="0" err="1">
+                <a:latin typeface="Courier New"/>
+                <a:ea typeface="Courier New"/>
+                <a:cs typeface="Courier New"/>
+                <a:sym typeface="Courier New"/>
+              </a:rPr>
+              <a:t>its</a:t>
+            </a:r>
+            <a:r>
+              <a:rPr lang="es-ES" sz="1600" dirty="0">
+                <a:latin typeface="Courier New"/>
+                <a:ea typeface="Courier New"/>
+                <a:cs typeface="Courier New"/>
+                <a:sym typeface="Courier New"/>
+              </a:rPr>
+              <a:t> </a:t>
+            </a:r>
+            <a:r>
+              <a:rPr lang="es-ES" sz="1600" dirty="0" err="1">
+                <a:latin typeface="Courier New"/>
+                <a:ea typeface="Courier New"/>
+                <a:cs typeface="Courier New"/>
+                <a:sym typeface="Courier New"/>
+              </a:rPr>
+              <a:t>register</a:t>
+            </a:r>
+            <a:r>
+              <a:rPr lang="es-ES" sz="1600" dirty="0">
+                <a:latin typeface="Courier New"/>
+                <a:ea typeface="Courier New"/>
+                <a:cs typeface="Courier New"/>
+                <a:sym typeface="Courier New"/>
+              </a:rPr>
+              <a:t> </a:t>
+            </a:r>
+            <a:r>
+              <a:rPr lang="es-ES" sz="1600" dirty="0" err="1">
+                <a:latin typeface="Courier New"/>
+                <a:ea typeface="Courier New"/>
+                <a:cs typeface="Courier New"/>
+                <a:sym typeface="Courier New"/>
+              </a:rPr>
+              <a:t>context</a:t>
+            </a:r>
+            <a:r>
+              <a:rPr lang="es-ES" sz="1600" dirty="0">
+                <a:latin typeface="Courier New"/>
+                <a:ea typeface="Courier New"/>
+                <a:cs typeface="Courier New"/>
+                <a:sym typeface="Courier New"/>
+              </a:rPr>
+              <a:t> and </a:t>
+            </a:r>
+            <a:r>
+              <a:rPr lang="es-ES" sz="1600" dirty="0" err="1">
+                <a:latin typeface="Courier New"/>
+                <a:ea typeface="Courier New"/>
+                <a:cs typeface="Courier New"/>
+                <a:sym typeface="Courier New"/>
+              </a:rPr>
+              <a:t>state</a:t>
+            </a:r>
+            <a:endParaRPr sz="1600" dirty="0">
+              <a:latin typeface="Courier New"/>
+              <a:ea typeface="Courier New"/>
+              <a:cs typeface="Courier New"/>
+              <a:sym typeface="Courier New"/>
+            </a:endParaRPr>
+          </a:p>
+          <a:p>
+            <a:pPr marL="0" lvl="0" indent="0" algn="l" rtl="0">
+              <a:spcBef>
+                <a:spcPts val="0"/>
+              </a:spcBef>
+              <a:spcAft>
+                <a:spcPts val="0"/>
+              </a:spcAft>
+              <a:buClr>
+                <a:schemeClr val="dk1"/>
+              </a:buClr>
+              <a:buSzPts val="1100"/>
+              <a:buFont typeface="Arial"/>
+              <a:buNone/>
+            </a:pPr>
+            <a:r>
+              <a:rPr lang="es-ES" sz="1600" dirty="0" err="1">
+                <a:latin typeface="Courier New"/>
+                <a:ea typeface="Courier New"/>
+                <a:cs typeface="Courier New"/>
+                <a:sym typeface="Courier New"/>
+              </a:rPr>
+              <a:t>struct</a:t>
+            </a:r>
+            <a:r>
+              <a:rPr lang="es-ES" sz="1600" dirty="0">
+                <a:latin typeface="Courier New"/>
+                <a:ea typeface="Courier New"/>
+                <a:cs typeface="Courier New"/>
+                <a:sym typeface="Courier New"/>
+              </a:rPr>
+              <a:t> </a:t>
+            </a:r>
+            <a:r>
+              <a:rPr lang="es-ES" sz="1600" dirty="0" err="1">
+                <a:latin typeface="Courier New"/>
+                <a:ea typeface="Courier New"/>
+                <a:cs typeface="Courier New"/>
+                <a:sym typeface="Courier New"/>
+              </a:rPr>
+              <a:t>proc</a:t>
+            </a:r>
+            <a:r>
+              <a:rPr lang="es-ES" sz="1600" dirty="0">
+                <a:latin typeface="Courier New"/>
+                <a:ea typeface="Courier New"/>
+                <a:cs typeface="Courier New"/>
+                <a:sym typeface="Courier New"/>
+              </a:rPr>
+              <a:t> {</a:t>
+            </a:r>
+            <a:endParaRPr sz="1600" dirty="0">
+              <a:latin typeface="Courier New"/>
+              <a:ea typeface="Courier New"/>
+              <a:cs typeface="Courier New"/>
+              <a:sym typeface="Courier New"/>
+            </a:endParaRPr>
+          </a:p>
+          <a:p>
+            <a:pPr marL="0" lvl="0" indent="0" algn="l" rtl="0">
+              <a:spcBef>
+                <a:spcPts val="0"/>
+              </a:spcBef>
+              <a:spcAft>
+                <a:spcPts val="0"/>
+              </a:spcAft>
+              <a:buClr>
+                <a:schemeClr val="dk1"/>
+              </a:buClr>
+              <a:buSzPts val="1100"/>
+              <a:buFont typeface="Arial"/>
+              <a:buNone/>
+            </a:pPr>
+            <a:r>
+              <a:rPr lang="es-ES" sz="1600" dirty="0">
+                <a:latin typeface="Courier New"/>
+                <a:ea typeface="Courier New"/>
+                <a:cs typeface="Courier New"/>
+                <a:sym typeface="Courier New"/>
+              </a:rPr>
+              <a:t>  </a:t>
+            </a:r>
+            <a:r>
+              <a:rPr lang="es-ES" sz="1600" dirty="0" err="1">
+                <a:latin typeface="Courier New"/>
+                <a:ea typeface="Courier New"/>
+                <a:cs typeface="Courier New"/>
+                <a:sym typeface="Courier New"/>
+              </a:rPr>
+              <a:t>char</a:t>
+            </a:r>
+            <a:r>
+              <a:rPr lang="es-ES" sz="1600" dirty="0">
+                <a:latin typeface="Courier New"/>
+                <a:ea typeface="Courier New"/>
+                <a:cs typeface="Courier New"/>
+                <a:sym typeface="Courier New"/>
+              </a:rPr>
+              <a:t> *</a:t>
+            </a:r>
+            <a:r>
+              <a:rPr lang="es-ES" sz="1600" dirty="0" err="1">
+                <a:latin typeface="Courier New"/>
+                <a:ea typeface="Courier New"/>
+                <a:cs typeface="Courier New"/>
+                <a:sym typeface="Courier New"/>
+              </a:rPr>
+              <a:t>mem</a:t>
+            </a:r>
+            <a:r>
+              <a:rPr lang="es-ES" sz="1600" dirty="0">
+                <a:latin typeface="Courier New"/>
+                <a:ea typeface="Courier New"/>
+                <a:cs typeface="Courier New"/>
+                <a:sym typeface="Courier New"/>
+              </a:rPr>
+              <a:t>;                       // Start </a:t>
+            </a:r>
+            <a:r>
+              <a:rPr lang="es-ES" sz="1600" dirty="0" err="1">
+                <a:latin typeface="Courier New"/>
+                <a:ea typeface="Courier New"/>
+                <a:cs typeface="Courier New"/>
+                <a:sym typeface="Courier New"/>
+              </a:rPr>
+              <a:t>of</a:t>
+            </a:r>
+            <a:r>
+              <a:rPr lang="es-ES" sz="1600" dirty="0">
+                <a:latin typeface="Courier New"/>
+                <a:ea typeface="Courier New"/>
+                <a:cs typeface="Courier New"/>
+                <a:sym typeface="Courier New"/>
+              </a:rPr>
+              <a:t> process memory</a:t>
+            </a:r>
+            <a:endParaRPr sz="1600" dirty="0">
+              <a:latin typeface="Courier New"/>
+              <a:ea typeface="Courier New"/>
+              <a:cs typeface="Courier New"/>
+              <a:sym typeface="Courier New"/>
+            </a:endParaRPr>
+          </a:p>
+          <a:p>
+            <a:pPr marL="0" lvl="0" indent="0" algn="l" rtl="0">
+              <a:spcBef>
+                <a:spcPts val="0"/>
+              </a:spcBef>
+              <a:spcAft>
+                <a:spcPts val="0"/>
+              </a:spcAft>
+              <a:buClr>
+                <a:schemeClr val="dk1"/>
+              </a:buClr>
+              <a:buSzPts val="1100"/>
+              <a:buFont typeface="Arial"/>
+              <a:buNone/>
+            </a:pPr>
+            <a:r>
+              <a:rPr lang="es-ES" sz="1600" dirty="0">
+                <a:latin typeface="Courier New"/>
+                <a:ea typeface="Courier New"/>
+                <a:cs typeface="Courier New"/>
+                <a:sym typeface="Courier New"/>
+              </a:rPr>
+              <a:t>  </a:t>
+            </a:r>
+            <a:r>
+              <a:rPr lang="es-ES" sz="1600" dirty="0" err="1">
+                <a:latin typeface="Courier New"/>
+                <a:ea typeface="Courier New"/>
+                <a:cs typeface="Courier New"/>
+                <a:sym typeface="Courier New"/>
+              </a:rPr>
+              <a:t>uint</a:t>
+            </a:r>
+            <a:r>
+              <a:rPr lang="es-ES" sz="1600" dirty="0">
+                <a:latin typeface="Courier New"/>
+                <a:ea typeface="Courier New"/>
+                <a:cs typeface="Courier New"/>
+                <a:sym typeface="Courier New"/>
+              </a:rPr>
+              <a:t> </a:t>
+            </a:r>
+            <a:r>
+              <a:rPr lang="es-ES" sz="1600" dirty="0" err="1">
+                <a:latin typeface="Courier New"/>
+                <a:ea typeface="Courier New"/>
+                <a:cs typeface="Courier New"/>
+                <a:sym typeface="Courier New"/>
+              </a:rPr>
+              <a:t>sz</a:t>
+            </a:r>
+            <a:r>
+              <a:rPr lang="es-ES" sz="1600" dirty="0">
+                <a:latin typeface="Courier New"/>
+                <a:ea typeface="Courier New"/>
+                <a:cs typeface="Courier New"/>
+                <a:sym typeface="Courier New"/>
+              </a:rPr>
+              <a:t>;                         // </a:t>
+            </a:r>
+            <a:r>
+              <a:rPr lang="es-ES" sz="1600" dirty="0" err="1">
+                <a:latin typeface="Courier New"/>
+                <a:ea typeface="Courier New"/>
+                <a:cs typeface="Courier New"/>
+                <a:sym typeface="Courier New"/>
+              </a:rPr>
+              <a:t>Size</a:t>
+            </a:r>
+            <a:r>
+              <a:rPr lang="es-ES" sz="1600" dirty="0">
+                <a:latin typeface="Courier New"/>
+                <a:ea typeface="Courier New"/>
+                <a:cs typeface="Courier New"/>
+                <a:sym typeface="Courier New"/>
+              </a:rPr>
+              <a:t> </a:t>
+            </a:r>
+            <a:r>
+              <a:rPr lang="es-ES" sz="1600" dirty="0" err="1">
+                <a:latin typeface="Courier New"/>
+                <a:ea typeface="Courier New"/>
+                <a:cs typeface="Courier New"/>
+                <a:sym typeface="Courier New"/>
+              </a:rPr>
+              <a:t>of</a:t>
+            </a:r>
+            <a:r>
+              <a:rPr lang="es-ES" sz="1600" dirty="0">
+                <a:latin typeface="Courier New"/>
+                <a:ea typeface="Courier New"/>
+                <a:cs typeface="Courier New"/>
+                <a:sym typeface="Courier New"/>
+              </a:rPr>
+              <a:t> process memory</a:t>
+            </a:r>
+            <a:endParaRPr sz="1600" dirty="0">
+              <a:latin typeface="Courier New"/>
+              <a:ea typeface="Courier New"/>
+              <a:cs typeface="Courier New"/>
+              <a:sym typeface="Courier New"/>
+            </a:endParaRPr>
+          </a:p>
+          <a:p>
+            <a:pPr marL="0" lvl="0" indent="0" algn="l" rtl="0">
+              <a:spcBef>
+                <a:spcPts val="0"/>
+              </a:spcBef>
+              <a:spcAft>
+                <a:spcPts val="0"/>
+              </a:spcAft>
+              <a:buClr>
+                <a:schemeClr val="dk1"/>
+              </a:buClr>
+              <a:buSzPts val="1100"/>
+              <a:buFont typeface="Arial"/>
+              <a:buNone/>
+            </a:pPr>
+            <a:r>
+              <a:rPr lang="es-ES" sz="1600" dirty="0">
+                <a:latin typeface="Courier New"/>
+                <a:ea typeface="Courier New"/>
+                <a:cs typeface="Courier New"/>
+                <a:sym typeface="Courier New"/>
+              </a:rPr>
+              <a:t>  </a:t>
+            </a:r>
+            <a:r>
+              <a:rPr lang="es-ES" sz="1600" dirty="0" err="1">
+                <a:latin typeface="Courier New"/>
+                <a:ea typeface="Courier New"/>
+                <a:cs typeface="Courier New"/>
+                <a:sym typeface="Courier New"/>
+              </a:rPr>
+              <a:t>char</a:t>
+            </a:r>
+            <a:r>
+              <a:rPr lang="es-ES" sz="1600" dirty="0">
+                <a:latin typeface="Courier New"/>
+                <a:ea typeface="Courier New"/>
+                <a:cs typeface="Courier New"/>
+                <a:sym typeface="Courier New"/>
+              </a:rPr>
+              <a:t> *</a:t>
+            </a:r>
+            <a:r>
+              <a:rPr lang="es-ES" sz="1600" dirty="0" err="1">
+                <a:latin typeface="Courier New"/>
+                <a:ea typeface="Courier New"/>
+                <a:cs typeface="Courier New"/>
+                <a:sym typeface="Courier New"/>
+              </a:rPr>
+              <a:t>kstack</a:t>
+            </a:r>
+            <a:r>
+              <a:rPr lang="es-ES" sz="1600" dirty="0">
+                <a:latin typeface="Courier New"/>
+                <a:ea typeface="Courier New"/>
+                <a:cs typeface="Courier New"/>
+                <a:sym typeface="Courier New"/>
+              </a:rPr>
+              <a:t>;                    // </a:t>
+            </a:r>
+            <a:r>
+              <a:rPr lang="es-ES" sz="1600" dirty="0" err="1">
+                <a:latin typeface="Courier New"/>
+                <a:ea typeface="Courier New"/>
+                <a:cs typeface="Courier New"/>
+                <a:sym typeface="Courier New"/>
+              </a:rPr>
+              <a:t>Bottom</a:t>
+            </a:r>
+            <a:r>
+              <a:rPr lang="es-ES" sz="1600" dirty="0">
+                <a:latin typeface="Courier New"/>
+                <a:ea typeface="Courier New"/>
+                <a:cs typeface="Courier New"/>
+                <a:sym typeface="Courier New"/>
+              </a:rPr>
+              <a:t> </a:t>
+            </a:r>
+            <a:r>
+              <a:rPr lang="es-ES" sz="1600" dirty="0" err="1">
+                <a:latin typeface="Courier New"/>
+                <a:ea typeface="Courier New"/>
+                <a:cs typeface="Courier New"/>
+                <a:sym typeface="Courier New"/>
+              </a:rPr>
+              <a:t>of</a:t>
+            </a:r>
+            <a:r>
+              <a:rPr lang="es-ES" sz="1600" dirty="0">
+                <a:latin typeface="Courier New"/>
+                <a:ea typeface="Courier New"/>
+                <a:cs typeface="Courier New"/>
+                <a:sym typeface="Courier New"/>
+              </a:rPr>
+              <a:t> </a:t>
+            </a:r>
+            <a:r>
+              <a:rPr lang="es-ES" sz="1600" dirty="0" err="1">
+                <a:latin typeface="Courier New"/>
+                <a:ea typeface="Courier New"/>
+                <a:cs typeface="Courier New"/>
+                <a:sym typeface="Courier New"/>
+              </a:rPr>
+              <a:t>kernel</a:t>
+            </a:r>
+            <a:r>
+              <a:rPr lang="es-ES" sz="1600" dirty="0">
+                <a:latin typeface="Courier New"/>
+                <a:ea typeface="Courier New"/>
+                <a:cs typeface="Courier New"/>
+                <a:sym typeface="Courier New"/>
+              </a:rPr>
+              <a:t> </a:t>
+            </a:r>
+            <a:r>
+              <a:rPr lang="es-ES" sz="1600" dirty="0" err="1">
+                <a:latin typeface="Courier New"/>
+                <a:ea typeface="Courier New"/>
+                <a:cs typeface="Courier New"/>
+                <a:sym typeface="Courier New"/>
+              </a:rPr>
+              <a:t>stack</a:t>
+            </a:r>
+            <a:endParaRPr sz="1600" dirty="0">
+              <a:latin typeface="Courier New"/>
+              <a:ea typeface="Courier New"/>
+              <a:cs typeface="Courier New"/>
+              <a:sym typeface="Courier New"/>
+            </a:endParaRPr>
+          </a:p>
+          <a:p>
+            <a:pPr marL="0" lvl="0" indent="0" algn="l" rtl="0">
+              <a:spcBef>
+                <a:spcPts val="0"/>
+              </a:spcBef>
+              <a:spcAft>
+                <a:spcPts val="0"/>
+              </a:spcAft>
+              <a:buClr>
+                <a:schemeClr val="dk1"/>
+              </a:buClr>
+              <a:buSzPts val="1100"/>
+              <a:buFont typeface="Arial"/>
+              <a:buNone/>
+            </a:pPr>
+            <a:r>
+              <a:rPr lang="es-ES" sz="1600" dirty="0">
+                <a:latin typeface="Courier New"/>
+                <a:ea typeface="Courier New"/>
+                <a:cs typeface="Courier New"/>
+                <a:sym typeface="Courier New"/>
+              </a:rPr>
+              <a:t>                                   // </a:t>
+            </a:r>
+            <a:r>
+              <a:rPr lang="es-ES" sz="1600" dirty="0" err="1">
+                <a:latin typeface="Courier New"/>
+                <a:ea typeface="Courier New"/>
+                <a:cs typeface="Courier New"/>
+                <a:sym typeface="Courier New"/>
+              </a:rPr>
+              <a:t>for</a:t>
+            </a:r>
+            <a:r>
+              <a:rPr lang="es-ES" sz="1600" dirty="0">
+                <a:latin typeface="Courier New"/>
+                <a:ea typeface="Courier New"/>
+                <a:cs typeface="Courier New"/>
+                <a:sym typeface="Courier New"/>
+              </a:rPr>
+              <a:t> </a:t>
+            </a:r>
+            <a:r>
+              <a:rPr lang="es-ES" sz="1600" dirty="0" err="1">
+                <a:latin typeface="Courier New"/>
+                <a:ea typeface="Courier New"/>
+                <a:cs typeface="Courier New"/>
+                <a:sym typeface="Courier New"/>
+              </a:rPr>
+              <a:t>this</a:t>
+            </a:r>
+            <a:r>
+              <a:rPr lang="es-ES" sz="1600" dirty="0">
+                <a:latin typeface="Courier New"/>
+                <a:ea typeface="Courier New"/>
+                <a:cs typeface="Courier New"/>
+                <a:sym typeface="Courier New"/>
+              </a:rPr>
+              <a:t> process</a:t>
+            </a:r>
+            <a:endParaRPr sz="1600" dirty="0">
+              <a:latin typeface="Courier New"/>
+              <a:ea typeface="Courier New"/>
+              <a:cs typeface="Courier New"/>
+              <a:sym typeface="Courier New"/>
+            </a:endParaRPr>
+          </a:p>
+          <a:p>
+            <a:pPr marL="0" lvl="0" indent="0" algn="l" rtl="0">
+              <a:spcBef>
+                <a:spcPts val="0"/>
+              </a:spcBef>
+              <a:spcAft>
+                <a:spcPts val="0"/>
+              </a:spcAft>
+              <a:buClr>
+                <a:schemeClr val="dk1"/>
+              </a:buClr>
+              <a:buSzPts val="1100"/>
+              <a:buFont typeface="Arial"/>
+              <a:buNone/>
+            </a:pPr>
+            <a:r>
+              <a:rPr lang="es-ES" sz="1600" dirty="0">
+                <a:latin typeface="Courier New"/>
+                <a:ea typeface="Courier New"/>
+                <a:cs typeface="Courier New"/>
+                <a:sym typeface="Courier New"/>
+              </a:rPr>
+              <a:t>  </a:t>
+            </a:r>
+            <a:r>
+              <a:rPr lang="es-ES" sz="1600" dirty="0" err="1">
+                <a:latin typeface="Courier New"/>
+                <a:ea typeface="Courier New"/>
+                <a:cs typeface="Courier New"/>
+                <a:sym typeface="Courier New"/>
+              </a:rPr>
+              <a:t>enum</a:t>
+            </a:r>
+            <a:r>
+              <a:rPr lang="es-ES" sz="1600" dirty="0">
+                <a:latin typeface="Courier New"/>
+                <a:ea typeface="Courier New"/>
+                <a:cs typeface="Courier New"/>
+                <a:sym typeface="Courier New"/>
+              </a:rPr>
+              <a:t> </a:t>
+            </a:r>
+            <a:r>
+              <a:rPr lang="es-ES" sz="1600" dirty="0" err="1">
+                <a:latin typeface="Courier New"/>
+                <a:ea typeface="Courier New"/>
+                <a:cs typeface="Courier New"/>
+                <a:sym typeface="Courier New"/>
+              </a:rPr>
+              <a:t>proc_state</a:t>
+            </a:r>
+            <a:r>
+              <a:rPr lang="es-ES" sz="1600" dirty="0">
+                <a:latin typeface="Courier New"/>
+                <a:ea typeface="Courier New"/>
+                <a:cs typeface="Courier New"/>
+                <a:sym typeface="Courier New"/>
+              </a:rPr>
+              <a:t> </a:t>
+            </a:r>
+            <a:r>
+              <a:rPr lang="es-ES" sz="1600" dirty="0" err="1">
+                <a:latin typeface="Courier New"/>
+                <a:ea typeface="Courier New"/>
+                <a:cs typeface="Courier New"/>
+                <a:sym typeface="Courier New"/>
+              </a:rPr>
+              <a:t>state</a:t>
+            </a:r>
+            <a:r>
+              <a:rPr lang="es-ES" sz="1600" dirty="0">
+                <a:latin typeface="Courier New"/>
+                <a:ea typeface="Courier New"/>
+                <a:cs typeface="Courier New"/>
+                <a:sym typeface="Courier New"/>
+              </a:rPr>
+              <a:t>;           // Process </a:t>
+            </a:r>
+            <a:r>
+              <a:rPr lang="es-ES" sz="1600" dirty="0" err="1">
+                <a:latin typeface="Courier New"/>
+                <a:ea typeface="Courier New"/>
+                <a:cs typeface="Courier New"/>
+                <a:sym typeface="Courier New"/>
+              </a:rPr>
+              <a:t>state</a:t>
+            </a:r>
+            <a:endParaRPr sz="1600" dirty="0">
+              <a:latin typeface="Courier New"/>
+              <a:ea typeface="Courier New"/>
+              <a:cs typeface="Courier New"/>
+              <a:sym typeface="Courier New"/>
+            </a:endParaRPr>
+          </a:p>
+          <a:p>
+            <a:pPr marL="0" lvl="0" indent="0" algn="l" rtl="0">
+              <a:spcBef>
+                <a:spcPts val="0"/>
+              </a:spcBef>
+              <a:spcAft>
+                <a:spcPts val="0"/>
+              </a:spcAft>
+              <a:buClr>
+                <a:schemeClr val="dk1"/>
+              </a:buClr>
+              <a:buSzPts val="1100"/>
+              <a:buFont typeface="Arial"/>
+              <a:buNone/>
+            </a:pPr>
+            <a:r>
+              <a:rPr lang="es-ES" sz="1600" dirty="0">
+                <a:latin typeface="Courier New"/>
+                <a:ea typeface="Courier New"/>
+                <a:cs typeface="Courier New"/>
+                <a:sym typeface="Courier New"/>
+              </a:rPr>
+              <a:t>  </a:t>
+            </a:r>
+            <a:r>
+              <a:rPr lang="es-ES" sz="1600" dirty="0" err="1">
+                <a:latin typeface="Courier New"/>
+                <a:ea typeface="Courier New"/>
+                <a:cs typeface="Courier New"/>
+                <a:sym typeface="Courier New"/>
+              </a:rPr>
+              <a:t>int</a:t>
+            </a:r>
+            <a:r>
+              <a:rPr lang="es-ES" sz="1600" dirty="0">
+                <a:latin typeface="Courier New"/>
+                <a:ea typeface="Courier New"/>
+                <a:cs typeface="Courier New"/>
+                <a:sym typeface="Courier New"/>
+              </a:rPr>
+              <a:t> </a:t>
+            </a:r>
+            <a:r>
+              <a:rPr lang="es-ES" sz="1600" dirty="0" err="1">
+                <a:latin typeface="Courier New"/>
+                <a:ea typeface="Courier New"/>
+                <a:cs typeface="Courier New"/>
+                <a:sym typeface="Courier New"/>
+              </a:rPr>
+              <a:t>pid</a:t>
+            </a:r>
+            <a:r>
+              <a:rPr lang="es-ES" sz="1600" dirty="0">
+                <a:latin typeface="Courier New"/>
+                <a:ea typeface="Courier New"/>
+                <a:cs typeface="Courier New"/>
+                <a:sym typeface="Courier New"/>
+              </a:rPr>
+              <a:t>;                         // Process ID</a:t>
+            </a:r>
+            <a:endParaRPr sz="1600" dirty="0">
+              <a:latin typeface="Courier New"/>
+              <a:ea typeface="Courier New"/>
+              <a:cs typeface="Courier New"/>
+              <a:sym typeface="Courier New"/>
+            </a:endParaRPr>
+          </a:p>
+          <a:p>
+            <a:pPr marL="0" lvl="0" indent="0" algn="l" rtl="0">
+              <a:spcBef>
+                <a:spcPts val="0"/>
+              </a:spcBef>
+              <a:spcAft>
+                <a:spcPts val="0"/>
+              </a:spcAft>
+              <a:buClr>
+                <a:schemeClr val="dk1"/>
+              </a:buClr>
+              <a:buSzPts val="1100"/>
+              <a:buFont typeface="Arial"/>
+              <a:buNone/>
+            </a:pPr>
+            <a:r>
+              <a:rPr lang="es-ES" sz="1600" dirty="0">
+                <a:latin typeface="Courier New"/>
+                <a:ea typeface="Courier New"/>
+                <a:cs typeface="Courier New"/>
+                <a:sym typeface="Courier New"/>
+              </a:rPr>
+              <a:t>  </a:t>
+            </a:r>
+            <a:r>
+              <a:rPr lang="es-ES" sz="1600" dirty="0" err="1">
+                <a:latin typeface="Courier New"/>
+                <a:ea typeface="Courier New"/>
+                <a:cs typeface="Courier New"/>
+                <a:sym typeface="Courier New"/>
+              </a:rPr>
+              <a:t>struct</a:t>
+            </a:r>
+            <a:r>
+              <a:rPr lang="es-ES" sz="1600" dirty="0">
+                <a:latin typeface="Courier New"/>
+                <a:ea typeface="Courier New"/>
+                <a:cs typeface="Courier New"/>
+                <a:sym typeface="Courier New"/>
+              </a:rPr>
+              <a:t> </a:t>
+            </a:r>
+            <a:r>
+              <a:rPr lang="es-ES" sz="1600" dirty="0" err="1">
+                <a:latin typeface="Courier New"/>
+                <a:ea typeface="Courier New"/>
+                <a:cs typeface="Courier New"/>
+                <a:sym typeface="Courier New"/>
+              </a:rPr>
+              <a:t>proc</a:t>
+            </a:r>
+            <a:r>
+              <a:rPr lang="es-ES" sz="1600" dirty="0">
+                <a:latin typeface="Courier New"/>
+                <a:ea typeface="Courier New"/>
+                <a:cs typeface="Courier New"/>
+                <a:sym typeface="Courier New"/>
+              </a:rPr>
+              <a:t> *</a:t>
+            </a:r>
+            <a:r>
+              <a:rPr lang="es-ES" sz="1600" dirty="0" err="1">
+                <a:latin typeface="Courier New"/>
+                <a:ea typeface="Courier New"/>
+                <a:cs typeface="Courier New"/>
+                <a:sym typeface="Courier New"/>
+              </a:rPr>
+              <a:t>parent</a:t>
+            </a:r>
+            <a:r>
+              <a:rPr lang="es-ES" sz="1600" dirty="0">
+                <a:latin typeface="Courier New"/>
+                <a:ea typeface="Courier New"/>
+                <a:cs typeface="Courier New"/>
+                <a:sym typeface="Courier New"/>
+              </a:rPr>
+              <a:t>;             // </a:t>
+            </a:r>
+            <a:r>
+              <a:rPr lang="es-ES" sz="1600" dirty="0" err="1">
+                <a:latin typeface="Courier New"/>
+                <a:ea typeface="Courier New"/>
+                <a:cs typeface="Courier New"/>
+                <a:sym typeface="Courier New"/>
+              </a:rPr>
+              <a:t>Parent</a:t>
+            </a:r>
+            <a:r>
+              <a:rPr lang="es-ES" sz="1600" dirty="0">
+                <a:latin typeface="Courier New"/>
+                <a:ea typeface="Courier New"/>
+                <a:cs typeface="Courier New"/>
+                <a:sym typeface="Courier New"/>
+              </a:rPr>
+              <a:t> process</a:t>
+            </a:r>
+            <a:endParaRPr sz="1600" dirty="0">
+              <a:latin typeface="Courier New"/>
+              <a:ea typeface="Courier New"/>
+              <a:cs typeface="Courier New"/>
+              <a:sym typeface="Courier New"/>
+            </a:endParaRPr>
+          </a:p>
+          <a:p>
+            <a:pPr marL="0" lvl="0" indent="0" algn="l" rtl="0">
+              <a:spcBef>
+                <a:spcPts val="0"/>
+              </a:spcBef>
+              <a:spcAft>
+                <a:spcPts val="0"/>
+              </a:spcAft>
+              <a:buClr>
+                <a:schemeClr val="dk1"/>
+              </a:buClr>
+              <a:buSzPts val="1100"/>
+              <a:buFont typeface="Arial"/>
+              <a:buNone/>
+            </a:pPr>
+            <a:r>
+              <a:rPr lang="es-ES" sz="1600" dirty="0">
+                <a:latin typeface="Courier New"/>
+                <a:ea typeface="Courier New"/>
+                <a:cs typeface="Courier New"/>
+                <a:sym typeface="Courier New"/>
+              </a:rPr>
+              <a:t>  </a:t>
+            </a:r>
+            <a:r>
+              <a:rPr lang="es-ES" sz="1600" dirty="0" err="1">
+                <a:latin typeface="Courier New"/>
+                <a:ea typeface="Courier New"/>
+                <a:cs typeface="Courier New"/>
+                <a:sym typeface="Courier New"/>
+              </a:rPr>
+              <a:t>void</a:t>
+            </a:r>
+            <a:r>
+              <a:rPr lang="es-ES" sz="1600" dirty="0">
+                <a:latin typeface="Courier New"/>
+                <a:ea typeface="Courier New"/>
+                <a:cs typeface="Courier New"/>
+                <a:sym typeface="Courier New"/>
+              </a:rPr>
+              <a:t> *chan;                      // </a:t>
+            </a:r>
+            <a:r>
+              <a:rPr lang="es-ES" sz="1600" dirty="0" err="1">
+                <a:latin typeface="Courier New"/>
+                <a:ea typeface="Courier New"/>
+                <a:cs typeface="Courier New"/>
+                <a:sym typeface="Courier New"/>
+              </a:rPr>
+              <a:t>If</a:t>
+            </a:r>
+            <a:r>
+              <a:rPr lang="es-ES" sz="1600" dirty="0">
+                <a:latin typeface="Courier New"/>
+                <a:ea typeface="Courier New"/>
+                <a:cs typeface="Courier New"/>
+                <a:sym typeface="Courier New"/>
+              </a:rPr>
+              <a:t> !</a:t>
+            </a:r>
+            <a:r>
+              <a:rPr lang="es-ES" sz="1600" dirty="0" err="1">
+                <a:latin typeface="Courier New"/>
+                <a:ea typeface="Courier New"/>
+                <a:cs typeface="Courier New"/>
+                <a:sym typeface="Courier New"/>
+              </a:rPr>
+              <a:t>zero</a:t>
+            </a:r>
+            <a:r>
+              <a:rPr lang="es-ES" sz="1600" dirty="0">
+                <a:latin typeface="Courier New"/>
+                <a:ea typeface="Courier New"/>
+                <a:cs typeface="Courier New"/>
+                <a:sym typeface="Courier New"/>
+              </a:rPr>
+              <a:t>, sleeping </a:t>
+            </a:r>
+            <a:r>
+              <a:rPr lang="es-ES" sz="1600" dirty="0" err="1">
+                <a:latin typeface="Courier New"/>
+                <a:ea typeface="Courier New"/>
+                <a:cs typeface="Courier New"/>
+                <a:sym typeface="Courier New"/>
+              </a:rPr>
+              <a:t>on</a:t>
+            </a:r>
+            <a:r>
+              <a:rPr lang="es-ES" sz="1600" dirty="0">
+                <a:latin typeface="Courier New"/>
+                <a:ea typeface="Courier New"/>
+                <a:cs typeface="Courier New"/>
+                <a:sym typeface="Courier New"/>
+              </a:rPr>
+              <a:t> chan</a:t>
+            </a:r>
+            <a:endParaRPr sz="1600" dirty="0">
+              <a:latin typeface="Courier New"/>
+              <a:ea typeface="Courier New"/>
+              <a:cs typeface="Courier New"/>
+              <a:sym typeface="Courier New"/>
+            </a:endParaRPr>
+          </a:p>
+          <a:p>
+            <a:pPr marL="0" lvl="0" indent="0" algn="l" rtl="0">
+              <a:spcBef>
+                <a:spcPts val="0"/>
+              </a:spcBef>
+              <a:spcAft>
+                <a:spcPts val="0"/>
+              </a:spcAft>
+              <a:buClr>
+                <a:schemeClr val="dk1"/>
+              </a:buClr>
+              <a:buSzPts val="1100"/>
+              <a:buFont typeface="Arial"/>
+              <a:buNone/>
+            </a:pPr>
+            <a:r>
+              <a:rPr lang="es-ES" sz="1600" dirty="0">
+                <a:latin typeface="Courier New"/>
+                <a:ea typeface="Courier New"/>
+                <a:cs typeface="Courier New"/>
+                <a:sym typeface="Courier New"/>
+              </a:rPr>
+              <a:t>  </a:t>
+            </a:r>
+            <a:r>
+              <a:rPr lang="es-ES" sz="1600" dirty="0" err="1">
+                <a:latin typeface="Courier New"/>
+                <a:ea typeface="Courier New"/>
+                <a:cs typeface="Courier New"/>
+                <a:sym typeface="Courier New"/>
+              </a:rPr>
+              <a:t>int</a:t>
+            </a:r>
+            <a:r>
+              <a:rPr lang="es-ES" sz="1600" dirty="0">
+                <a:latin typeface="Courier New"/>
+                <a:ea typeface="Courier New"/>
+                <a:cs typeface="Courier New"/>
+                <a:sym typeface="Courier New"/>
+              </a:rPr>
+              <a:t> </a:t>
+            </a:r>
+            <a:r>
+              <a:rPr lang="es-ES" sz="1600" dirty="0" err="1">
+                <a:latin typeface="Courier New"/>
+                <a:ea typeface="Courier New"/>
+                <a:cs typeface="Courier New"/>
+                <a:sym typeface="Courier New"/>
+              </a:rPr>
+              <a:t>killed</a:t>
+            </a:r>
+            <a:r>
+              <a:rPr lang="es-ES" sz="1600" dirty="0">
+                <a:latin typeface="Courier New"/>
+                <a:ea typeface="Courier New"/>
+                <a:cs typeface="Courier New"/>
+                <a:sym typeface="Courier New"/>
+              </a:rPr>
+              <a:t>;                      // </a:t>
+            </a:r>
+            <a:r>
+              <a:rPr lang="es-ES" sz="1600" dirty="0" err="1">
+                <a:latin typeface="Courier New"/>
+                <a:ea typeface="Courier New"/>
+                <a:cs typeface="Courier New"/>
+                <a:sym typeface="Courier New"/>
+              </a:rPr>
+              <a:t>If</a:t>
+            </a:r>
+            <a:r>
+              <a:rPr lang="es-ES" sz="1600" dirty="0">
+                <a:latin typeface="Courier New"/>
+                <a:ea typeface="Courier New"/>
+                <a:cs typeface="Courier New"/>
+                <a:sym typeface="Courier New"/>
+              </a:rPr>
+              <a:t> !</a:t>
+            </a:r>
+            <a:r>
+              <a:rPr lang="es-ES" sz="1600" dirty="0" err="1">
+                <a:latin typeface="Courier New"/>
+                <a:ea typeface="Courier New"/>
+                <a:cs typeface="Courier New"/>
+                <a:sym typeface="Courier New"/>
+              </a:rPr>
+              <a:t>zero</a:t>
+            </a:r>
+            <a:r>
+              <a:rPr lang="es-ES" sz="1600" dirty="0">
+                <a:latin typeface="Courier New"/>
+                <a:ea typeface="Courier New"/>
+                <a:cs typeface="Courier New"/>
+                <a:sym typeface="Courier New"/>
+              </a:rPr>
+              <a:t>, has </a:t>
+            </a:r>
+            <a:r>
+              <a:rPr lang="es-ES" sz="1600" dirty="0" err="1">
+                <a:latin typeface="Courier New"/>
+                <a:ea typeface="Courier New"/>
+                <a:cs typeface="Courier New"/>
+                <a:sym typeface="Courier New"/>
+              </a:rPr>
+              <a:t>been</a:t>
+            </a:r>
+            <a:r>
+              <a:rPr lang="es-ES" sz="1600" dirty="0">
+                <a:latin typeface="Courier New"/>
+                <a:ea typeface="Courier New"/>
+                <a:cs typeface="Courier New"/>
+                <a:sym typeface="Courier New"/>
+              </a:rPr>
+              <a:t> </a:t>
+            </a:r>
+            <a:r>
+              <a:rPr lang="es-ES" sz="1600" dirty="0" err="1">
+                <a:latin typeface="Courier New"/>
+                <a:ea typeface="Courier New"/>
+                <a:cs typeface="Courier New"/>
+                <a:sym typeface="Courier New"/>
+              </a:rPr>
+              <a:t>killed</a:t>
+            </a:r>
+            <a:endParaRPr sz="1600" dirty="0">
+              <a:latin typeface="Courier New"/>
+              <a:ea typeface="Courier New"/>
+              <a:cs typeface="Courier New"/>
+              <a:sym typeface="Courier New"/>
+            </a:endParaRPr>
+          </a:p>
+          <a:p>
+            <a:pPr marL="0" lvl="0" indent="0" algn="l" rtl="0">
+              <a:spcBef>
+                <a:spcPts val="0"/>
+              </a:spcBef>
+              <a:spcAft>
+                <a:spcPts val="0"/>
+              </a:spcAft>
+              <a:buClr>
+                <a:schemeClr val="dk1"/>
+              </a:buClr>
+              <a:buSzPts val="1100"/>
+              <a:buFont typeface="Arial"/>
+              <a:buNone/>
+            </a:pPr>
+            <a:r>
+              <a:rPr lang="es-ES" sz="1600" dirty="0">
+                <a:latin typeface="Courier New"/>
+                <a:ea typeface="Courier New"/>
+                <a:cs typeface="Courier New"/>
+                <a:sym typeface="Courier New"/>
+              </a:rPr>
+              <a:t>  </a:t>
+            </a:r>
+            <a:r>
+              <a:rPr lang="es-ES" sz="1600" dirty="0" err="1">
+                <a:latin typeface="Courier New"/>
+                <a:ea typeface="Courier New"/>
+                <a:cs typeface="Courier New"/>
+                <a:sym typeface="Courier New"/>
+              </a:rPr>
+              <a:t>struct</a:t>
+            </a:r>
+            <a:r>
+              <a:rPr lang="es-ES" sz="1600" dirty="0">
+                <a:latin typeface="Courier New"/>
+                <a:ea typeface="Courier New"/>
+                <a:cs typeface="Courier New"/>
+                <a:sym typeface="Courier New"/>
+              </a:rPr>
+              <a:t> file *</a:t>
+            </a:r>
+            <a:r>
+              <a:rPr lang="es-ES" sz="1600" dirty="0" err="1">
+                <a:latin typeface="Courier New"/>
+                <a:ea typeface="Courier New"/>
+                <a:cs typeface="Courier New"/>
+                <a:sym typeface="Courier New"/>
+              </a:rPr>
+              <a:t>ofile</a:t>
+            </a:r>
+            <a:r>
+              <a:rPr lang="es-ES" sz="1600" dirty="0">
+                <a:latin typeface="Courier New"/>
+                <a:ea typeface="Courier New"/>
+                <a:cs typeface="Courier New"/>
+                <a:sym typeface="Courier New"/>
+              </a:rPr>
+              <a:t>[NOFILE];      // Open files</a:t>
+            </a:r>
+            <a:endParaRPr sz="1600" dirty="0">
+              <a:latin typeface="Courier New"/>
+              <a:ea typeface="Courier New"/>
+              <a:cs typeface="Courier New"/>
+              <a:sym typeface="Courier New"/>
+            </a:endParaRPr>
+          </a:p>
+          <a:p>
+            <a:pPr marL="0" lvl="0" indent="0" algn="l" rtl="0">
+              <a:spcBef>
+                <a:spcPts val="0"/>
+              </a:spcBef>
+              <a:spcAft>
+                <a:spcPts val="0"/>
+              </a:spcAft>
+              <a:buClr>
+                <a:schemeClr val="dk1"/>
+              </a:buClr>
+              <a:buSzPts val="1100"/>
+              <a:buFont typeface="Arial"/>
+              <a:buNone/>
+            </a:pPr>
+            <a:r>
+              <a:rPr lang="es-ES" sz="1600" dirty="0">
+                <a:latin typeface="Courier New"/>
+                <a:ea typeface="Courier New"/>
+                <a:cs typeface="Courier New"/>
+                <a:sym typeface="Courier New"/>
+              </a:rPr>
+              <a:t>  </a:t>
+            </a:r>
+            <a:r>
+              <a:rPr lang="es-ES" sz="1600" dirty="0" err="1">
+                <a:latin typeface="Courier New"/>
+                <a:ea typeface="Courier New"/>
+                <a:cs typeface="Courier New"/>
+                <a:sym typeface="Courier New"/>
+              </a:rPr>
+              <a:t>struct</a:t>
+            </a:r>
+            <a:r>
+              <a:rPr lang="es-ES" sz="1600" dirty="0">
+                <a:latin typeface="Courier New"/>
+                <a:ea typeface="Courier New"/>
+                <a:cs typeface="Courier New"/>
+                <a:sym typeface="Courier New"/>
+              </a:rPr>
+              <a:t> </a:t>
+            </a:r>
+            <a:r>
+              <a:rPr lang="es-ES" sz="1600" dirty="0" err="1">
+                <a:latin typeface="Courier New"/>
+                <a:ea typeface="Courier New"/>
+                <a:cs typeface="Courier New"/>
+                <a:sym typeface="Courier New"/>
+              </a:rPr>
+              <a:t>inode</a:t>
+            </a:r>
+            <a:r>
+              <a:rPr lang="es-ES" sz="1600" dirty="0">
+                <a:latin typeface="Courier New"/>
+                <a:ea typeface="Courier New"/>
+                <a:cs typeface="Courier New"/>
+                <a:sym typeface="Courier New"/>
+              </a:rPr>
+              <a:t> *</a:t>
+            </a:r>
+            <a:r>
+              <a:rPr lang="es-ES" sz="1600" dirty="0" err="1">
+                <a:latin typeface="Courier New"/>
+                <a:ea typeface="Courier New"/>
+                <a:cs typeface="Courier New"/>
+                <a:sym typeface="Courier New"/>
+              </a:rPr>
+              <a:t>cwd</a:t>
+            </a:r>
+            <a:r>
+              <a:rPr lang="es-ES" sz="1600" dirty="0">
+                <a:latin typeface="Courier New"/>
+                <a:ea typeface="Courier New"/>
+                <a:cs typeface="Courier New"/>
+                <a:sym typeface="Courier New"/>
+              </a:rPr>
+              <a:t>;               // </a:t>
+            </a:r>
+            <a:r>
+              <a:rPr lang="es-ES" sz="1600" dirty="0" err="1">
+                <a:latin typeface="Courier New"/>
+                <a:ea typeface="Courier New"/>
+                <a:cs typeface="Courier New"/>
+                <a:sym typeface="Courier New"/>
+              </a:rPr>
+              <a:t>Current</a:t>
+            </a:r>
+            <a:r>
+              <a:rPr lang="es-ES" sz="1600" dirty="0">
+                <a:latin typeface="Courier New"/>
+                <a:ea typeface="Courier New"/>
+                <a:cs typeface="Courier New"/>
+                <a:sym typeface="Courier New"/>
+              </a:rPr>
+              <a:t> </a:t>
+            </a:r>
+            <a:r>
+              <a:rPr lang="es-ES" sz="1600" dirty="0" err="1">
+                <a:latin typeface="Courier New"/>
+                <a:ea typeface="Courier New"/>
+                <a:cs typeface="Courier New"/>
+                <a:sym typeface="Courier New"/>
+              </a:rPr>
+              <a:t>directory</a:t>
+            </a:r>
+            <a:endParaRPr sz="1600" dirty="0">
+              <a:latin typeface="Courier New"/>
+              <a:ea typeface="Courier New"/>
+              <a:cs typeface="Courier New"/>
+              <a:sym typeface="Courier New"/>
+            </a:endParaRPr>
+          </a:p>
+          <a:p>
+            <a:pPr marL="0" lvl="0" indent="0" algn="l" rtl="0">
+              <a:spcBef>
+                <a:spcPts val="0"/>
+              </a:spcBef>
+              <a:spcAft>
+                <a:spcPts val="0"/>
+              </a:spcAft>
+              <a:buClr>
+                <a:schemeClr val="dk1"/>
+              </a:buClr>
+              <a:buSzPts val="1100"/>
+              <a:buFont typeface="Arial"/>
+              <a:buNone/>
+            </a:pPr>
+            <a:r>
+              <a:rPr lang="es-ES" sz="1600" dirty="0">
+                <a:latin typeface="Courier New"/>
+                <a:ea typeface="Courier New"/>
+                <a:cs typeface="Courier New"/>
+                <a:sym typeface="Courier New"/>
+              </a:rPr>
+              <a:t>  </a:t>
+            </a:r>
+            <a:r>
+              <a:rPr lang="es-ES" sz="1600" dirty="0" err="1">
+                <a:latin typeface="Courier New"/>
+                <a:ea typeface="Courier New"/>
+                <a:cs typeface="Courier New"/>
+                <a:sym typeface="Courier New"/>
+              </a:rPr>
+              <a:t>struct</a:t>
+            </a:r>
+            <a:r>
+              <a:rPr lang="es-ES" sz="1600" dirty="0">
+                <a:latin typeface="Courier New"/>
+                <a:ea typeface="Courier New"/>
+                <a:cs typeface="Courier New"/>
+                <a:sym typeface="Courier New"/>
+              </a:rPr>
+              <a:t> </a:t>
+            </a:r>
+            <a:r>
+              <a:rPr lang="es-ES" sz="1600" dirty="0" err="1">
+                <a:latin typeface="Courier New"/>
+                <a:ea typeface="Courier New"/>
+                <a:cs typeface="Courier New"/>
+                <a:sym typeface="Courier New"/>
+              </a:rPr>
+              <a:t>context</a:t>
+            </a:r>
+            <a:r>
+              <a:rPr lang="es-ES" sz="1600" dirty="0">
+                <a:latin typeface="Courier New"/>
+                <a:ea typeface="Courier New"/>
+                <a:cs typeface="Courier New"/>
+                <a:sym typeface="Courier New"/>
+              </a:rPr>
+              <a:t> </a:t>
+            </a:r>
+            <a:r>
+              <a:rPr lang="es-ES" sz="1600" dirty="0" err="1">
+                <a:latin typeface="Courier New"/>
+                <a:ea typeface="Courier New"/>
+                <a:cs typeface="Courier New"/>
+                <a:sym typeface="Courier New"/>
+              </a:rPr>
+              <a:t>context</a:t>
+            </a:r>
+            <a:r>
+              <a:rPr lang="es-ES" sz="1600" dirty="0">
+                <a:latin typeface="Courier New"/>
+                <a:ea typeface="Courier New"/>
+                <a:cs typeface="Courier New"/>
+                <a:sym typeface="Courier New"/>
+              </a:rPr>
+              <a:t>;          // </a:t>
+            </a:r>
+            <a:r>
+              <a:rPr lang="es-ES" sz="1600" dirty="0" err="1">
+                <a:latin typeface="Courier New"/>
+                <a:ea typeface="Courier New"/>
+                <a:cs typeface="Courier New"/>
+                <a:sym typeface="Courier New"/>
+              </a:rPr>
+              <a:t>Switch</a:t>
+            </a:r>
+            <a:r>
+              <a:rPr lang="es-ES" sz="1600" dirty="0">
+                <a:latin typeface="Courier New"/>
+                <a:ea typeface="Courier New"/>
+                <a:cs typeface="Courier New"/>
+                <a:sym typeface="Courier New"/>
+              </a:rPr>
+              <a:t> </a:t>
+            </a:r>
+            <a:r>
+              <a:rPr lang="es-ES" sz="1600" dirty="0" err="1">
+                <a:latin typeface="Courier New"/>
+                <a:ea typeface="Courier New"/>
+                <a:cs typeface="Courier New"/>
+                <a:sym typeface="Courier New"/>
+              </a:rPr>
+              <a:t>here</a:t>
+            </a:r>
+            <a:r>
+              <a:rPr lang="es-ES" sz="1600" dirty="0">
+                <a:latin typeface="Courier New"/>
+                <a:ea typeface="Courier New"/>
+                <a:cs typeface="Courier New"/>
+                <a:sym typeface="Courier New"/>
+              </a:rPr>
+              <a:t> </a:t>
+            </a:r>
+            <a:r>
+              <a:rPr lang="es-ES" sz="1600" dirty="0" err="1">
+                <a:latin typeface="Courier New"/>
+                <a:ea typeface="Courier New"/>
+                <a:cs typeface="Courier New"/>
+                <a:sym typeface="Courier New"/>
+              </a:rPr>
+              <a:t>to</a:t>
+            </a:r>
+            <a:r>
+              <a:rPr lang="es-ES" sz="1600" dirty="0">
+                <a:latin typeface="Courier New"/>
+                <a:ea typeface="Courier New"/>
+                <a:cs typeface="Courier New"/>
+                <a:sym typeface="Courier New"/>
+              </a:rPr>
+              <a:t> run process</a:t>
+            </a:r>
+            <a:endParaRPr sz="1600" dirty="0">
+              <a:latin typeface="Courier New"/>
+              <a:ea typeface="Courier New"/>
+              <a:cs typeface="Courier New"/>
+              <a:sym typeface="Courier New"/>
+            </a:endParaRPr>
+          </a:p>
+          <a:p>
+            <a:pPr marL="0" lvl="0" indent="0" algn="l" rtl="0">
+              <a:spcBef>
+                <a:spcPts val="0"/>
+              </a:spcBef>
+              <a:spcAft>
+                <a:spcPts val="0"/>
+              </a:spcAft>
+              <a:buClr>
+                <a:schemeClr val="dk1"/>
+              </a:buClr>
+              <a:buSzPts val="1100"/>
+              <a:buFont typeface="Arial"/>
+              <a:buNone/>
+            </a:pPr>
+            <a:r>
+              <a:rPr lang="es-ES" sz="1600" dirty="0">
+                <a:latin typeface="Courier New"/>
+                <a:ea typeface="Courier New"/>
+                <a:cs typeface="Courier New"/>
+                <a:sym typeface="Courier New"/>
+              </a:rPr>
+              <a:t>  </a:t>
+            </a:r>
+            <a:r>
+              <a:rPr lang="es-ES" sz="1600" dirty="0" err="1">
+                <a:latin typeface="Courier New"/>
+                <a:ea typeface="Courier New"/>
+                <a:cs typeface="Courier New"/>
+                <a:sym typeface="Courier New"/>
+              </a:rPr>
+              <a:t>struct</a:t>
+            </a:r>
+            <a:r>
+              <a:rPr lang="es-ES" sz="1600" dirty="0">
+                <a:latin typeface="Courier New"/>
+                <a:ea typeface="Courier New"/>
+                <a:cs typeface="Courier New"/>
+                <a:sym typeface="Courier New"/>
+              </a:rPr>
+              <a:t> </a:t>
+            </a:r>
+            <a:r>
+              <a:rPr lang="es-ES" sz="1600" dirty="0" err="1">
+                <a:latin typeface="Courier New"/>
+                <a:ea typeface="Courier New"/>
+                <a:cs typeface="Courier New"/>
+                <a:sym typeface="Courier New"/>
+              </a:rPr>
+              <a:t>trapframe</a:t>
+            </a:r>
+            <a:r>
+              <a:rPr lang="es-ES" sz="1600" dirty="0">
+                <a:latin typeface="Courier New"/>
+                <a:ea typeface="Courier New"/>
+                <a:cs typeface="Courier New"/>
+                <a:sym typeface="Courier New"/>
+              </a:rPr>
+              <a:t> *</a:t>
+            </a:r>
+            <a:r>
+              <a:rPr lang="es-ES" sz="1600" dirty="0" err="1">
+                <a:latin typeface="Courier New"/>
+                <a:ea typeface="Courier New"/>
+                <a:cs typeface="Courier New"/>
+                <a:sym typeface="Courier New"/>
+              </a:rPr>
+              <a:t>tf</a:t>
+            </a:r>
+            <a:r>
+              <a:rPr lang="es-ES" sz="1600" dirty="0">
+                <a:latin typeface="Courier New"/>
+                <a:ea typeface="Courier New"/>
+                <a:cs typeface="Courier New"/>
+                <a:sym typeface="Courier New"/>
+              </a:rPr>
+              <a:t>;            // </a:t>
+            </a:r>
+            <a:r>
+              <a:rPr lang="es-ES" sz="1600" dirty="0" err="1">
+                <a:latin typeface="Courier New"/>
+                <a:ea typeface="Courier New"/>
+                <a:cs typeface="Courier New"/>
+                <a:sym typeface="Courier New"/>
+              </a:rPr>
+              <a:t>Trap</a:t>
+            </a:r>
+            <a:r>
+              <a:rPr lang="es-ES" sz="1600" dirty="0">
+                <a:latin typeface="Courier New"/>
+                <a:ea typeface="Courier New"/>
+                <a:cs typeface="Courier New"/>
+                <a:sym typeface="Courier New"/>
+              </a:rPr>
+              <a:t> </a:t>
+            </a:r>
+            <a:r>
+              <a:rPr lang="es-ES" sz="1600" dirty="0" err="1">
+                <a:latin typeface="Courier New"/>
+                <a:ea typeface="Courier New"/>
+                <a:cs typeface="Courier New"/>
+                <a:sym typeface="Courier New"/>
+              </a:rPr>
+              <a:t>frame</a:t>
+            </a:r>
+            <a:r>
+              <a:rPr lang="es-ES" sz="1600" dirty="0">
+                <a:latin typeface="Courier New"/>
+                <a:ea typeface="Courier New"/>
+                <a:cs typeface="Courier New"/>
+                <a:sym typeface="Courier New"/>
+              </a:rPr>
+              <a:t> </a:t>
+            </a:r>
+            <a:r>
+              <a:rPr lang="es-ES" sz="1600" dirty="0" err="1">
+                <a:latin typeface="Courier New"/>
+                <a:ea typeface="Courier New"/>
+                <a:cs typeface="Courier New"/>
+                <a:sym typeface="Courier New"/>
+              </a:rPr>
+              <a:t>for</a:t>
+            </a:r>
+            <a:r>
+              <a:rPr lang="es-ES" sz="1600" dirty="0">
+                <a:latin typeface="Courier New"/>
+                <a:ea typeface="Courier New"/>
+                <a:cs typeface="Courier New"/>
+                <a:sym typeface="Courier New"/>
+              </a:rPr>
+              <a:t> </a:t>
+            </a:r>
+            <a:r>
+              <a:rPr lang="es-ES" sz="1600" dirty="0" err="1">
+                <a:latin typeface="Courier New"/>
+                <a:ea typeface="Courier New"/>
+                <a:cs typeface="Courier New"/>
+                <a:sym typeface="Courier New"/>
+              </a:rPr>
+              <a:t>the</a:t>
+            </a:r>
+            <a:endParaRPr sz="1600" dirty="0">
+              <a:latin typeface="Courier New"/>
+              <a:ea typeface="Courier New"/>
+              <a:cs typeface="Courier New"/>
+              <a:sym typeface="Courier New"/>
+            </a:endParaRPr>
+          </a:p>
+          <a:p>
+            <a:pPr marL="0" lvl="0" indent="0" algn="l" rtl="0">
+              <a:spcBef>
+                <a:spcPts val="0"/>
+              </a:spcBef>
+              <a:spcAft>
+                <a:spcPts val="0"/>
+              </a:spcAft>
+              <a:buClr>
+                <a:schemeClr val="dk1"/>
+              </a:buClr>
+              <a:buSzPts val="1100"/>
+              <a:buFont typeface="Arial"/>
+              <a:buNone/>
+            </a:pPr>
+            <a:r>
+              <a:rPr lang="es-ES" sz="1600" dirty="0">
+                <a:latin typeface="Courier New"/>
+                <a:ea typeface="Courier New"/>
+                <a:cs typeface="Courier New"/>
+                <a:sym typeface="Courier New"/>
+              </a:rPr>
+              <a:t>                                   // </a:t>
+            </a:r>
+            <a:r>
+              <a:rPr lang="es-ES" sz="1600" dirty="0" err="1">
+                <a:latin typeface="Courier New"/>
+                <a:ea typeface="Courier New"/>
+                <a:cs typeface="Courier New"/>
+                <a:sym typeface="Courier New"/>
+              </a:rPr>
+              <a:t>current</a:t>
+            </a:r>
+            <a:r>
+              <a:rPr lang="es-ES" sz="1600" dirty="0">
+                <a:latin typeface="Courier New"/>
+                <a:ea typeface="Courier New"/>
+                <a:cs typeface="Courier New"/>
+                <a:sym typeface="Courier New"/>
+              </a:rPr>
+              <a:t> </a:t>
+            </a:r>
+            <a:r>
+              <a:rPr lang="es-ES" sz="1600" dirty="0" err="1">
+                <a:latin typeface="Courier New"/>
+                <a:ea typeface="Courier New"/>
+                <a:cs typeface="Courier New"/>
+                <a:sym typeface="Courier New"/>
+              </a:rPr>
+              <a:t>interrupt</a:t>
+            </a:r>
+            <a:endParaRPr sz="1600" dirty="0">
+              <a:latin typeface="Courier New"/>
+              <a:ea typeface="Courier New"/>
+              <a:cs typeface="Courier New"/>
+              <a:sym typeface="Courier New"/>
+            </a:endParaRPr>
+          </a:p>
+          <a:p>
+            <a:pPr marL="0" lvl="0" indent="0" algn="l" rtl="0">
+              <a:spcBef>
+                <a:spcPts val="0"/>
+              </a:spcBef>
+              <a:spcAft>
+                <a:spcPts val="0"/>
+              </a:spcAft>
+              <a:buClr>
+                <a:schemeClr val="dk1"/>
+              </a:buClr>
+              <a:buSzPts val="1100"/>
+              <a:buFont typeface="Arial"/>
+              <a:buNone/>
+            </a:pPr>
+            <a:r>
+              <a:rPr lang="es-ES" sz="1600" dirty="0">
+                <a:latin typeface="Courier New"/>
+                <a:ea typeface="Courier New"/>
+                <a:cs typeface="Courier New"/>
+                <a:sym typeface="Courier New"/>
+              </a:rPr>
+              <a:t>};</a:t>
+            </a:r>
+            <a:endParaRPr sz="1600" dirty="0">
+              <a:latin typeface="Courier New"/>
+              <a:ea typeface="Courier New"/>
+              <a:cs typeface="Courier New"/>
+              <a:sym typeface="Courier New"/>
+            </a:endParaRPr>
+          </a:p>
+        </p:txBody>
+      </p:sp>
+    </p:spTree>
+    <p:extLst>
+      <p:ext uri="{BB962C8B-B14F-4D97-AF65-F5344CB8AC3E}">
+        <p14:creationId xmlns:p14="http://schemas.microsoft.com/office/powerpoint/2010/main" val="1729188636"/>
       </p:ext>
     </p:extLst>
   </p:cSld>
@@ -21964,1989 +22798,6 @@
         </p:spPr>
       </p:pic>
     </p:spTree>
-  </p:cSld>
-  <p:clrMapOvr>
-    <a:masterClrMapping/>
-  </p:clrMapOvr>
-</p:sld>
-</file>
-
-<file path=ppt/slides/slide30.xml><?xml version="1.0" encoding="utf-8"?>
-<p:sld xmlns:a="http://schemas.openxmlformats.org/drawingml/2006/main" xmlns:r="http://schemas.openxmlformats.org/officeDocument/2006/relationships" xmlns:p="http://schemas.openxmlformats.org/presentationml/2006/main">
-  <p:cSld>
-    <p:spTree>
-      <p:nvGrpSpPr>
-        <p:cNvPr id="1" name="Shape 551"/>
-        <p:cNvGrpSpPr/>
-        <p:nvPr/>
-      </p:nvGrpSpPr>
-      <p:grpSpPr>
-        <a:xfrm>
-          <a:off x="0" y="0"/>
-          <a:ext cx="0" cy="0"/>
-          <a:chOff x="0" y="0"/>
-          <a:chExt cx="0" cy="0"/>
-        </a:xfrm>
-      </p:grpSpPr>
-      <p:sp>
-        <p:nvSpPr>
-          <p:cNvPr id="552" name="Google Shape;552;p47"/>
-          <p:cNvSpPr txBox="1">
-            <a:spLocks noGrp="1"/>
-          </p:cNvSpPr>
-          <p:nvPr>
-            <p:ph type="title"/>
-          </p:nvPr>
-        </p:nvSpPr>
-        <p:spPr>
-          <a:xfrm>
-            <a:off x="1096759" y="165310"/>
-            <a:ext cx="10097714" cy="949500"/>
-          </a:xfrm>
-          <a:prstGeom prst="rect">
-            <a:avLst/>
-          </a:prstGeom>
-          <a:noFill/>
-          <a:ln>
-            <a:noFill/>
-          </a:ln>
-        </p:spPr>
-        <p:txBody>
-          <a:bodyPr spcFirstLastPara="1" wrap="square" lIns="91425" tIns="45700" rIns="91425" bIns="45700" anchor="ctr" anchorCtr="0">
-            <a:noAutofit/>
-          </a:bodyPr>
-          <a:lstStyle/>
-          <a:p>
-            <a:pPr marL="0" lvl="0" indent="0" algn="l" rtl="0">
-              <a:lnSpc>
-                <a:spcPct val="90000"/>
-              </a:lnSpc>
-              <a:spcBef>
-                <a:spcPts val="0"/>
-              </a:spcBef>
-              <a:spcAft>
-                <a:spcPts val="0"/>
-              </a:spcAft>
-              <a:buClr>
-                <a:srgbClr val="0B6937"/>
-              </a:buClr>
-              <a:buSzPts val="2880"/>
-              <a:buFont typeface="Roboto Slab"/>
-              <a:buNone/>
-            </a:pPr>
-            <a:r>
-              <a:rPr lang="es-ES" dirty="0"/>
-              <a:t>Process Control Block (PCB)</a:t>
-            </a:r>
-            <a:endParaRPr lang="es-ES" b="1" dirty="0">
-              <a:solidFill>
-                <a:srgbClr val="0B6937"/>
-              </a:solidFill>
-              <a:latin typeface="Roboto Slab"/>
-              <a:ea typeface="Roboto Slab"/>
-              <a:cs typeface="Roboto Slab"/>
-              <a:sym typeface="Roboto Slab"/>
-            </a:endParaRPr>
-          </a:p>
-        </p:txBody>
-      </p:sp>
-      <p:sp>
-        <p:nvSpPr>
-          <p:cNvPr id="10" name="Google Shape;674;p61">
-            <a:extLst>
-              <a:ext uri="{FF2B5EF4-FFF2-40B4-BE49-F238E27FC236}">
-                <a16:creationId xmlns:a16="http://schemas.microsoft.com/office/drawing/2014/main" id="{79EA56F2-0238-4EE4-B405-2E84FC368B28}"/>
-              </a:ext>
-            </a:extLst>
-          </p:cNvPr>
-          <p:cNvSpPr txBox="1"/>
-          <p:nvPr/>
-        </p:nvSpPr>
-        <p:spPr>
-          <a:xfrm>
-            <a:off x="4433455" y="6102950"/>
-            <a:ext cx="3754683" cy="461635"/>
-          </a:xfrm>
-          <a:prstGeom prst="rect">
-            <a:avLst/>
-          </a:prstGeom>
-          <a:noFill/>
-          <a:ln>
-            <a:noFill/>
-          </a:ln>
-        </p:spPr>
-        <p:txBody>
-          <a:bodyPr spcFirstLastPara="1" wrap="square" lIns="91425" tIns="91425" rIns="91425" bIns="91425" anchor="t" anchorCtr="0">
-            <a:spAutoFit/>
-          </a:bodyPr>
-          <a:lstStyle/>
-          <a:p>
-            <a:pPr marL="0" lvl="0" indent="0" algn="ctr" rtl="0">
-              <a:spcBef>
-                <a:spcPts val="0"/>
-              </a:spcBef>
-              <a:spcAft>
-                <a:spcPts val="0"/>
-              </a:spcAft>
-              <a:buNone/>
-            </a:pPr>
-            <a:r>
-              <a:rPr lang="es-ES" b="1" dirty="0" err="1">
-                <a:latin typeface="Roboto"/>
-                <a:ea typeface="Roboto"/>
-                <a:cs typeface="Roboto"/>
-                <a:sym typeface="Roboto"/>
-              </a:rPr>
-              <a:t>The</a:t>
-            </a:r>
-            <a:r>
-              <a:rPr lang="es-ES" b="1" dirty="0">
-                <a:latin typeface="Roboto"/>
-                <a:ea typeface="Roboto"/>
-                <a:cs typeface="Roboto"/>
-                <a:sym typeface="Roboto"/>
-              </a:rPr>
-              <a:t> xv6 </a:t>
-            </a:r>
-            <a:r>
-              <a:rPr lang="es-ES" b="1" dirty="0" err="1">
-                <a:latin typeface="Roboto"/>
-                <a:ea typeface="Roboto"/>
-                <a:cs typeface="Roboto"/>
-                <a:sym typeface="Roboto"/>
-              </a:rPr>
-              <a:t>Proc</a:t>
-            </a:r>
-            <a:r>
-              <a:rPr lang="es-ES" b="1" dirty="0">
-                <a:latin typeface="Roboto"/>
-                <a:ea typeface="Roboto"/>
-                <a:cs typeface="Roboto"/>
-                <a:sym typeface="Roboto"/>
-              </a:rPr>
-              <a:t> </a:t>
-            </a:r>
-            <a:r>
-              <a:rPr lang="es-ES" b="1" dirty="0" err="1">
-                <a:latin typeface="Roboto"/>
-                <a:ea typeface="Roboto"/>
-                <a:cs typeface="Roboto"/>
-                <a:sym typeface="Roboto"/>
-              </a:rPr>
-              <a:t>Structure</a:t>
-            </a:r>
-            <a:r>
-              <a:rPr lang="es-ES" dirty="0">
-                <a:latin typeface="Roboto"/>
-                <a:ea typeface="Roboto"/>
-                <a:cs typeface="Roboto"/>
-                <a:sym typeface="Roboto"/>
-              </a:rPr>
-              <a:t>  (</a:t>
-            </a:r>
-            <a:r>
-              <a:rPr lang="es-ES" u="sng" dirty="0">
-                <a:solidFill>
-                  <a:schemeClr val="hlink"/>
-                </a:solidFill>
-                <a:latin typeface="Roboto"/>
-                <a:ea typeface="Roboto"/>
-                <a:cs typeface="Roboto"/>
-                <a:sym typeface="Roboto"/>
-                <a:hlinkClick r:id="rId3"/>
-              </a:rPr>
-              <a:t>link</a:t>
-            </a:r>
-            <a:r>
-              <a:rPr lang="es-ES" dirty="0">
-                <a:latin typeface="Roboto"/>
-                <a:ea typeface="Roboto"/>
-                <a:cs typeface="Roboto"/>
-                <a:sym typeface="Roboto"/>
-              </a:rPr>
-              <a:t>) </a:t>
-            </a:r>
-            <a:endParaRPr dirty="0">
-              <a:latin typeface="Roboto"/>
-              <a:ea typeface="Roboto"/>
-              <a:cs typeface="Roboto"/>
-              <a:sym typeface="Roboto"/>
-            </a:endParaRPr>
-          </a:p>
-        </p:txBody>
-      </p:sp>
-      <p:sp>
-        <p:nvSpPr>
-          <p:cNvPr id="5" name="Google Shape;681;p62">
-            <a:extLst>
-              <a:ext uri="{FF2B5EF4-FFF2-40B4-BE49-F238E27FC236}">
-                <a16:creationId xmlns:a16="http://schemas.microsoft.com/office/drawing/2014/main" id="{C6177FCA-5F43-4C86-9607-CFF986E59EA8}"/>
-              </a:ext>
-            </a:extLst>
-          </p:cNvPr>
-          <p:cNvSpPr txBox="1"/>
-          <p:nvPr/>
-        </p:nvSpPr>
-        <p:spPr>
-          <a:xfrm>
-            <a:off x="1415700" y="1300080"/>
-            <a:ext cx="10249800" cy="4617600"/>
-          </a:xfrm>
-          <a:prstGeom prst="rect">
-            <a:avLst/>
-          </a:prstGeom>
-          <a:noFill/>
-          <a:ln w="19050" cap="flat" cmpd="sng">
-            <a:solidFill>
-              <a:srgbClr val="000000"/>
-            </a:solidFill>
-            <a:prstDash val="solid"/>
-            <a:round/>
-            <a:headEnd type="none" w="sm" len="sm"/>
-            <a:tailEnd type="none" w="sm" len="sm"/>
-          </a:ln>
-        </p:spPr>
-        <p:txBody>
-          <a:bodyPr spcFirstLastPara="1" wrap="square" lIns="91425" tIns="91425" rIns="91425" bIns="91425" anchor="t" anchorCtr="0">
-            <a:spAutoFit/>
-          </a:bodyPr>
-          <a:lstStyle/>
-          <a:p>
-            <a:pPr marL="0" lvl="0" indent="0" algn="l" rtl="0">
-              <a:spcBef>
-                <a:spcPts val="0"/>
-              </a:spcBef>
-              <a:spcAft>
-                <a:spcPts val="0"/>
-              </a:spcAft>
-              <a:buClr>
-                <a:schemeClr val="dk1"/>
-              </a:buClr>
-              <a:buSzPts val="1100"/>
-              <a:buFont typeface="Arial"/>
-              <a:buNone/>
-            </a:pPr>
-            <a:r>
-              <a:rPr lang="es-ES" sz="1600" dirty="0">
-                <a:latin typeface="Courier New"/>
-                <a:ea typeface="Courier New"/>
-                <a:cs typeface="Courier New"/>
-                <a:sym typeface="Courier New"/>
-              </a:rPr>
-              <a:t>// </a:t>
-            </a:r>
-            <a:r>
-              <a:rPr lang="es-ES" sz="1600" dirty="0" err="1">
-                <a:latin typeface="Courier New"/>
-                <a:ea typeface="Courier New"/>
-                <a:cs typeface="Courier New"/>
-                <a:sym typeface="Courier New"/>
-              </a:rPr>
-              <a:t>the</a:t>
-            </a:r>
-            <a:r>
-              <a:rPr lang="es-ES" sz="1600" dirty="0">
-                <a:latin typeface="Courier New"/>
-                <a:ea typeface="Courier New"/>
-                <a:cs typeface="Courier New"/>
-                <a:sym typeface="Courier New"/>
-              </a:rPr>
-              <a:t> </a:t>
-            </a:r>
-            <a:r>
-              <a:rPr lang="es-ES" sz="1600" dirty="0" err="1">
-                <a:latin typeface="Courier New"/>
-                <a:ea typeface="Courier New"/>
-                <a:cs typeface="Courier New"/>
-                <a:sym typeface="Courier New"/>
-              </a:rPr>
-              <a:t>information</a:t>
-            </a:r>
-            <a:r>
-              <a:rPr lang="es-ES" sz="1600" dirty="0">
-                <a:latin typeface="Courier New"/>
-                <a:ea typeface="Courier New"/>
-                <a:cs typeface="Courier New"/>
-                <a:sym typeface="Courier New"/>
-              </a:rPr>
-              <a:t> xv6 </a:t>
-            </a:r>
-            <a:r>
-              <a:rPr lang="es-ES" sz="1600" dirty="0" err="1">
-                <a:latin typeface="Courier New"/>
-                <a:ea typeface="Courier New"/>
-                <a:cs typeface="Courier New"/>
-                <a:sym typeface="Courier New"/>
-              </a:rPr>
-              <a:t>tracks</a:t>
-            </a:r>
-            <a:r>
-              <a:rPr lang="es-ES" sz="1600" dirty="0">
-                <a:latin typeface="Courier New"/>
-                <a:ea typeface="Courier New"/>
-                <a:cs typeface="Courier New"/>
-                <a:sym typeface="Courier New"/>
-              </a:rPr>
-              <a:t> </a:t>
-            </a:r>
-            <a:r>
-              <a:rPr lang="es-ES" sz="1600" dirty="0" err="1">
-                <a:latin typeface="Courier New"/>
-                <a:ea typeface="Courier New"/>
-                <a:cs typeface="Courier New"/>
-                <a:sym typeface="Courier New"/>
-              </a:rPr>
-              <a:t>about</a:t>
-            </a:r>
-            <a:r>
-              <a:rPr lang="es-ES" sz="1600" dirty="0">
-                <a:latin typeface="Courier New"/>
-                <a:ea typeface="Courier New"/>
-                <a:cs typeface="Courier New"/>
-                <a:sym typeface="Courier New"/>
-              </a:rPr>
-              <a:t> </a:t>
-            </a:r>
-            <a:r>
-              <a:rPr lang="es-ES" sz="1600" dirty="0" err="1">
-                <a:latin typeface="Courier New"/>
-                <a:ea typeface="Courier New"/>
-                <a:cs typeface="Courier New"/>
-                <a:sym typeface="Courier New"/>
-              </a:rPr>
-              <a:t>each</a:t>
-            </a:r>
-            <a:r>
-              <a:rPr lang="es-ES" sz="1600" dirty="0">
-                <a:latin typeface="Courier New"/>
-                <a:ea typeface="Courier New"/>
-                <a:cs typeface="Courier New"/>
-                <a:sym typeface="Courier New"/>
-              </a:rPr>
-              <a:t> process</a:t>
-            </a:r>
-            <a:endParaRPr sz="1600" dirty="0">
-              <a:latin typeface="Courier New"/>
-              <a:ea typeface="Courier New"/>
-              <a:cs typeface="Courier New"/>
-              <a:sym typeface="Courier New"/>
-            </a:endParaRPr>
-          </a:p>
-          <a:p>
-            <a:pPr marL="0" lvl="0" indent="0" algn="l" rtl="0">
-              <a:spcBef>
-                <a:spcPts val="0"/>
-              </a:spcBef>
-              <a:spcAft>
-                <a:spcPts val="0"/>
-              </a:spcAft>
-              <a:buClr>
-                <a:schemeClr val="dk1"/>
-              </a:buClr>
-              <a:buSzPts val="1100"/>
-              <a:buFont typeface="Arial"/>
-              <a:buNone/>
-            </a:pPr>
-            <a:r>
-              <a:rPr lang="es-ES" sz="1600" dirty="0">
-                <a:latin typeface="Courier New"/>
-                <a:ea typeface="Courier New"/>
-                <a:cs typeface="Courier New"/>
-                <a:sym typeface="Courier New"/>
-              </a:rPr>
-              <a:t>// </a:t>
-            </a:r>
-            <a:r>
-              <a:rPr lang="es-ES" sz="1600" dirty="0" err="1">
-                <a:latin typeface="Courier New"/>
-                <a:ea typeface="Courier New"/>
-                <a:cs typeface="Courier New"/>
-                <a:sym typeface="Courier New"/>
-              </a:rPr>
-              <a:t>including</a:t>
-            </a:r>
-            <a:r>
-              <a:rPr lang="es-ES" sz="1600" dirty="0">
-                <a:latin typeface="Courier New"/>
-                <a:ea typeface="Courier New"/>
-                <a:cs typeface="Courier New"/>
-                <a:sym typeface="Courier New"/>
-              </a:rPr>
-              <a:t> </a:t>
-            </a:r>
-            <a:r>
-              <a:rPr lang="es-ES" sz="1600" dirty="0" err="1">
-                <a:latin typeface="Courier New"/>
-                <a:ea typeface="Courier New"/>
-                <a:cs typeface="Courier New"/>
-                <a:sym typeface="Courier New"/>
-              </a:rPr>
-              <a:t>its</a:t>
-            </a:r>
-            <a:r>
-              <a:rPr lang="es-ES" sz="1600" dirty="0">
-                <a:latin typeface="Courier New"/>
-                <a:ea typeface="Courier New"/>
-                <a:cs typeface="Courier New"/>
-                <a:sym typeface="Courier New"/>
-              </a:rPr>
-              <a:t> </a:t>
-            </a:r>
-            <a:r>
-              <a:rPr lang="es-ES" sz="1600" dirty="0" err="1">
-                <a:latin typeface="Courier New"/>
-                <a:ea typeface="Courier New"/>
-                <a:cs typeface="Courier New"/>
-                <a:sym typeface="Courier New"/>
-              </a:rPr>
-              <a:t>register</a:t>
-            </a:r>
-            <a:r>
-              <a:rPr lang="es-ES" sz="1600" dirty="0">
-                <a:latin typeface="Courier New"/>
-                <a:ea typeface="Courier New"/>
-                <a:cs typeface="Courier New"/>
-                <a:sym typeface="Courier New"/>
-              </a:rPr>
-              <a:t> </a:t>
-            </a:r>
-            <a:r>
-              <a:rPr lang="es-ES" sz="1600" dirty="0" err="1">
-                <a:latin typeface="Courier New"/>
-                <a:ea typeface="Courier New"/>
-                <a:cs typeface="Courier New"/>
-                <a:sym typeface="Courier New"/>
-              </a:rPr>
-              <a:t>context</a:t>
-            </a:r>
-            <a:r>
-              <a:rPr lang="es-ES" sz="1600" dirty="0">
-                <a:latin typeface="Courier New"/>
-                <a:ea typeface="Courier New"/>
-                <a:cs typeface="Courier New"/>
-                <a:sym typeface="Courier New"/>
-              </a:rPr>
-              <a:t> and </a:t>
-            </a:r>
-            <a:r>
-              <a:rPr lang="es-ES" sz="1600" dirty="0" err="1">
-                <a:latin typeface="Courier New"/>
-                <a:ea typeface="Courier New"/>
-                <a:cs typeface="Courier New"/>
-                <a:sym typeface="Courier New"/>
-              </a:rPr>
-              <a:t>state</a:t>
-            </a:r>
-            <a:endParaRPr sz="1600" dirty="0">
-              <a:latin typeface="Courier New"/>
-              <a:ea typeface="Courier New"/>
-              <a:cs typeface="Courier New"/>
-              <a:sym typeface="Courier New"/>
-            </a:endParaRPr>
-          </a:p>
-          <a:p>
-            <a:pPr marL="0" lvl="0" indent="0" algn="l" rtl="0">
-              <a:spcBef>
-                <a:spcPts val="0"/>
-              </a:spcBef>
-              <a:spcAft>
-                <a:spcPts val="0"/>
-              </a:spcAft>
-              <a:buClr>
-                <a:schemeClr val="dk1"/>
-              </a:buClr>
-              <a:buSzPts val="1100"/>
-              <a:buFont typeface="Arial"/>
-              <a:buNone/>
-            </a:pPr>
-            <a:r>
-              <a:rPr lang="es-ES" sz="1600" dirty="0" err="1">
-                <a:latin typeface="Courier New"/>
-                <a:ea typeface="Courier New"/>
-                <a:cs typeface="Courier New"/>
-                <a:sym typeface="Courier New"/>
-              </a:rPr>
-              <a:t>struct</a:t>
-            </a:r>
-            <a:r>
-              <a:rPr lang="es-ES" sz="1600" dirty="0">
-                <a:latin typeface="Courier New"/>
-                <a:ea typeface="Courier New"/>
-                <a:cs typeface="Courier New"/>
-                <a:sym typeface="Courier New"/>
-              </a:rPr>
-              <a:t> </a:t>
-            </a:r>
-            <a:r>
-              <a:rPr lang="es-ES" sz="1600" dirty="0" err="1">
-                <a:latin typeface="Courier New"/>
-                <a:ea typeface="Courier New"/>
-                <a:cs typeface="Courier New"/>
-                <a:sym typeface="Courier New"/>
-              </a:rPr>
-              <a:t>proc</a:t>
-            </a:r>
-            <a:r>
-              <a:rPr lang="es-ES" sz="1600" dirty="0">
-                <a:latin typeface="Courier New"/>
-                <a:ea typeface="Courier New"/>
-                <a:cs typeface="Courier New"/>
-                <a:sym typeface="Courier New"/>
-              </a:rPr>
-              <a:t> {</a:t>
-            </a:r>
-            <a:endParaRPr sz="1600" dirty="0">
-              <a:latin typeface="Courier New"/>
-              <a:ea typeface="Courier New"/>
-              <a:cs typeface="Courier New"/>
-              <a:sym typeface="Courier New"/>
-            </a:endParaRPr>
-          </a:p>
-          <a:p>
-            <a:pPr marL="0" lvl="0" indent="0" algn="l" rtl="0">
-              <a:spcBef>
-                <a:spcPts val="0"/>
-              </a:spcBef>
-              <a:spcAft>
-                <a:spcPts val="0"/>
-              </a:spcAft>
-              <a:buClr>
-                <a:schemeClr val="dk1"/>
-              </a:buClr>
-              <a:buSzPts val="1100"/>
-              <a:buFont typeface="Arial"/>
-              <a:buNone/>
-            </a:pPr>
-            <a:r>
-              <a:rPr lang="es-ES" sz="1600" dirty="0">
-                <a:latin typeface="Courier New"/>
-                <a:ea typeface="Courier New"/>
-                <a:cs typeface="Courier New"/>
-                <a:sym typeface="Courier New"/>
-              </a:rPr>
-              <a:t>  </a:t>
-            </a:r>
-            <a:r>
-              <a:rPr lang="es-ES" sz="1600" dirty="0" err="1">
-                <a:latin typeface="Courier New"/>
-                <a:ea typeface="Courier New"/>
-                <a:cs typeface="Courier New"/>
-                <a:sym typeface="Courier New"/>
-              </a:rPr>
-              <a:t>char</a:t>
-            </a:r>
-            <a:r>
-              <a:rPr lang="es-ES" sz="1600" dirty="0">
-                <a:latin typeface="Courier New"/>
-                <a:ea typeface="Courier New"/>
-                <a:cs typeface="Courier New"/>
-                <a:sym typeface="Courier New"/>
-              </a:rPr>
-              <a:t> *</a:t>
-            </a:r>
-            <a:r>
-              <a:rPr lang="es-ES" sz="1600" dirty="0" err="1">
-                <a:latin typeface="Courier New"/>
-                <a:ea typeface="Courier New"/>
-                <a:cs typeface="Courier New"/>
-                <a:sym typeface="Courier New"/>
-              </a:rPr>
-              <a:t>mem</a:t>
-            </a:r>
-            <a:r>
-              <a:rPr lang="es-ES" sz="1600" dirty="0">
-                <a:latin typeface="Courier New"/>
-                <a:ea typeface="Courier New"/>
-                <a:cs typeface="Courier New"/>
-                <a:sym typeface="Courier New"/>
-              </a:rPr>
-              <a:t>;                       // Start </a:t>
-            </a:r>
-            <a:r>
-              <a:rPr lang="es-ES" sz="1600" dirty="0" err="1">
-                <a:latin typeface="Courier New"/>
-                <a:ea typeface="Courier New"/>
-                <a:cs typeface="Courier New"/>
-                <a:sym typeface="Courier New"/>
-              </a:rPr>
-              <a:t>of</a:t>
-            </a:r>
-            <a:r>
-              <a:rPr lang="es-ES" sz="1600" dirty="0">
-                <a:latin typeface="Courier New"/>
-                <a:ea typeface="Courier New"/>
-                <a:cs typeface="Courier New"/>
-                <a:sym typeface="Courier New"/>
-              </a:rPr>
-              <a:t> process memory</a:t>
-            </a:r>
-            <a:endParaRPr sz="1600" dirty="0">
-              <a:latin typeface="Courier New"/>
-              <a:ea typeface="Courier New"/>
-              <a:cs typeface="Courier New"/>
-              <a:sym typeface="Courier New"/>
-            </a:endParaRPr>
-          </a:p>
-          <a:p>
-            <a:pPr marL="0" lvl="0" indent="0" algn="l" rtl="0">
-              <a:spcBef>
-                <a:spcPts val="0"/>
-              </a:spcBef>
-              <a:spcAft>
-                <a:spcPts val="0"/>
-              </a:spcAft>
-              <a:buClr>
-                <a:schemeClr val="dk1"/>
-              </a:buClr>
-              <a:buSzPts val="1100"/>
-              <a:buFont typeface="Arial"/>
-              <a:buNone/>
-            </a:pPr>
-            <a:r>
-              <a:rPr lang="es-ES" sz="1600" dirty="0">
-                <a:latin typeface="Courier New"/>
-                <a:ea typeface="Courier New"/>
-                <a:cs typeface="Courier New"/>
-                <a:sym typeface="Courier New"/>
-              </a:rPr>
-              <a:t>  </a:t>
-            </a:r>
-            <a:r>
-              <a:rPr lang="es-ES" sz="1600" dirty="0" err="1">
-                <a:latin typeface="Courier New"/>
-                <a:ea typeface="Courier New"/>
-                <a:cs typeface="Courier New"/>
-                <a:sym typeface="Courier New"/>
-              </a:rPr>
-              <a:t>uint</a:t>
-            </a:r>
-            <a:r>
-              <a:rPr lang="es-ES" sz="1600" dirty="0">
-                <a:latin typeface="Courier New"/>
-                <a:ea typeface="Courier New"/>
-                <a:cs typeface="Courier New"/>
-                <a:sym typeface="Courier New"/>
-              </a:rPr>
-              <a:t> </a:t>
-            </a:r>
-            <a:r>
-              <a:rPr lang="es-ES" sz="1600" dirty="0" err="1">
-                <a:latin typeface="Courier New"/>
-                <a:ea typeface="Courier New"/>
-                <a:cs typeface="Courier New"/>
-                <a:sym typeface="Courier New"/>
-              </a:rPr>
-              <a:t>sz</a:t>
-            </a:r>
-            <a:r>
-              <a:rPr lang="es-ES" sz="1600" dirty="0">
-                <a:latin typeface="Courier New"/>
-                <a:ea typeface="Courier New"/>
-                <a:cs typeface="Courier New"/>
-                <a:sym typeface="Courier New"/>
-              </a:rPr>
-              <a:t>;                         // </a:t>
-            </a:r>
-            <a:r>
-              <a:rPr lang="es-ES" sz="1600" dirty="0" err="1">
-                <a:latin typeface="Courier New"/>
-                <a:ea typeface="Courier New"/>
-                <a:cs typeface="Courier New"/>
-                <a:sym typeface="Courier New"/>
-              </a:rPr>
-              <a:t>Size</a:t>
-            </a:r>
-            <a:r>
-              <a:rPr lang="es-ES" sz="1600" dirty="0">
-                <a:latin typeface="Courier New"/>
-                <a:ea typeface="Courier New"/>
-                <a:cs typeface="Courier New"/>
-                <a:sym typeface="Courier New"/>
-              </a:rPr>
-              <a:t> </a:t>
-            </a:r>
-            <a:r>
-              <a:rPr lang="es-ES" sz="1600" dirty="0" err="1">
-                <a:latin typeface="Courier New"/>
-                <a:ea typeface="Courier New"/>
-                <a:cs typeface="Courier New"/>
-                <a:sym typeface="Courier New"/>
-              </a:rPr>
-              <a:t>of</a:t>
-            </a:r>
-            <a:r>
-              <a:rPr lang="es-ES" sz="1600" dirty="0">
-                <a:latin typeface="Courier New"/>
-                <a:ea typeface="Courier New"/>
-                <a:cs typeface="Courier New"/>
-                <a:sym typeface="Courier New"/>
-              </a:rPr>
-              <a:t> process memory</a:t>
-            </a:r>
-            <a:endParaRPr sz="1600" dirty="0">
-              <a:latin typeface="Courier New"/>
-              <a:ea typeface="Courier New"/>
-              <a:cs typeface="Courier New"/>
-              <a:sym typeface="Courier New"/>
-            </a:endParaRPr>
-          </a:p>
-          <a:p>
-            <a:pPr marL="0" lvl="0" indent="0" algn="l" rtl="0">
-              <a:spcBef>
-                <a:spcPts val="0"/>
-              </a:spcBef>
-              <a:spcAft>
-                <a:spcPts val="0"/>
-              </a:spcAft>
-              <a:buClr>
-                <a:schemeClr val="dk1"/>
-              </a:buClr>
-              <a:buSzPts val="1100"/>
-              <a:buFont typeface="Arial"/>
-              <a:buNone/>
-            </a:pPr>
-            <a:r>
-              <a:rPr lang="es-ES" sz="1600" dirty="0">
-                <a:latin typeface="Courier New"/>
-                <a:ea typeface="Courier New"/>
-                <a:cs typeface="Courier New"/>
-                <a:sym typeface="Courier New"/>
-              </a:rPr>
-              <a:t>  </a:t>
-            </a:r>
-            <a:r>
-              <a:rPr lang="es-ES" sz="1600" dirty="0" err="1">
-                <a:latin typeface="Courier New"/>
-                <a:ea typeface="Courier New"/>
-                <a:cs typeface="Courier New"/>
-                <a:sym typeface="Courier New"/>
-              </a:rPr>
-              <a:t>char</a:t>
-            </a:r>
-            <a:r>
-              <a:rPr lang="es-ES" sz="1600" dirty="0">
-                <a:latin typeface="Courier New"/>
-                <a:ea typeface="Courier New"/>
-                <a:cs typeface="Courier New"/>
-                <a:sym typeface="Courier New"/>
-              </a:rPr>
-              <a:t> *</a:t>
-            </a:r>
-            <a:r>
-              <a:rPr lang="es-ES" sz="1600" dirty="0" err="1">
-                <a:latin typeface="Courier New"/>
-                <a:ea typeface="Courier New"/>
-                <a:cs typeface="Courier New"/>
-                <a:sym typeface="Courier New"/>
-              </a:rPr>
-              <a:t>kstack</a:t>
-            </a:r>
-            <a:r>
-              <a:rPr lang="es-ES" sz="1600" dirty="0">
-                <a:latin typeface="Courier New"/>
-                <a:ea typeface="Courier New"/>
-                <a:cs typeface="Courier New"/>
-                <a:sym typeface="Courier New"/>
-              </a:rPr>
-              <a:t>;                    // </a:t>
-            </a:r>
-            <a:r>
-              <a:rPr lang="es-ES" sz="1600" dirty="0" err="1">
-                <a:latin typeface="Courier New"/>
-                <a:ea typeface="Courier New"/>
-                <a:cs typeface="Courier New"/>
-                <a:sym typeface="Courier New"/>
-              </a:rPr>
-              <a:t>Bottom</a:t>
-            </a:r>
-            <a:r>
-              <a:rPr lang="es-ES" sz="1600" dirty="0">
-                <a:latin typeface="Courier New"/>
-                <a:ea typeface="Courier New"/>
-                <a:cs typeface="Courier New"/>
-                <a:sym typeface="Courier New"/>
-              </a:rPr>
-              <a:t> </a:t>
-            </a:r>
-            <a:r>
-              <a:rPr lang="es-ES" sz="1600" dirty="0" err="1">
-                <a:latin typeface="Courier New"/>
-                <a:ea typeface="Courier New"/>
-                <a:cs typeface="Courier New"/>
-                <a:sym typeface="Courier New"/>
-              </a:rPr>
-              <a:t>of</a:t>
-            </a:r>
-            <a:r>
-              <a:rPr lang="es-ES" sz="1600" dirty="0">
-                <a:latin typeface="Courier New"/>
-                <a:ea typeface="Courier New"/>
-                <a:cs typeface="Courier New"/>
-                <a:sym typeface="Courier New"/>
-              </a:rPr>
-              <a:t> </a:t>
-            </a:r>
-            <a:r>
-              <a:rPr lang="es-ES" sz="1600" dirty="0" err="1">
-                <a:latin typeface="Courier New"/>
-                <a:ea typeface="Courier New"/>
-                <a:cs typeface="Courier New"/>
-                <a:sym typeface="Courier New"/>
-              </a:rPr>
-              <a:t>kernel</a:t>
-            </a:r>
-            <a:r>
-              <a:rPr lang="es-ES" sz="1600" dirty="0">
-                <a:latin typeface="Courier New"/>
-                <a:ea typeface="Courier New"/>
-                <a:cs typeface="Courier New"/>
-                <a:sym typeface="Courier New"/>
-              </a:rPr>
-              <a:t> </a:t>
-            </a:r>
-            <a:r>
-              <a:rPr lang="es-ES" sz="1600" dirty="0" err="1">
-                <a:latin typeface="Courier New"/>
-                <a:ea typeface="Courier New"/>
-                <a:cs typeface="Courier New"/>
-                <a:sym typeface="Courier New"/>
-              </a:rPr>
-              <a:t>stack</a:t>
-            </a:r>
-            <a:endParaRPr sz="1600" dirty="0">
-              <a:latin typeface="Courier New"/>
-              <a:ea typeface="Courier New"/>
-              <a:cs typeface="Courier New"/>
-              <a:sym typeface="Courier New"/>
-            </a:endParaRPr>
-          </a:p>
-          <a:p>
-            <a:pPr marL="0" lvl="0" indent="0" algn="l" rtl="0">
-              <a:spcBef>
-                <a:spcPts val="0"/>
-              </a:spcBef>
-              <a:spcAft>
-                <a:spcPts val="0"/>
-              </a:spcAft>
-              <a:buClr>
-                <a:schemeClr val="dk1"/>
-              </a:buClr>
-              <a:buSzPts val="1100"/>
-              <a:buFont typeface="Arial"/>
-              <a:buNone/>
-            </a:pPr>
-            <a:r>
-              <a:rPr lang="es-ES" sz="1600" dirty="0">
-                <a:latin typeface="Courier New"/>
-                <a:ea typeface="Courier New"/>
-                <a:cs typeface="Courier New"/>
-                <a:sym typeface="Courier New"/>
-              </a:rPr>
-              <a:t>                                   // </a:t>
-            </a:r>
-            <a:r>
-              <a:rPr lang="es-ES" sz="1600" dirty="0" err="1">
-                <a:latin typeface="Courier New"/>
-                <a:ea typeface="Courier New"/>
-                <a:cs typeface="Courier New"/>
-                <a:sym typeface="Courier New"/>
-              </a:rPr>
-              <a:t>for</a:t>
-            </a:r>
-            <a:r>
-              <a:rPr lang="es-ES" sz="1600" dirty="0">
-                <a:latin typeface="Courier New"/>
-                <a:ea typeface="Courier New"/>
-                <a:cs typeface="Courier New"/>
-                <a:sym typeface="Courier New"/>
-              </a:rPr>
-              <a:t> </a:t>
-            </a:r>
-            <a:r>
-              <a:rPr lang="es-ES" sz="1600" dirty="0" err="1">
-                <a:latin typeface="Courier New"/>
-                <a:ea typeface="Courier New"/>
-                <a:cs typeface="Courier New"/>
-                <a:sym typeface="Courier New"/>
-              </a:rPr>
-              <a:t>this</a:t>
-            </a:r>
-            <a:r>
-              <a:rPr lang="es-ES" sz="1600" dirty="0">
-                <a:latin typeface="Courier New"/>
-                <a:ea typeface="Courier New"/>
-                <a:cs typeface="Courier New"/>
-                <a:sym typeface="Courier New"/>
-              </a:rPr>
-              <a:t> process</a:t>
-            </a:r>
-            <a:endParaRPr sz="1600" dirty="0">
-              <a:latin typeface="Courier New"/>
-              <a:ea typeface="Courier New"/>
-              <a:cs typeface="Courier New"/>
-              <a:sym typeface="Courier New"/>
-            </a:endParaRPr>
-          </a:p>
-          <a:p>
-            <a:pPr marL="0" lvl="0" indent="0" algn="l" rtl="0">
-              <a:spcBef>
-                <a:spcPts val="0"/>
-              </a:spcBef>
-              <a:spcAft>
-                <a:spcPts val="0"/>
-              </a:spcAft>
-              <a:buClr>
-                <a:schemeClr val="dk1"/>
-              </a:buClr>
-              <a:buSzPts val="1100"/>
-              <a:buFont typeface="Arial"/>
-              <a:buNone/>
-            </a:pPr>
-            <a:r>
-              <a:rPr lang="es-ES" sz="1600" dirty="0">
-                <a:latin typeface="Courier New"/>
-                <a:ea typeface="Courier New"/>
-                <a:cs typeface="Courier New"/>
-                <a:sym typeface="Courier New"/>
-              </a:rPr>
-              <a:t>  </a:t>
-            </a:r>
-            <a:r>
-              <a:rPr lang="es-ES" sz="1600" dirty="0" err="1">
-                <a:latin typeface="Courier New"/>
-                <a:ea typeface="Courier New"/>
-                <a:cs typeface="Courier New"/>
-                <a:sym typeface="Courier New"/>
-              </a:rPr>
-              <a:t>enum</a:t>
-            </a:r>
-            <a:r>
-              <a:rPr lang="es-ES" sz="1600" dirty="0">
-                <a:latin typeface="Courier New"/>
-                <a:ea typeface="Courier New"/>
-                <a:cs typeface="Courier New"/>
-                <a:sym typeface="Courier New"/>
-              </a:rPr>
-              <a:t> </a:t>
-            </a:r>
-            <a:r>
-              <a:rPr lang="es-ES" sz="1600" dirty="0" err="1">
-                <a:latin typeface="Courier New"/>
-                <a:ea typeface="Courier New"/>
-                <a:cs typeface="Courier New"/>
-                <a:sym typeface="Courier New"/>
-              </a:rPr>
-              <a:t>proc_state</a:t>
-            </a:r>
-            <a:r>
-              <a:rPr lang="es-ES" sz="1600" dirty="0">
-                <a:latin typeface="Courier New"/>
-                <a:ea typeface="Courier New"/>
-                <a:cs typeface="Courier New"/>
-                <a:sym typeface="Courier New"/>
-              </a:rPr>
-              <a:t> </a:t>
-            </a:r>
-            <a:r>
-              <a:rPr lang="es-ES" sz="1600" dirty="0" err="1">
-                <a:latin typeface="Courier New"/>
-                <a:ea typeface="Courier New"/>
-                <a:cs typeface="Courier New"/>
-                <a:sym typeface="Courier New"/>
-              </a:rPr>
-              <a:t>state</a:t>
-            </a:r>
-            <a:r>
-              <a:rPr lang="es-ES" sz="1600" dirty="0">
-                <a:latin typeface="Courier New"/>
-                <a:ea typeface="Courier New"/>
-                <a:cs typeface="Courier New"/>
-                <a:sym typeface="Courier New"/>
-              </a:rPr>
-              <a:t>;           // Process </a:t>
-            </a:r>
-            <a:r>
-              <a:rPr lang="es-ES" sz="1600" dirty="0" err="1">
-                <a:latin typeface="Courier New"/>
-                <a:ea typeface="Courier New"/>
-                <a:cs typeface="Courier New"/>
-                <a:sym typeface="Courier New"/>
-              </a:rPr>
-              <a:t>state</a:t>
-            </a:r>
-            <a:endParaRPr sz="1600" dirty="0">
-              <a:latin typeface="Courier New"/>
-              <a:ea typeface="Courier New"/>
-              <a:cs typeface="Courier New"/>
-              <a:sym typeface="Courier New"/>
-            </a:endParaRPr>
-          </a:p>
-          <a:p>
-            <a:pPr marL="0" lvl="0" indent="0" algn="l" rtl="0">
-              <a:spcBef>
-                <a:spcPts val="0"/>
-              </a:spcBef>
-              <a:spcAft>
-                <a:spcPts val="0"/>
-              </a:spcAft>
-              <a:buClr>
-                <a:schemeClr val="dk1"/>
-              </a:buClr>
-              <a:buSzPts val="1100"/>
-              <a:buFont typeface="Arial"/>
-              <a:buNone/>
-            </a:pPr>
-            <a:r>
-              <a:rPr lang="es-ES" sz="1600" dirty="0">
-                <a:latin typeface="Courier New"/>
-                <a:ea typeface="Courier New"/>
-                <a:cs typeface="Courier New"/>
-                <a:sym typeface="Courier New"/>
-              </a:rPr>
-              <a:t>  </a:t>
-            </a:r>
-            <a:r>
-              <a:rPr lang="es-ES" sz="1600" dirty="0" err="1">
-                <a:latin typeface="Courier New"/>
-                <a:ea typeface="Courier New"/>
-                <a:cs typeface="Courier New"/>
-                <a:sym typeface="Courier New"/>
-              </a:rPr>
-              <a:t>int</a:t>
-            </a:r>
-            <a:r>
-              <a:rPr lang="es-ES" sz="1600" dirty="0">
-                <a:latin typeface="Courier New"/>
-                <a:ea typeface="Courier New"/>
-                <a:cs typeface="Courier New"/>
-                <a:sym typeface="Courier New"/>
-              </a:rPr>
-              <a:t> </a:t>
-            </a:r>
-            <a:r>
-              <a:rPr lang="es-ES" sz="1600" dirty="0" err="1">
-                <a:latin typeface="Courier New"/>
-                <a:ea typeface="Courier New"/>
-                <a:cs typeface="Courier New"/>
-                <a:sym typeface="Courier New"/>
-              </a:rPr>
-              <a:t>pid</a:t>
-            </a:r>
-            <a:r>
-              <a:rPr lang="es-ES" sz="1600" dirty="0">
-                <a:latin typeface="Courier New"/>
-                <a:ea typeface="Courier New"/>
-                <a:cs typeface="Courier New"/>
-                <a:sym typeface="Courier New"/>
-              </a:rPr>
-              <a:t>;                         // Process ID</a:t>
-            </a:r>
-            <a:endParaRPr sz="1600" dirty="0">
-              <a:latin typeface="Courier New"/>
-              <a:ea typeface="Courier New"/>
-              <a:cs typeface="Courier New"/>
-              <a:sym typeface="Courier New"/>
-            </a:endParaRPr>
-          </a:p>
-          <a:p>
-            <a:pPr marL="0" lvl="0" indent="0" algn="l" rtl="0">
-              <a:spcBef>
-                <a:spcPts val="0"/>
-              </a:spcBef>
-              <a:spcAft>
-                <a:spcPts val="0"/>
-              </a:spcAft>
-              <a:buClr>
-                <a:schemeClr val="dk1"/>
-              </a:buClr>
-              <a:buSzPts val="1100"/>
-              <a:buFont typeface="Arial"/>
-              <a:buNone/>
-            </a:pPr>
-            <a:r>
-              <a:rPr lang="es-ES" sz="1600" dirty="0">
-                <a:latin typeface="Courier New"/>
-                <a:ea typeface="Courier New"/>
-                <a:cs typeface="Courier New"/>
-                <a:sym typeface="Courier New"/>
-              </a:rPr>
-              <a:t>  </a:t>
-            </a:r>
-            <a:r>
-              <a:rPr lang="es-ES" sz="1600" dirty="0" err="1">
-                <a:latin typeface="Courier New"/>
-                <a:ea typeface="Courier New"/>
-                <a:cs typeface="Courier New"/>
-                <a:sym typeface="Courier New"/>
-              </a:rPr>
-              <a:t>struct</a:t>
-            </a:r>
-            <a:r>
-              <a:rPr lang="es-ES" sz="1600" dirty="0">
-                <a:latin typeface="Courier New"/>
-                <a:ea typeface="Courier New"/>
-                <a:cs typeface="Courier New"/>
-                <a:sym typeface="Courier New"/>
-              </a:rPr>
-              <a:t> </a:t>
-            </a:r>
-            <a:r>
-              <a:rPr lang="es-ES" sz="1600" dirty="0" err="1">
-                <a:latin typeface="Courier New"/>
-                <a:ea typeface="Courier New"/>
-                <a:cs typeface="Courier New"/>
-                <a:sym typeface="Courier New"/>
-              </a:rPr>
-              <a:t>proc</a:t>
-            </a:r>
-            <a:r>
-              <a:rPr lang="es-ES" sz="1600" dirty="0">
-                <a:latin typeface="Courier New"/>
-                <a:ea typeface="Courier New"/>
-                <a:cs typeface="Courier New"/>
-                <a:sym typeface="Courier New"/>
-              </a:rPr>
-              <a:t> *</a:t>
-            </a:r>
-            <a:r>
-              <a:rPr lang="es-ES" sz="1600" dirty="0" err="1">
-                <a:latin typeface="Courier New"/>
-                <a:ea typeface="Courier New"/>
-                <a:cs typeface="Courier New"/>
-                <a:sym typeface="Courier New"/>
-              </a:rPr>
-              <a:t>parent</a:t>
-            </a:r>
-            <a:r>
-              <a:rPr lang="es-ES" sz="1600" dirty="0">
-                <a:latin typeface="Courier New"/>
-                <a:ea typeface="Courier New"/>
-                <a:cs typeface="Courier New"/>
-                <a:sym typeface="Courier New"/>
-              </a:rPr>
-              <a:t>;             // </a:t>
-            </a:r>
-            <a:r>
-              <a:rPr lang="es-ES" sz="1600" dirty="0" err="1">
-                <a:latin typeface="Courier New"/>
-                <a:ea typeface="Courier New"/>
-                <a:cs typeface="Courier New"/>
-                <a:sym typeface="Courier New"/>
-              </a:rPr>
-              <a:t>Parent</a:t>
-            </a:r>
-            <a:r>
-              <a:rPr lang="es-ES" sz="1600" dirty="0">
-                <a:latin typeface="Courier New"/>
-                <a:ea typeface="Courier New"/>
-                <a:cs typeface="Courier New"/>
-                <a:sym typeface="Courier New"/>
-              </a:rPr>
-              <a:t> process</a:t>
-            </a:r>
-            <a:endParaRPr sz="1600" dirty="0">
-              <a:latin typeface="Courier New"/>
-              <a:ea typeface="Courier New"/>
-              <a:cs typeface="Courier New"/>
-              <a:sym typeface="Courier New"/>
-            </a:endParaRPr>
-          </a:p>
-          <a:p>
-            <a:pPr marL="0" lvl="0" indent="0" algn="l" rtl="0">
-              <a:spcBef>
-                <a:spcPts val="0"/>
-              </a:spcBef>
-              <a:spcAft>
-                <a:spcPts val="0"/>
-              </a:spcAft>
-              <a:buClr>
-                <a:schemeClr val="dk1"/>
-              </a:buClr>
-              <a:buSzPts val="1100"/>
-              <a:buFont typeface="Arial"/>
-              <a:buNone/>
-            </a:pPr>
-            <a:r>
-              <a:rPr lang="es-ES" sz="1600" dirty="0">
-                <a:latin typeface="Courier New"/>
-                <a:ea typeface="Courier New"/>
-                <a:cs typeface="Courier New"/>
-                <a:sym typeface="Courier New"/>
-              </a:rPr>
-              <a:t>  </a:t>
-            </a:r>
-            <a:r>
-              <a:rPr lang="es-ES" sz="1600" dirty="0" err="1">
-                <a:latin typeface="Courier New"/>
-                <a:ea typeface="Courier New"/>
-                <a:cs typeface="Courier New"/>
-                <a:sym typeface="Courier New"/>
-              </a:rPr>
-              <a:t>void</a:t>
-            </a:r>
-            <a:r>
-              <a:rPr lang="es-ES" sz="1600" dirty="0">
-                <a:latin typeface="Courier New"/>
-                <a:ea typeface="Courier New"/>
-                <a:cs typeface="Courier New"/>
-                <a:sym typeface="Courier New"/>
-              </a:rPr>
-              <a:t> *chan;                      // </a:t>
-            </a:r>
-            <a:r>
-              <a:rPr lang="es-ES" sz="1600" dirty="0" err="1">
-                <a:latin typeface="Courier New"/>
-                <a:ea typeface="Courier New"/>
-                <a:cs typeface="Courier New"/>
-                <a:sym typeface="Courier New"/>
-              </a:rPr>
-              <a:t>If</a:t>
-            </a:r>
-            <a:r>
-              <a:rPr lang="es-ES" sz="1600" dirty="0">
-                <a:latin typeface="Courier New"/>
-                <a:ea typeface="Courier New"/>
-                <a:cs typeface="Courier New"/>
-                <a:sym typeface="Courier New"/>
-              </a:rPr>
-              <a:t> !</a:t>
-            </a:r>
-            <a:r>
-              <a:rPr lang="es-ES" sz="1600" dirty="0" err="1">
-                <a:latin typeface="Courier New"/>
-                <a:ea typeface="Courier New"/>
-                <a:cs typeface="Courier New"/>
-                <a:sym typeface="Courier New"/>
-              </a:rPr>
-              <a:t>zero</a:t>
-            </a:r>
-            <a:r>
-              <a:rPr lang="es-ES" sz="1600" dirty="0">
-                <a:latin typeface="Courier New"/>
-                <a:ea typeface="Courier New"/>
-                <a:cs typeface="Courier New"/>
-                <a:sym typeface="Courier New"/>
-              </a:rPr>
-              <a:t>, sleeping </a:t>
-            </a:r>
-            <a:r>
-              <a:rPr lang="es-ES" sz="1600" dirty="0" err="1">
-                <a:latin typeface="Courier New"/>
-                <a:ea typeface="Courier New"/>
-                <a:cs typeface="Courier New"/>
-                <a:sym typeface="Courier New"/>
-              </a:rPr>
-              <a:t>on</a:t>
-            </a:r>
-            <a:r>
-              <a:rPr lang="es-ES" sz="1600" dirty="0">
-                <a:latin typeface="Courier New"/>
-                <a:ea typeface="Courier New"/>
-                <a:cs typeface="Courier New"/>
-                <a:sym typeface="Courier New"/>
-              </a:rPr>
-              <a:t> chan</a:t>
-            </a:r>
-            <a:endParaRPr sz="1600" dirty="0">
-              <a:latin typeface="Courier New"/>
-              <a:ea typeface="Courier New"/>
-              <a:cs typeface="Courier New"/>
-              <a:sym typeface="Courier New"/>
-            </a:endParaRPr>
-          </a:p>
-          <a:p>
-            <a:pPr marL="0" lvl="0" indent="0" algn="l" rtl="0">
-              <a:spcBef>
-                <a:spcPts val="0"/>
-              </a:spcBef>
-              <a:spcAft>
-                <a:spcPts val="0"/>
-              </a:spcAft>
-              <a:buClr>
-                <a:schemeClr val="dk1"/>
-              </a:buClr>
-              <a:buSzPts val="1100"/>
-              <a:buFont typeface="Arial"/>
-              <a:buNone/>
-            </a:pPr>
-            <a:r>
-              <a:rPr lang="es-ES" sz="1600" dirty="0">
-                <a:latin typeface="Courier New"/>
-                <a:ea typeface="Courier New"/>
-                <a:cs typeface="Courier New"/>
-                <a:sym typeface="Courier New"/>
-              </a:rPr>
-              <a:t>  </a:t>
-            </a:r>
-            <a:r>
-              <a:rPr lang="es-ES" sz="1600" dirty="0" err="1">
-                <a:latin typeface="Courier New"/>
-                <a:ea typeface="Courier New"/>
-                <a:cs typeface="Courier New"/>
-                <a:sym typeface="Courier New"/>
-              </a:rPr>
-              <a:t>int</a:t>
-            </a:r>
-            <a:r>
-              <a:rPr lang="es-ES" sz="1600" dirty="0">
-                <a:latin typeface="Courier New"/>
-                <a:ea typeface="Courier New"/>
-                <a:cs typeface="Courier New"/>
-                <a:sym typeface="Courier New"/>
-              </a:rPr>
-              <a:t> </a:t>
-            </a:r>
-            <a:r>
-              <a:rPr lang="es-ES" sz="1600" dirty="0" err="1">
-                <a:latin typeface="Courier New"/>
-                <a:ea typeface="Courier New"/>
-                <a:cs typeface="Courier New"/>
-                <a:sym typeface="Courier New"/>
-              </a:rPr>
-              <a:t>killed</a:t>
-            </a:r>
-            <a:r>
-              <a:rPr lang="es-ES" sz="1600" dirty="0">
-                <a:latin typeface="Courier New"/>
-                <a:ea typeface="Courier New"/>
-                <a:cs typeface="Courier New"/>
-                <a:sym typeface="Courier New"/>
-              </a:rPr>
-              <a:t>;                      // </a:t>
-            </a:r>
-            <a:r>
-              <a:rPr lang="es-ES" sz="1600" dirty="0" err="1">
-                <a:latin typeface="Courier New"/>
-                <a:ea typeface="Courier New"/>
-                <a:cs typeface="Courier New"/>
-                <a:sym typeface="Courier New"/>
-              </a:rPr>
-              <a:t>If</a:t>
-            </a:r>
-            <a:r>
-              <a:rPr lang="es-ES" sz="1600" dirty="0">
-                <a:latin typeface="Courier New"/>
-                <a:ea typeface="Courier New"/>
-                <a:cs typeface="Courier New"/>
-                <a:sym typeface="Courier New"/>
-              </a:rPr>
-              <a:t> !</a:t>
-            </a:r>
-            <a:r>
-              <a:rPr lang="es-ES" sz="1600" dirty="0" err="1">
-                <a:latin typeface="Courier New"/>
-                <a:ea typeface="Courier New"/>
-                <a:cs typeface="Courier New"/>
-                <a:sym typeface="Courier New"/>
-              </a:rPr>
-              <a:t>zero</a:t>
-            </a:r>
-            <a:r>
-              <a:rPr lang="es-ES" sz="1600" dirty="0">
-                <a:latin typeface="Courier New"/>
-                <a:ea typeface="Courier New"/>
-                <a:cs typeface="Courier New"/>
-                <a:sym typeface="Courier New"/>
-              </a:rPr>
-              <a:t>, has </a:t>
-            </a:r>
-            <a:r>
-              <a:rPr lang="es-ES" sz="1600" dirty="0" err="1">
-                <a:latin typeface="Courier New"/>
-                <a:ea typeface="Courier New"/>
-                <a:cs typeface="Courier New"/>
-                <a:sym typeface="Courier New"/>
-              </a:rPr>
-              <a:t>been</a:t>
-            </a:r>
-            <a:r>
-              <a:rPr lang="es-ES" sz="1600" dirty="0">
-                <a:latin typeface="Courier New"/>
-                <a:ea typeface="Courier New"/>
-                <a:cs typeface="Courier New"/>
-                <a:sym typeface="Courier New"/>
-              </a:rPr>
-              <a:t> </a:t>
-            </a:r>
-            <a:r>
-              <a:rPr lang="es-ES" sz="1600" dirty="0" err="1">
-                <a:latin typeface="Courier New"/>
-                <a:ea typeface="Courier New"/>
-                <a:cs typeface="Courier New"/>
-                <a:sym typeface="Courier New"/>
-              </a:rPr>
-              <a:t>killed</a:t>
-            </a:r>
-            <a:endParaRPr sz="1600" dirty="0">
-              <a:latin typeface="Courier New"/>
-              <a:ea typeface="Courier New"/>
-              <a:cs typeface="Courier New"/>
-              <a:sym typeface="Courier New"/>
-            </a:endParaRPr>
-          </a:p>
-          <a:p>
-            <a:pPr marL="0" lvl="0" indent="0" algn="l" rtl="0">
-              <a:spcBef>
-                <a:spcPts val="0"/>
-              </a:spcBef>
-              <a:spcAft>
-                <a:spcPts val="0"/>
-              </a:spcAft>
-              <a:buClr>
-                <a:schemeClr val="dk1"/>
-              </a:buClr>
-              <a:buSzPts val="1100"/>
-              <a:buFont typeface="Arial"/>
-              <a:buNone/>
-            </a:pPr>
-            <a:r>
-              <a:rPr lang="es-ES" sz="1600" dirty="0">
-                <a:latin typeface="Courier New"/>
-                <a:ea typeface="Courier New"/>
-                <a:cs typeface="Courier New"/>
-                <a:sym typeface="Courier New"/>
-              </a:rPr>
-              <a:t>  </a:t>
-            </a:r>
-            <a:r>
-              <a:rPr lang="es-ES" sz="1600" dirty="0" err="1">
-                <a:latin typeface="Courier New"/>
-                <a:ea typeface="Courier New"/>
-                <a:cs typeface="Courier New"/>
-                <a:sym typeface="Courier New"/>
-              </a:rPr>
-              <a:t>struct</a:t>
-            </a:r>
-            <a:r>
-              <a:rPr lang="es-ES" sz="1600" dirty="0">
-                <a:latin typeface="Courier New"/>
-                <a:ea typeface="Courier New"/>
-                <a:cs typeface="Courier New"/>
-                <a:sym typeface="Courier New"/>
-              </a:rPr>
-              <a:t> file *</a:t>
-            </a:r>
-            <a:r>
-              <a:rPr lang="es-ES" sz="1600" dirty="0" err="1">
-                <a:latin typeface="Courier New"/>
-                <a:ea typeface="Courier New"/>
-                <a:cs typeface="Courier New"/>
-                <a:sym typeface="Courier New"/>
-              </a:rPr>
-              <a:t>ofile</a:t>
-            </a:r>
-            <a:r>
-              <a:rPr lang="es-ES" sz="1600" dirty="0">
-                <a:latin typeface="Courier New"/>
-                <a:ea typeface="Courier New"/>
-                <a:cs typeface="Courier New"/>
-                <a:sym typeface="Courier New"/>
-              </a:rPr>
-              <a:t>[NOFILE];      // Open files</a:t>
-            </a:r>
-            <a:endParaRPr sz="1600" dirty="0">
-              <a:latin typeface="Courier New"/>
-              <a:ea typeface="Courier New"/>
-              <a:cs typeface="Courier New"/>
-              <a:sym typeface="Courier New"/>
-            </a:endParaRPr>
-          </a:p>
-          <a:p>
-            <a:pPr marL="0" lvl="0" indent="0" algn="l" rtl="0">
-              <a:spcBef>
-                <a:spcPts val="0"/>
-              </a:spcBef>
-              <a:spcAft>
-                <a:spcPts val="0"/>
-              </a:spcAft>
-              <a:buClr>
-                <a:schemeClr val="dk1"/>
-              </a:buClr>
-              <a:buSzPts val="1100"/>
-              <a:buFont typeface="Arial"/>
-              <a:buNone/>
-            </a:pPr>
-            <a:r>
-              <a:rPr lang="es-ES" sz="1600" dirty="0">
-                <a:latin typeface="Courier New"/>
-                <a:ea typeface="Courier New"/>
-                <a:cs typeface="Courier New"/>
-                <a:sym typeface="Courier New"/>
-              </a:rPr>
-              <a:t>  </a:t>
-            </a:r>
-            <a:r>
-              <a:rPr lang="es-ES" sz="1600" dirty="0" err="1">
-                <a:latin typeface="Courier New"/>
-                <a:ea typeface="Courier New"/>
-                <a:cs typeface="Courier New"/>
-                <a:sym typeface="Courier New"/>
-              </a:rPr>
-              <a:t>struct</a:t>
-            </a:r>
-            <a:r>
-              <a:rPr lang="es-ES" sz="1600" dirty="0">
-                <a:latin typeface="Courier New"/>
-                <a:ea typeface="Courier New"/>
-                <a:cs typeface="Courier New"/>
-                <a:sym typeface="Courier New"/>
-              </a:rPr>
-              <a:t> </a:t>
-            </a:r>
-            <a:r>
-              <a:rPr lang="es-ES" sz="1600" dirty="0" err="1">
-                <a:latin typeface="Courier New"/>
-                <a:ea typeface="Courier New"/>
-                <a:cs typeface="Courier New"/>
-                <a:sym typeface="Courier New"/>
-              </a:rPr>
-              <a:t>inode</a:t>
-            </a:r>
-            <a:r>
-              <a:rPr lang="es-ES" sz="1600" dirty="0">
-                <a:latin typeface="Courier New"/>
-                <a:ea typeface="Courier New"/>
-                <a:cs typeface="Courier New"/>
-                <a:sym typeface="Courier New"/>
-              </a:rPr>
-              <a:t> *</a:t>
-            </a:r>
-            <a:r>
-              <a:rPr lang="es-ES" sz="1600" dirty="0" err="1">
-                <a:latin typeface="Courier New"/>
-                <a:ea typeface="Courier New"/>
-                <a:cs typeface="Courier New"/>
-                <a:sym typeface="Courier New"/>
-              </a:rPr>
-              <a:t>cwd</a:t>
-            </a:r>
-            <a:r>
-              <a:rPr lang="es-ES" sz="1600" dirty="0">
-                <a:latin typeface="Courier New"/>
-                <a:ea typeface="Courier New"/>
-                <a:cs typeface="Courier New"/>
-                <a:sym typeface="Courier New"/>
-              </a:rPr>
-              <a:t>;               // </a:t>
-            </a:r>
-            <a:r>
-              <a:rPr lang="es-ES" sz="1600" dirty="0" err="1">
-                <a:latin typeface="Courier New"/>
-                <a:ea typeface="Courier New"/>
-                <a:cs typeface="Courier New"/>
-                <a:sym typeface="Courier New"/>
-              </a:rPr>
-              <a:t>Current</a:t>
-            </a:r>
-            <a:r>
-              <a:rPr lang="es-ES" sz="1600" dirty="0">
-                <a:latin typeface="Courier New"/>
-                <a:ea typeface="Courier New"/>
-                <a:cs typeface="Courier New"/>
-                <a:sym typeface="Courier New"/>
-              </a:rPr>
-              <a:t> </a:t>
-            </a:r>
-            <a:r>
-              <a:rPr lang="es-ES" sz="1600" dirty="0" err="1">
-                <a:latin typeface="Courier New"/>
-                <a:ea typeface="Courier New"/>
-                <a:cs typeface="Courier New"/>
-                <a:sym typeface="Courier New"/>
-              </a:rPr>
-              <a:t>directory</a:t>
-            </a:r>
-            <a:endParaRPr sz="1600" dirty="0">
-              <a:latin typeface="Courier New"/>
-              <a:ea typeface="Courier New"/>
-              <a:cs typeface="Courier New"/>
-              <a:sym typeface="Courier New"/>
-            </a:endParaRPr>
-          </a:p>
-          <a:p>
-            <a:pPr marL="0" lvl="0" indent="0" algn="l" rtl="0">
-              <a:spcBef>
-                <a:spcPts val="0"/>
-              </a:spcBef>
-              <a:spcAft>
-                <a:spcPts val="0"/>
-              </a:spcAft>
-              <a:buClr>
-                <a:schemeClr val="dk1"/>
-              </a:buClr>
-              <a:buSzPts val="1100"/>
-              <a:buFont typeface="Arial"/>
-              <a:buNone/>
-            </a:pPr>
-            <a:r>
-              <a:rPr lang="es-ES" sz="1600" dirty="0">
-                <a:latin typeface="Courier New"/>
-                <a:ea typeface="Courier New"/>
-                <a:cs typeface="Courier New"/>
-                <a:sym typeface="Courier New"/>
-              </a:rPr>
-              <a:t>  </a:t>
-            </a:r>
-            <a:r>
-              <a:rPr lang="es-ES" sz="1600" dirty="0" err="1">
-                <a:latin typeface="Courier New"/>
-                <a:ea typeface="Courier New"/>
-                <a:cs typeface="Courier New"/>
-                <a:sym typeface="Courier New"/>
-              </a:rPr>
-              <a:t>struct</a:t>
-            </a:r>
-            <a:r>
-              <a:rPr lang="es-ES" sz="1600" dirty="0">
-                <a:latin typeface="Courier New"/>
-                <a:ea typeface="Courier New"/>
-                <a:cs typeface="Courier New"/>
-                <a:sym typeface="Courier New"/>
-              </a:rPr>
-              <a:t> </a:t>
-            </a:r>
-            <a:r>
-              <a:rPr lang="es-ES" sz="1600" dirty="0" err="1">
-                <a:latin typeface="Courier New"/>
-                <a:ea typeface="Courier New"/>
-                <a:cs typeface="Courier New"/>
-                <a:sym typeface="Courier New"/>
-              </a:rPr>
-              <a:t>context</a:t>
-            </a:r>
-            <a:r>
-              <a:rPr lang="es-ES" sz="1600" dirty="0">
-                <a:latin typeface="Courier New"/>
-                <a:ea typeface="Courier New"/>
-                <a:cs typeface="Courier New"/>
-                <a:sym typeface="Courier New"/>
-              </a:rPr>
-              <a:t> </a:t>
-            </a:r>
-            <a:r>
-              <a:rPr lang="es-ES" sz="1600" dirty="0" err="1">
-                <a:latin typeface="Courier New"/>
-                <a:ea typeface="Courier New"/>
-                <a:cs typeface="Courier New"/>
-                <a:sym typeface="Courier New"/>
-              </a:rPr>
-              <a:t>context</a:t>
-            </a:r>
-            <a:r>
-              <a:rPr lang="es-ES" sz="1600" dirty="0">
-                <a:latin typeface="Courier New"/>
-                <a:ea typeface="Courier New"/>
-                <a:cs typeface="Courier New"/>
-                <a:sym typeface="Courier New"/>
-              </a:rPr>
-              <a:t>;          // </a:t>
-            </a:r>
-            <a:r>
-              <a:rPr lang="es-ES" sz="1600" dirty="0" err="1">
-                <a:latin typeface="Courier New"/>
-                <a:ea typeface="Courier New"/>
-                <a:cs typeface="Courier New"/>
-                <a:sym typeface="Courier New"/>
-              </a:rPr>
-              <a:t>Switch</a:t>
-            </a:r>
-            <a:r>
-              <a:rPr lang="es-ES" sz="1600" dirty="0">
-                <a:latin typeface="Courier New"/>
-                <a:ea typeface="Courier New"/>
-                <a:cs typeface="Courier New"/>
-                <a:sym typeface="Courier New"/>
-              </a:rPr>
-              <a:t> </a:t>
-            </a:r>
-            <a:r>
-              <a:rPr lang="es-ES" sz="1600" dirty="0" err="1">
-                <a:latin typeface="Courier New"/>
-                <a:ea typeface="Courier New"/>
-                <a:cs typeface="Courier New"/>
-                <a:sym typeface="Courier New"/>
-              </a:rPr>
-              <a:t>here</a:t>
-            </a:r>
-            <a:r>
-              <a:rPr lang="es-ES" sz="1600" dirty="0">
-                <a:latin typeface="Courier New"/>
-                <a:ea typeface="Courier New"/>
-                <a:cs typeface="Courier New"/>
-                <a:sym typeface="Courier New"/>
-              </a:rPr>
-              <a:t> </a:t>
-            </a:r>
-            <a:r>
-              <a:rPr lang="es-ES" sz="1600" dirty="0" err="1">
-                <a:latin typeface="Courier New"/>
-                <a:ea typeface="Courier New"/>
-                <a:cs typeface="Courier New"/>
-                <a:sym typeface="Courier New"/>
-              </a:rPr>
-              <a:t>to</a:t>
-            </a:r>
-            <a:r>
-              <a:rPr lang="es-ES" sz="1600" dirty="0">
-                <a:latin typeface="Courier New"/>
-                <a:ea typeface="Courier New"/>
-                <a:cs typeface="Courier New"/>
-                <a:sym typeface="Courier New"/>
-              </a:rPr>
-              <a:t> run process</a:t>
-            </a:r>
-            <a:endParaRPr sz="1600" dirty="0">
-              <a:latin typeface="Courier New"/>
-              <a:ea typeface="Courier New"/>
-              <a:cs typeface="Courier New"/>
-              <a:sym typeface="Courier New"/>
-            </a:endParaRPr>
-          </a:p>
-          <a:p>
-            <a:pPr marL="0" lvl="0" indent="0" algn="l" rtl="0">
-              <a:spcBef>
-                <a:spcPts val="0"/>
-              </a:spcBef>
-              <a:spcAft>
-                <a:spcPts val="0"/>
-              </a:spcAft>
-              <a:buClr>
-                <a:schemeClr val="dk1"/>
-              </a:buClr>
-              <a:buSzPts val="1100"/>
-              <a:buFont typeface="Arial"/>
-              <a:buNone/>
-            </a:pPr>
-            <a:r>
-              <a:rPr lang="es-ES" sz="1600" dirty="0">
-                <a:latin typeface="Courier New"/>
-                <a:ea typeface="Courier New"/>
-                <a:cs typeface="Courier New"/>
-                <a:sym typeface="Courier New"/>
-              </a:rPr>
-              <a:t>  </a:t>
-            </a:r>
-            <a:r>
-              <a:rPr lang="es-ES" sz="1600" dirty="0" err="1">
-                <a:latin typeface="Courier New"/>
-                <a:ea typeface="Courier New"/>
-                <a:cs typeface="Courier New"/>
-                <a:sym typeface="Courier New"/>
-              </a:rPr>
-              <a:t>struct</a:t>
-            </a:r>
-            <a:r>
-              <a:rPr lang="es-ES" sz="1600" dirty="0">
-                <a:latin typeface="Courier New"/>
-                <a:ea typeface="Courier New"/>
-                <a:cs typeface="Courier New"/>
-                <a:sym typeface="Courier New"/>
-              </a:rPr>
-              <a:t> </a:t>
-            </a:r>
-            <a:r>
-              <a:rPr lang="es-ES" sz="1600" dirty="0" err="1">
-                <a:latin typeface="Courier New"/>
-                <a:ea typeface="Courier New"/>
-                <a:cs typeface="Courier New"/>
-                <a:sym typeface="Courier New"/>
-              </a:rPr>
-              <a:t>trapframe</a:t>
-            </a:r>
-            <a:r>
-              <a:rPr lang="es-ES" sz="1600" dirty="0">
-                <a:latin typeface="Courier New"/>
-                <a:ea typeface="Courier New"/>
-                <a:cs typeface="Courier New"/>
-                <a:sym typeface="Courier New"/>
-              </a:rPr>
-              <a:t> *</a:t>
-            </a:r>
-            <a:r>
-              <a:rPr lang="es-ES" sz="1600" dirty="0" err="1">
-                <a:latin typeface="Courier New"/>
-                <a:ea typeface="Courier New"/>
-                <a:cs typeface="Courier New"/>
-                <a:sym typeface="Courier New"/>
-              </a:rPr>
-              <a:t>tf</a:t>
-            </a:r>
-            <a:r>
-              <a:rPr lang="es-ES" sz="1600" dirty="0">
-                <a:latin typeface="Courier New"/>
-                <a:ea typeface="Courier New"/>
-                <a:cs typeface="Courier New"/>
-                <a:sym typeface="Courier New"/>
-              </a:rPr>
-              <a:t>;            // </a:t>
-            </a:r>
-            <a:r>
-              <a:rPr lang="es-ES" sz="1600" dirty="0" err="1">
-                <a:latin typeface="Courier New"/>
-                <a:ea typeface="Courier New"/>
-                <a:cs typeface="Courier New"/>
-                <a:sym typeface="Courier New"/>
-              </a:rPr>
-              <a:t>Trap</a:t>
-            </a:r>
-            <a:r>
-              <a:rPr lang="es-ES" sz="1600" dirty="0">
-                <a:latin typeface="Courier New"/>
-                <a:ea typeface="Courier New"/>
-                <a:cs typeface="Courier New"/>
-                <a:sym typeface="Courier New"/>
-              </a:rPr>
-              <a:t> </a:t>
-            </a:r>
-            <a:r>
-              <a:rPr lang="es-ES" sz="1600" dirty="0" err="1">
-                <a:latin typeface="Courier New"/>
-                <a:ea typeface="Courier New"/>
-                <a:cs typeface="Courier New"/>
-                <a:sym typeface="Courier New"/>
-              </a:rPr>
-              <a:t>frame</a:t>
-            </a:r>
-            <a:r>
-              <a:rPr lang="es-ES" sz="1600" dirty="0">
-                <a:latin typeface="Courier New"/>
-                <a:ea typeface="Courier New"/>
-                <a:cs typeface="Courier New"/>
-                <a:sym typeface="Courier New"/>
-              </a:rPr>
-              <a:t> </a:t>
-            </a:r>
-            <a:r>
-              <a:rPr lang="es-ES" sz="1600" dirty="0" err="1">
-                <a:latin typeface="Courier New"/>
-                <a:ea typeface="Courier New"/>
-                <a:cs typeface="Courier New"/>
-                <a:sym typeface="Courier New"/>
-              </a:rPr>
-              <a:t>for</a:t>
-            </a:r>
-            <a:r>
-              <a:rPr lang="es-ES" sz="1600" dirty="0">
-                <a:latin typeface="Courier New"/>
-                <a:ea typeface="Courier New"/>
-                <a:cs typeface="Courier New"/>
-                <a:sym typeface="Courier New"/>
-              </a:rPr>
-              <a:t> </a:t>
-            </a:r>
-            <a:r>
-              <a:rPr lang="es-ES" sz="1600" dirty="0" err="1">
-                <a:latin typeface="Courier New"/>
-                <a:ea typeface="Courier New"/>
-                <a:cs typeface="Courier New"/>
-                <a:sym typeface="Courier New"/>
-              </a:rPr>
-              <a:t>the</a:t>
-            </a:r>
-            <a:endParaRPr sz="1600" dirty="0">
-              <a:latin typeface="Courier New"/>
-              <a:ea typeface="Courier New"/>
-              <a:cs typeface="Courier New"/>
-              <a:sym typeface="Courier New"/>
-            </a:endParaRPr>
-          </a:p>
-          <a:p>
-            <a:pPr marL="0" lvl="0" indent="0" algn="l" rtl="0">
-              <a:spcBef>
-                <a:spcPts val="0"/>
-              </a:spcBef>
-              <a:spcAft>
-                <a:spcPts val="0"/>
-              </a:spcAft>
-              <a:buClr>
-                <a:schemeClr val="dk1"/>
-              </a:buClr>
-              <a:buSzPts val="1100"/>
-              <a:buFont typeface="Arial"/>
-              <a:buNone/>
-            </a:pPr>
-            <a:r>
-              <a:rPr lang="es-ES" sz="1600" dirty="0">
-                <a:latin typeface="Courier New"/>
-                <a:ea typeface="Courier New"/>
-                <a:cs typeface="Courier New"/>
-                <a:sym typeface="Courier New"/>
-              </a:rPr>
-              <a:t>                                   // </a:t>
-            </a:r>
-            <a:r>
-              <a:rPr lang="es-ES" sz="1600" dirty="0" err="1">
-                <a:latin typeface="Courier New"/>
-                <a:ea typeface="Courier New"/>
-                <a:cs typeface="Courier New"/>
-                <a:sym typeface="Courier New"/>
-              </a:rPr>
-              <a:t>current</a:t>
-            </a:r>
-            <a:r>
-              <a:rPr lang="es-ES" sz="1600" dirty="0">
-                <a:latin typeface="Courier New"/>
-                <a:ea typeface="Courier New"/>
-                <a:cs typeface="Courier New"/>
-                <a:sym typeface="Courier New"/>
-              </a:rPr>
-              <a:t> </a:t>
-            </a:r>
-            <a:r>
-              <a:rPr lang="es-ES" sz="1600" dirty="0" err="1">
-                <a:latin typeface="Courier New"/>
-                <a:ea typeface="Courier New"/>
-                <a:cs typeface="Courier New"/>
-                <a:sym typeface="Courier New"/>
-              </a:rPr>
-              <a:t>interrupt</a:t>
-            </a:r>
-            <a:endParaRPr sz="1600" dirty="0">
-              <a:latin typeface="Courier New"/>
-              <a:ea typeface="Courier New"/>
-              <a:cs typeface="Courier New"/>
-              <a:sym typeface="Courier New"/>
-            </a:endParaRPr>
-          </a:p>
-          <a:p>
-            <a:pPr marL="0" lvl="0" indent="0" algn="l" rtl="0">
-              <a:spcBef>
-                <a:spcPts val="0"/>
-              </a:spcBef>
-              <a:spcAft>
-                <a:spcPts val="0"/>
-              </a:spcAft>
-              <a:buClr>
-                <a:schemeClr val="dk1"/>
-              </a:buClr>
-              <a:buSzPts val="1100"/>
-              <a:buFont typeface="Arial"/>
-              <a:buNone/>
-            </a:pPr>
-            <a:r>
-              <a:rPr lang="es-ES" sz="1600" dirty="0">
-                <a:latin typeface="Courier New"/>
-                <a:ea typeface="Courier New"/>
-                <a:cs typeface="Courier New"/>
-                <a:sym typeface="Courier New"/>
-              </a:rPr>
-              <a:t>};</a:t>
-            </a:r>
-            <a:endParaRPr sz="1600" dirty="0">
-              <a:latin typeface="Courier New"/>
-              <a:ea typeface="Courier New"/>
-              <a:cs typeface="Courier New"/>
-              <a:sym typeface="Courier New"/>
-            </a:endParaRPr>
-          </a:p>
-        </p:txBody>
-      </p:sp>
-    </p:spTree>
-    <p:extLst>
-      <p:ext uri="{BB962C8B-B14F-4D97-AF65-F5344CB8AC3E}">
-        <p14:creationId xmlns:p14="http://schemas.microsoft.com/office/powerpoint/2010/main" val="1729188636"/>
-      </p:ext>
-    </p:extLst>
   </p:cSld>
   <p:clrMapOvr>
     <a:masterClrMapping/>
